--- a/summary.pptx
+++ b/summary.pptx
@@ -106,7 +106,7 @@
   </p:defaultTextStyle>
   <p:extLst>
     <p:ext uri="{EFAFB233-063F-42B5-8137-9DF3F51BA10A}">
-      <p15:sldGuideLst xmlns:p15="http://schemas.microsoft.com/office/powerpoint/2012/main" xmlns="">
+      <p15:sldGuideLst xmlns:p15="http://schemas.microsoft.com/office/powerpoint/2012/main">
         <p15:guide id="1" orient="horz" pos="2160">
           <p15:clr>
             <a:srgbClr val="A4A3A4"/>
@@ -306,7 +306,7 @@
           <a:p>
             <a:fld id="{5A4526AC-7C8E-4382-A5C3-635A64199315}" type="datetimeFigureOut">
               <a:rPr kumimoji="1" lang="ja-JP" altLang="en-US" smtClean="0"/>
-              <a:t>2017/10/16</a:t>
+              <a:t>2017/10/17</a:t>
             </a:fld>
             <a:endParaRPr kumimoji="1" lang="ja-JP" altLang="en-US" dirty="0"/>
           </a:p>
@@ -506,7 +506,7 @@
           <a:p>
             <a:fld id="{5A4526AC-7C8E-4382-A5C3-635A64199315}" type="datetimeFigureOut">
               <a:rPr kumimoji="1" lang="ja-JP" altLang="en-US" smtClean="0"/>
-              <a:t>2017/10/16</a:t>
+              <a:t>2017/10/17</a:t>
             </a:fld>
             <a:endParaRPr kumimoji="1" lang="ja-JP" altLang="en-US" dirty="0"/>
           </a:p>
@@ -716,7 +716,7 @@
           <a:p>
             <a:fld id="{5A4526AC-7C8E-4382-A5C3-635A64199315}" type="datetimeFigureOut">
               <a:rPr kumimoji="1" lang="ja-JP" altLang="en-US" smtClean="0"/>
-              <a:t>2017/10/16</a:t>
+              <a:t>2017/10/17</a:t>
             </a:fld>
             <a:endParaRPr kumimoji="1" lang="ja-JP" altLang="en-US" dirty="0"/>
           </a:p>
@@ -916,7 +916,7 @@
           <a:p>
             <a:fld id="{5A4526AC-7C8E-4382-A5C3-635A64199315}" type="datetimeFigureOut">
               <a:rPr kumimoji="1" lang="ja-JP" altLang="en-US" smtClean="0"/>
-              <a:t>2017/10/16</a:t>
+              <a:t>2017/10/17</a:t>
             </a:fld>
             <a:endParaRPr kumimoji="1" lang="ja-JP" altLang="en-US" dirty="0"/>
           </a:p>
@@ -1161,7 +1161,7 @@
           <a:p>
             <a:fld id="{5A4526AC-7C8E-4382-A5C3-635A64199315}" type="datetimeFigureOut">
               <a:rPr kumimoji="1" lang="ja-JP" altLang="en-US" smtClean="0"/>
-              <a:t>2017/10/16</a:t>
+              <a:t>2017/10/17</a:t>
             </a:fld>
             <a:endParaRPr kumimoji="1" lang="ja-JP" altLang="en-US" dirty="0"/>
           </a:p>
@@ -1510,7 +1510,7 @@
           <a:p>
             <a:fld id="{5A4526AC-7C8E-4382-A5C3-635A64199315}" type="datetimeFigureOut">
               <a:rPr kumimoji="1" lang="ja-JP" altLang="en-US" smtClean="0"/>
-              <a:t>2017/10/16</a:t>
+              <a:t>2017/10/17</a:t>
             </a:fld>
             <a:endParaRPr kumimoji="1" lang="ja-JP" altLang="en-US" dirty="0"/>
           </a:p>
@@ -1993,7 +1993,7 @@
           <a:p>
             <a:fld id="{5A4526AC-7C8E-4382-A5C3-635A64199315}" type="datetimeFigureOut">
               <a:rPr kumimoji="1" lang="ja-JP" altLang="en-US" smtClean="0"/>
-              <a:t>2017/10/16</a:t>
+              <a:t>2017/10/17</a:t>
             </a:fld>
             <a:endParaRPr kumimoji="1" lang="ja-JP" altLang="en-US" dirty="0"/>
           </a:p>
@@ -2110,7 +2110,7 @@
           <a:p>
             <a:fld id="{5A4526AC-7C8E-4382-A5C3-635A64199315}" type="datetimeFigureOut">
               <a:rPr kumimoji="1" lang="ja-JP" altLang="en-US" smtClean="0"/>
-              <a:t>2017/10/16</a:t>
+              <a:t>2017/10/17</a:t>
             </a:fld>
             <a:endParaRPr kumimoji="1" lang="ja-JP" altLang="en-US" dirty="0"/>
           </a:p>
@@ -2205,7 +2205,7 @@
           <a:p>
             <a:fld id="{5A4526AC-7C8E-4382-A5C3-635A64199315}" type="datetimeFigureOut">
               <a:rPr kumimoji="1" lang="ja-JP" altLang="en-US" smtClean="0"/>
-              <a:t>2017/10/16</a:t>
+              <a:t>2017/10/17</a:t>
             </a:fld>
             <a:endParaRPr kumimoji="1" lang="ja-JP" altLang="en-US" dirty="0"/>
           </a:p>
@@ -2512,7 +2512,7 @@
           <a:p>
             <a:fld id="{5A4526AC-7C8E-4382-A5C3-635A64199315}" type="datetimeFigureOut">
               <a:rPr kumimoji="1" lang="ja-JP" altLang="en-US" smtClean="0"/>
-              <a:t>2017/10/16</a:t>
+              <a:t>2017/10/17</a:t>
             </a:fld>
             <a:endParaRPr kumimoji="1" lang="ja-JP" altLang="en-US" dirty="0"/>
           </a:p>
@@ -2764,7 +2764,7 @@
           <a:p>
             <a:fld id="{5A4526AC-7C8E-4382-A5C3-635A64199315}" type="datetimeFigureOut">
               <a:rPr kumimoji="1" lang="ja-JP" altLang="en-US" smtClean="0"/>
-              <a:t>2017/10/16</a:t>
+              <a:t>2017/10/17</a:t>
             </a:fld>
             <a:endParaRPr kumimoji="1" lang="ja-JP" altLang="en-US" dirty="0"/>
           </a:p>
@@ -3007,7 +3007,7 @@
           <a:p>
             <a:fld id="{5A4526AC-7C8E-4382-A5C3-635A64199315}" type="datetimeFigureOut">
               <a:rPr kumimoji="1" lang="ja-JP" altLang="en-US" smtClean="0"/>
-              <a:t>2017/10/16</a:t>
+              <a:t>2017/10/17</a:t>
             </a:fld>
             <a:endParaRPr kumimoji="1" lang="ja-JP" altLang="en-US" dirty="0"/>
           </a:p>
@@ -3390,7 +3390,7 @@
         </p:nvCxnSpPr>
         <p:spPr>
           <a:xfrm>
-            <a:off x="761857" y="5445224"/>
+            <a:off x="761857" y="5590224"/>
             <a:ext cx="7992888" cy="0"/>
           </a:xfrm>
           <a:prstGeom prst="line">
@@ -3525,7 +3525,7 @@
               <a:p>
                 <a:pPr algn="ctr"/>
                 <a:r>
-                  <a:rPr kumimoji="1" lang="en-US" altLang="ja-JP" sz="1200" dirty="0" smtClean="0">
+                  <a:rPr kumimoji="1" lang="en-US" altLang="ja-JP" sz="1200" dirty="0">
                     <a:solidFill>
                       <a:schemeClr val="bg2">
                         <a:lumMod val="10000"/>
@@ -3609,10 +3609,9 @@
             <a:lstStyle/>
             <a:p>
               <a:r>
-                <a:rPr lang="en-US" altLang="ja-JP" sz="1050" dirty="0" smtClean="0"/>
+                <a:rPr lang="en-US" altLang="ja-JP" sz="1050" dirty="0"/>
                 <a:t>10.5.0.4/16</a:t>
               </a:r>
-              <a:endParaRPr lang="en-US" altLang="ja-JP" sz="1050" dirty="0"/>
             </a:p>
           </p:txBody>
         </p:sp>
@@ -3686,7 +3685,7 @@
               <a:p>
                 <a:pPr algn="ctr"/>
                 <a:r>
-                  <a:rPr kumimoji="1" lang="en-US" altLang="ja-JP" sz="1200" dirty="0" smtClean="0">
+                  <a:rPr kumimoji="1" lang="en-US" altLang="ja-JP" sz="1200" dirty="0">
                     <a:solidFill>
                       <a:schemeClr val="bg2">
                         <a:lumMod val="10000"/>
@@ -3770,10 +3769,9 @@
             <a:lstStyle/>
             <a:p>
               <a:r>
-                <a:rPr lang="en-US" altLang="ja-JP" sz="1050" dirty="0" smtClean="0"/>
+                <a:rPr lang="en-US" altLang="ja-JP" sz="1050" dirty="0"/>
                 <a:t>10.5.0.6/16</a:t>
               </a:r>
-              <a:endParaRPr lang="en-US" altLang="ja-JP" sz="1050" dirty="0"/>
             </a:p>
           </p:txBody>
         </p:sp>
@@ -3786,7 +3784,7 @@
         </p:nvGrpSpPr>
         <p:grpSpPr>
           <a:xfrm>
-            <a:off x="5800185" y="4050080"/>
+            <a:off x="5810609" y="3862066"/>
             <a:ext cx="1415487" cy="917051"/>
             <a:chOff x="6228184" y="2996952"/>
             <a:chExt cx="1415487" cy="917051"/>
@@ -3833,7 +3831,7 @@
             <a:p>
               <a:pPr algn="ctr"/>
               <a:r>
-                <a:rPr lang="en-US" altLang="ja-JP" sz="1200" dirty="0" smtClean="0">
+                <a:rPr lang="en-US" altLang="ja-JP" sz="1200" dirty="0">
                   <a:solidFill>
                     <a:schemeClr val="bg2">
                       <a:lumMod val="10000"/>
@@ -3916,10 +3914,9 @@
             <a:lstStyle/>
             <a:p>
               <a:r>
-                <a:rPr lang="en-US" altLang="ja-JP" sz="1050" dirty="0" smtClean="0"/>
+                <a:rPr lang="en-US" altLang="ja-JP" sz="1050" dirty="0"/>
                 <a:t>10.5.0.5/16</a:t>
               </a:r>
-              <a:endParaRPr lang="en-US" altLang="ja-JP" sz="1050" dirty="0"/>
             </a:p>
           </p:txBody>
         </p:sp>
@@ -3965,7 +3962,7 @@
           <a:p>
             <a:pPr algn="ctr"/>
             <a:r>
-              <a:rPr kumimoji="1" lang="en-US" altLang="ja-JP" sz="1200" dirty="0" smtClean="0">
+              <a:rPr kumimoji="1" lang="en-US" altLang="ja-JP" sz="1200" dirty="0">
                 <a:solidFill>
                   <a:schemeClr val="bg2">
                     <a:lumMod val="10000"/>
@@ -4073,8 +4070,8 @@
         </p:nvCxnSpPr>
         <p:spPr>
           <a:xfrm rot="16200000" flipH="1">
-            <a:off x="3979954" y="2494616"/>
-            <a:ext cx="629641" cy="3335021"/>
+            <a:off x="4079173" y="2395397"/>
+            <a:ext cx="441627" cy="3345445"/>
           </a:xfrm>
           <a:prstGeom prst="bentConnector2">
             <a:avLst/>
@@ -4141,7 +4138,7 @@
           <a:p>
             <a:pPr algn="ctr"/>
             <a:r>
-              <a:rPr lang="en-US" altLang="ja-JP" sz="800" dirty="0" smtClean="0">
+              <a:rPr lang="en-US" altLang="ja-JP" sz="800" dirty="0">
                 <a:solidFill>
                   <a:schemeClr val="tx1"/>
                 </a:solidFill>
@@ -4200,7 +4197,7 @@
           <a:p>
             <a:pPr algn="ctr"/>
             <a:r>
-              <a:rPr lang="en-US" altLang="ja-JP" sz="800" dirty="0" smtClean="0">
+              <a:rPr lang="en-US" altLang="ja-JP" sz="800" dirty="0">
                 <a:solidFill>
                   <a:schemeClr val="tx1"/>
                 </a:solidFill>
@@ -4328,7 +4325,7 @@
             <a:lstStyle/>
             <a:p>
               <a:r>
-                <a:rPr kumimoji="1" lang="en-US" altLang="ja-JP" dirty="0" smtClean="0"/>
+                <a:rPr kumimoji="1" lang="en-US" altLang="ja-JP" dirty="0"/>
                 <a:t>DNS record</a:t>
               </a:r>
               <a:endParaRPr kumimoji="1" lang="ja-JP" altLang="en-US" dirty="0"/>
@@ -4449,7 +4446,7 @@
             <a:lstStyle/>
             <a:p>
               <a:r>
-                <a:rPr kumimoji="1" lang="en-US" altLang="ja-JP" sz="1100" dirty="0" smtClean="0"/>
+                <a:rPr kumimoji="1" lang="en-US" altLang="ja-JP" sz="1100" dirty="0"/>
                 <a:t>root@kunii.local</a:t>
               </a:r>
               <a:endParaRPr kumimoji="1" lang="ja-JP" altLang="en-US" sz="1100" dirty="0"/>
@@ -4614,7 +4611,7 @@
           <a:p>
             <a:pPr algn="ctr"/>
             <a:r>
-              <a:rPr lang="en-US" altLang="ja-JP" sz="800" dirty="0" smtClean="0">
+              <a:rPr lang="en-US" altLang="ja-JP" sz="800" dirty="0">
                 <a:solidFill>
                   <a:schemeClr val="tx1"/>
                 </a:solidFill>
@@ -4673,7 +4670,7 @@
           <a:p>
             <a:pPr algn="ctr"/>
             <a:r>
-              <a:rPr lang="en-US" altLang="ja-JP" sz="800" dirty="0" smtClean="0">
+              <a:rPr lang="en-US" altLang="ja-JP" sz="800" dirty="0">
                 <a:solidFill>
                   <a:schemeClr val="tx1"/>
                 </a:solidFill>
@@ -4715,7 +4712,7 @@
         </p:blipFill>
         <p:spPr bwMode="auto">
           <a:xfrm rot="19957390">
-            <a:off x="4100071" y="4229076"/>
+            <a:off x="4114704" y="4179493"/>
             <a:ext cx="181756" cy="181756"/>
           </a:xfrm>
           <a:prstGeom prst="rect">
@@ -4741,7 +4738,7 @@
         </p:nvSpPr>
         <p:spPr>
           <a:xfrm>
-            <a:off x="3394303" y="4639997"/>
+            <a:off x="3407126" y="4497747"/>
             <a:ext cx="1596912" cy="246221"/>
           </a:xfrm>
           <a:prstGeom prst="rect">
@@ -4760,14 +4757,7 @@
                 <a:latin typeface="メイリオ" panose="020B0604030504040204" pitchFamily="50" charset="-128"/>
                 <a:ea typeface="メイリオ" panose="020B0604030504040204" pitchFamily="50" charset="-128"/>
               </a:rPr>
-              <a:t>Kunii.local -&gt; </a:t>
-            </a:r>
-            <a:r>
-              <a:rPr lang="en-US" altLang="ja-JP" sz="1000" dirty="0" smtClean="0">
-                <a:latin typeface="メイリオ" panose="020B0604030504040204" pitchFamily="50" charset="-128"/>
-                <a:ea typeface="メイリオ" panose="020B0604030504040204" pitchFamily="50" charset="-128"/>
-              </a:rPr>
-              <a:t>10.5.0.5</a:t>
+              <a:t>Kunii.local -&gt; 10.5.0.5</a:t>
             </a:r>
             <a:endParaRPr lang="ja-JP" altLang="en-US" sz="1000" dirty="0">
               <a:latin typeface="メイリオ" panose="020B0604030504040204" pitchFamily="50" charset="-128"/>
@@ -4799,7 +4789,7 @@
         </p:blipFill>
         <p:spPr bwMode="auto">
           <a:xfrm>
-            <a:off x="7740350" y="4168047"/>
+            <a:off x="7740349" y="3971864"/>
             <a:ext cx="570745" cy="597014"/>
           </a:xfrm>
           <a:prstGeom prst="rect">
@@ -4825,7 +4815,7 @@
         </p:nvSpPr>
         <p:spPr>
           <a:xfrm>
-            <a:off x="7717785" y="4759260"/>
+            <a:off x="7727537" y="4574634"/>
             <a:ext cx="615874" cy="253916"/>
           </a:xfrm>
           <a:prstGeom prst="rect">
@@ -4840,10 +4830,9 @@
           <a:lstStyle/>
           <a:p>
             <a:r>
-              <a:rPr lang="en-US" altLang="ja-JP" sz="1050" dirty="0" smtClean="0"/>
+              <a:rPr lang="en-US" altLang="ja-JP" sz="1050" dirty="0"/>
               <a:t>mailbox</a:t>
             </a:r>
-            <a:endParaRPr lang="en-US" altLang="ja-JP" sz="1050" dirty="0"/>
           </a:p>
         </p:txBody>
       </p:sp>
@@ -4858,8 +4847,8 @@
         </p:nvCxnSpPr>
         <p:spPr>
           <a:xfrm flipV="1">
-            <a:off x="8025722" y="5013176"/>
-            <a:ext cx="0" cy="504056"/>
+            <a:off x="8025722" y="4828550"/>
+            <a:ext cx="9752" cy="688682"/>
           </a:xfrm>
           <a:prstGeom prst="straightConnector1">
             <a:avLst/>
@@ -4886,6 +4875,81 @@
           </a:fontRef>
         </p:style>
       </p:cxnSp>
+      <p:sp>
+        <p:nvSpPr>
+          <p:cNvPr id="41" name="テキスト ボックス 40">
+            <a:extLst>
+              <a:ext uri="{FF2B5EF4-FFF2-40B4-BE49-F238E27FC236}">
+                <a16:creationId xmlns:a16="http://schemas.microsoft.com/office/drawing/2014/main" id="{913630E1-22CA-47F3-B798-92C38EEEC800}"/>
+              </a:ext>
+            </a:extLst>
+          </p:cNvPr>
+          <p:cNvSpPr txBox="1"/>
+          <p:nvPr/>
+        </p:nvSpPr>
+        <p:spPr>
+          <a:xfrm>
+            <a:off x="5856690" y="4849726"/>
+            <a:ext cx="1619354" cy="646331"/>
+          </a:xfrm>
+          <a:prstGeom prst="rect">
+            <a:avLst/>
+          </a:prstGeom>
+          <a:noFill/>
+        </p:spPr>
+        <p:txBody>
+          <a:bodyPr wrap="none" rtlCol="0">
+            <a:spAutoFit/>
+          </a:bodyPr>
+          <a:lstStyle/>
+          <a:p>
+            <a:pPr>
+              <a:lnSpc>
+                <a:spcPct val="150000"/>
+              </a:lnSpc>
+            </a:pPr>
+            <a:r>
+              <a:rPr lang="en-US" altLang="ja-JP" sz="800" dirty="0">
+                <a:latin typeface="メイリオ" panose="020B0604030504040204" pitchFamily="50" charset="-128"/>
+                <a:ea typeface="メイリオ" panose="020B0604030504040204" pitchFamily="50" charset="-128"/>
+              </a:rPr>
+              <a:t>myhost:        mail.kunii.local</a:t>
+            </a:r>
+          </a:p>
+          <a:p>
+            <a:pPr>
+              <a:lnSpc>
+                <a:spcPct val="150000"/>
+              </a:lnSpc>
+            </a:pPr>
+            <a:r>
+              <a:rPr lang="en-US" altLang="ja-JP" sz="800" dirty="0">
+                <a:latin typeface="メイリオ" panose="020B0604030504040204" pitchFamily="50" charset="-128"/>
+                <a:ea typeface="メイリオ" panose="020B0604030504040204" pitchFamily="50" charset="-128"/>
+              </a:rPr>
+              <a:t>mydomain:    kunii.local</a:t>
+            </a:r>
+          </a:p>
+          <a:p>
+            <a:pPr>
+              <a:lnSpc>
+                <a:spcPct val="150000"/>
+              </a:lnSpc>
+            </a:pPr>
+            <a:r>
+              <a:rPr lang="en-US" altLang="ja-JP" sz="800" dirty="0">
+                <a:latin typeface="メイリオ" panose="020B0604030504040204" pitchFamily="50" charset="-128"/>
+                <a:ea typeface="メイリオ" panose="020B0604030504040204" pitchFamily="50" charset="-128"/>
+              </a:rPr>
+              <a:t>mynetworks: 10.5.0.0/16</a:t>
+            </a:r>
+            <a:endParaRPr lang="ja-JP" altLang="en-US" sz="800" dirty="0">
+              <a:latin typeface="メイリオ" panose="020B0604030504040204" pitchFamily="50" charset="-128"/>
+              <a:ea typeface="メイリオ" panose="020B0604030504040204" pitchFamily="50" charset="-128"/>
+            </a:endParaRPr>
+          </a:p>
+        </p:txBody>
+      </p:sp>
     </p:spTree>
     <p:extLst>
       <p:ext uri="{BB962C8B-B14F-4D97-AF65-F5344CB8AC3E}">

--- a/summary.pptx
+++ b/summary.pptx
@@ -4739,7 +4739,7 @@
         <p:spPr>
           <a:xfrm>
             <a:off x="3407126" y="4497747"/>
-            <a:ext cx="1596912" cy="246221"/>
+            <a:ext cx="1582484" cy="246221"/>
           </a:xfrm>
           <a:prstGeom prst="rect">
             <a:avLst/>
@@ -4753,11 +4753,18 @@
           <a:lstStyle/>
           <a:p>
             <a:r>
+              <a:rPr lang="en-US" altLang="ja-JP" sz="1000">
+                <a:latin typeface="メイリオ" panose="020B0604030504040204" pitchFamily="50" charset="-128"/>
+                <a:ea typeface="メイリオ" panose="020B0604030504040204" pitchFamily="50" charset="-128"/>
+              </a:rPr>
+              <a:t>kunii</a:t>
+            </a:r>
+            <a:r>
               <a:rPr lang="en-US" altLang="ja-JP" sz="1000" dirty="0">
                 <a:latin typeface="メイリオ" panose="020B0604030504040204" pitchFamily="50" charset="-128"/>
                 <a:ea typeface="メイリオ" panose="020B0604030504040204" pitchFamily="50" charset="-128"/>
               </a:rPr>
-              <a:t>Kunii.local -&gt; 10.5.0.5</a:t>
+              <a:t>.local -&gt; 10.5.0.5</a:t>
             </a:r>
             <a:endParaRPr lang="ja-JP" altLang="en-US" sz="1000" dirty="0">
               <a:latin typeface="メイリオ" panose="020B0604030504040204" pitchFamily="50" charset="-128"/>

--- a/summary.pptx
+++ b/summary.pptx
@@ -3464,10 +3464,10 @@
         </p:nvGrpSpPr>
         <p:grpSpPr>
           <a:xfrm>
-            <a:off x="4315880" y="606464"/>
-            <a:ext cx="1540810" cy="978364"/>
+            <a:off x="2441350" y="1139069"/>
+            <a:ext cx="1540810" cy="953552"/>
             <a:chOff x="3191248" y="814004"/>
-            <a:chExt cx="1540810" cy="978364"/>
+            <a:chExt cx="1540810" cy="953552"/>
           </a:xfrm>
         </p:grpSpPr>
         <p:grpSp>
@@ -3594,7 +3594,7 @@
           </p:nvSpPr>
           <p:spPr>
             <a:xfrm>
-              <a:off x="3790213" y="1538452"/>
+              <a:off x="3656161" y="1513640"/>
               <a:ext cx="819455" cy="253916"/>
             </a:xfrm>
             <a:prstGeom prst="rect">
@@ -3624,10 +3624,10 @@
         </p:nvGrpSpPr>
         <p:grpSpPr>
           <a:xfrm>
-            <a:off x="540952" y="4074191"/>
-            <a:ext cx="1446938" cy="917051"/>
-            <a:chOff x="968923" y="2996952"/>
-            <a:chExt cx="1446938" cy="917051"/>
+            <a:off x="382618" y="3142311"/>
+            <a:ext cx="3848961" cy="1462123"/>
+            <a:chOff x="1063733" y="2996952"/>
+            <a:chExt cx="2245839" cy="870859"/>
           </a:xfrm>
         </p:grpSpPr>
         <p:grpSp>
@@ -3638,10 +3638,10 @@
           </p:nvGrpSpPr>
           <p:grpSpPr>
             <a:xfrm>
-              <a:off x="968923" y="2996952"/>
-              <a:ext cx="1446938" cy="663135"/>
-              <a:chOff x="1692392" y="1664291"/>
-              <a:chExt cx="1446938" cy="663135"/>
+              <a:off x="1063733" y="2996952"/>
+              <a:ext cx="2245839" cy="709703"/>
+              <a:chOff x="1787202" y="1664291"/>
+              <a:chExt cx="2245839" cy="709703"/>
             </a:xfrm>
           </p:grpSpPr>
           <p:sp>
@@ -3652,8 +3652,8 @@
             </p:nvSpPr>
             <p:spPr>
               <a:xfrm>
-                <a:off x="1885943" y="1833721"/>
-                <a:ext cx="1253387" cy="493705"/>
+                <a:off x="2008485" y="1782953"/>
+                <a:ext cx="2024556" cy="591041"/>
               </a:xfrm>
               <a:prstGeom prst="rect">
                 <a:avLst/>
@@ -3684,16 +3684,6 @@
               <a:lstStyle/>
               <a:p>
                 <a:pPr algn="ctr"/>
-                <a:r>
-                  <a:rPr kumimoji="1" lang="en-US" altLang="ja-JP" sz="1200" dirty="0">
-                    <a:solidFill>
-                      <a:schemeClr val="bg2">
-                        <a:lumMod val="10000"/>
-                      </a:schemeClr>
-                    </a:solidFill>
-                  </a:rPr>
-                  <a:t>sender</a:t>
-                </a:r>
                 <a:endParaRPr kumimoji="1" lang="ja-JP" altLang="en-US" sz="1200" dirty="0">
                   <a:solidFill>
                     <a:schemeClr val="bg2">
@@ -3707,6 +3697,929 @@
           <p:pic>
             <p:nvPicPr>
               <p:cNvPr id="50" name="Picture 4" descr="C:\Users\kunii\Desktop\20151222221539.jpg"/>
+              <p:cNvPicPr>
+                <a:picLocks noChangeAspect="1" noChangeArrowheads="1"/>
+              </p:cNvPicPr>
+              <p:nvPr/>
+            </p:nvPicPr>
+            <p:blipFill>
+              <a:blip r:embed="rId3" cstate="print">
+                <a:extLst>
+                  <a:ext uri="{28A0092B-C50C-407E-A947-70E740481C1C}">
+                    <a14:useLocalDpi xmlns:a14="http://schemas.microsoft.com/office/drawing/2010/main" val="0"/>
+                  </a:ext>
+                </a:extLst>
+              </a:blip>
+              <a:srcRect/>
+              <a:stretch>
+                <a:fillRect/>
+              </a:stretch>
+            </p:blipFill>
+            <p:spPr bwMode="auto">
+              <a:xfrm>
+                <a:off x="1787202" y="1664291"/>
+                <a:ext cx="504323" cy="392363"/>
+              </a:xfrm>
+              <a:prstGeom prst="rect">
+                <a:avLst/>
+              </a:prstGeom>
+              <a:noFill/>
+              <a:extLst>
+                <a:ext uri="{909E8E84-426E-40DD-AFC4-6F175D3DCCD1}">
+                  <a14:hiddenFill xmlns:a14="http://schemas.microsoft.com/office/drawing/2010/main">
+                    <a:solidFill>
+                      <a:srgbClr val="FFFFFF"/>
+                    </a:solidFill>
+                  </a14:hiddenFill>
+                </a:ext>
+              </a:extLst>
+            </p:spPr>
+          </p:pic>
+        </p:grpSp>
+        <p:sp>
+          <p:nvSpPr>
+            <p:cNvPr id="57" name="テキスト ボックス 56"/>
+            <p:cNvSpPr txBox="1"/>
+            <p:nvPr/>
+          </p:nvSpPr>
+          <p:spPr>
+            <a:xfrm>
+              <a:off x="1986514" y="3716575"/>
+              <a:ext cx="498372" cy="151236"/>
+            </a:xfrm>
+            <a:prstGeom prst="rect">
+              <a:avLst/>
+            </a:prstGeom>
+            <a:noFill/>
+          </p:spPr>
+          <p:txBody>
+            <a:bodyPr wrap="square" rtlCol="0">
+              <a:spAutoFit/>
+            </a:bodyPr>
+            <a:lstStyle/>
+            <a:p>
+              <a:r>
+                <a:rPr lang="en-US" altLang="ja-JP" sz="1050" dirty="0"/>
+                <a:t>10.5.0.6/16</a:t>
+              </a:r>
+            </a:p>
+          </p:txBody>
+        </p:sp>
+      </p:grpSp>
+      <p:grpSp>
+        <p:nvGrpSpPr>
+          <p:cNvPr id="118" name="グループ化 117"/>
+          <p:cNvGrpSpPr/>
+          <p:nvPr/>
+        </p:nvGrpSpPr>
+        <p:grpSpPr>
+          <a:xfrm>
+            <a:off x="6842794" y="246004"/>
+            <a:ext cx="2164375" cy="1564442"/>
+            <a:chOff x="6237287" y="766269"/>
+            <a:chExt cx="2164375" cy="1564442"/>
+          </a:xfrm>
+        </p:grpSpPr>
+        <p:sp>
+          <p:nvSpPr>
+            <p:cNvPr id="6" name="テキスト ボックス 5"/>
+            <p:cNvSpPr txBox="1"/>
+            <p:nvPr/>
+          </p:nvSpPr>
+          <p:spPr>
+            <a:xfrm>
+              <a:off x="6237287" y="1268882"/>
+              <a:ext cx="2164375" cy="1061829"/>
+            </a:xfrm>
+            <a:prstGeom prst="rect">
+              <a:avLst/>
+            </a:prstGeom>
+            <a:noFill/>
+          </p:spPr>
+          <p:txBody>
+            <a:bodyPr wrap="none" rtlCol="0">
+              <a:spAutoFit/>
+            </a:bodyPr>
+            <a:lstStyle/>
+            <a:p>
+              <a:r>
+                <a:rPr lang="en-US" altLang="ja-JP" sz="900" dirty="0"/>
+                <a:t>@          IN A 10.5.0.5</a:t>
+              </a:r>
+            </a:p>
+            <a:p>
+              <a:endParaRPr lang="en-US" altLang="ja-JP" sz="900" dirty="0"/>
+            </a:p>
+            <a:p>
+              <a:r>
+                <a:rPr lang="en-US" altLang="ja-JP" sz="900" dirty="0"/>
+                <a:t>@          IN NS ns.hoge.com.</a:t>
+              </a:r>
+            </a:p>
+            <a:p>
+              <a:r>
+                <a:rPr lang="en-US" altLang="ja-JP" sz="900" dirty="0"/>
+                <a:t>ns         IN A  10.5.0.4</a:t>
+              </a:r>
+            </a:p>
+            <a:p>
+              <a:endParaRPr lang="en-US" altLang="ja-JP" sz="900" dirty="0"/>
+            </a:p>
+            <a:p>
+              <a:r>
+                <a:rPr lang="en-US" altLang="ja-JP" sz="900" dirty="0">
+                  <a:solidFill>
+                    <a:srgbClr val="FF0000"/>
+                  </a:solidFill>
+                </a:rPr>
+                <a:t>mail  IN A  10.5.0.5</a:t>
+              </a:r>
+            </a:p>
+            <a:p>
+              <a:r>
+                <a:rPr lang="en-US" altLang="ja-JP" sz="900" dirty="0">
+                  <a:solidFill>
+                    <a:srgbClr val="FF0000"/>
+                  </a:solidFill>
+                </a:rPr>
+                <a:t>hoge.com.      IN      MX 10  mail.hoge.com.</a:t>
+              </a:r>
+              <a:endParaRPr kumimoji="1" lang="ja-JP" altLang="en-US" sz="900" dirty="0">
+                <a:solidFill>
+                  <a:srgbClr val="FF0000"/>
+                </a:solidFill>
+              </a:endParaRPr>
+            </a:p>
+          </p:txBody>
+        </p:sp>
+        <p:sp>
+          <p:nvSpPr>
+            <p:cNvPr id="1051" name="テキスト ボックス 1050"/>
+            <p:cNvSpPr txBox="1"/>
+            <p:nvPr/>
+          </p:nvSpPr>
+          <p:spPr>
+            <a:xfrm>
+              <a:off x="6237287" y="766269"/>
+              <a:ext cx="1965731" cy="307777"/>
+            </a:xfrm>
+            <a:prstGeom prst="rect">
+              <a:avLst/>
+            </a:prstGeom>
+            <a:noFill/>
+          </p:spPr>
+          <p:txBody>
+            <a:bodyPr wrap="none" rtlCol="0">
+              <a:spAutoFit/>
+            </a:bodyPr>
+            <a:lstStyle/>
+            <a:p>
+              <a:r>
+                <a:rPr kumimoji="1" lang="en-US" altLang="ja-JP" sz="1400" dirty="0"/>
+                <a:t>DNS record</a:t>
+              </a:r>
+              <a:r>
+                <a:rPr kumimoji="1" lang="en-US" altLang="ja-JP" sz="1050" dirty="0"/>
+                <a:t>(hoge.com.zone)</a:t>
+              </a:r>
+              <a:endParaRPr kumimoji="1" lang="ja-JP" altLang="en-US" sz="1400" dirty="0"/>
+            </a:p>
+          </p:txBody>
+        </p:sp>
+        <p:cxnSp>
+          <p:nvCxnSpPr>
+            <p:cNvPr id="1053" name="直線コネクタ 1052"/>
+            <p:cNvCxnSpPr>
+              <a:cxnSpLocks/>
+            </p:cNvCxnSpPr>
+            <p:nvPr/>
+          </p:nvCxnSpPr>
+          <p:spPr>
+            <a:xfrm>
+              <a:off x="6237287" y="1135601"/>
+              <a:ext cx="1965731" cy="0"/>
+            </a:xfrm>
+            <a:prstGeom prst="line">
+              <a:avLst/>
+            </a:prstGeom>
+            <a:ln>
+              <a:solidFill>
+                <a:schemeClr val="tx1"/>
+              </a:solidFill>
+            </a:ln>
+          </p:spPr>
+          <p:style>
+            <a:lnRef idx="1">
+              <a:schemeClr val="accent1"/>
+            </a:lnRef>
+            <a:fillRef idx="0">
+              <a:schemeClr val="accent1"/>
+            </a:fillRef>
+            <a:effectRef idx="0">
+              <a:schemeClr val="accent1"/>
+            </a:effectRef>
+            <a:fontRef idx="minor">
+              <a:schemeClr val="tx1"/>
+            </a:fontRef>
+          </p:style>
+        </p:cxnSp>
+      </p:grpSp>
+      <p:sp>
+        <p:nvSpPr>
+          <p:cNvPr id="119" name="テキスト ボックス 118"/>
+          <p:cNvSpPr txBox="1"/>
+          <p:nvPr/>
+        </p:nvSpPr>
+        <p:spPr>
+          <a:xfrm>
+            <a:off x="4549121" y="4049004"/>
+            <a:ext cx="982961" cy="707886"/>
+          </a:xfrm>
+          <a:prstGeom prst="rect">
+            <a:avLst/>
+          </a:prstGeom>
+          <a:noFill/>
+        </p:spPr>
+        <p:txBody>
+          <a:bodyPr wrap="none" rtlCol="0">
+            <a:spAutoFit/>
+          </a:bodyPr>
+          <a:lstStyle/>
+          <a:p>
+            <a:r>
+              <a:rPr lang="en-US" altLang="ja-JP" sz="800" dirty="0">
+                <a:latin typeface="メイリオ" panose="020B0604030504040204" pitchFamily="50" charset="-128"/>
+                <a:ea typeface="メイリオ" panose="020B0604030504040204" pitchFamily="50" charset="-128"/>
+              </a:rPr>
+              <a:t>To:      </a:t>
+            </a:r>
+          </a:p>
+          <a:p>
+            <a:r>
+              <a:rPr lang="en-US" altLang="ja-JP" sz="800" dirty="0">
+                <a:latin typeface="メイリオ" panose="020B0604030504040204" pitchFamily="50" charset="-128"/>
+                <a:ea typeface="メイリオ" panose="020B0604030504040204" pitchFamily="50" charset="-128"/>
+              </a:rPr>
+              <a:t>root@hoge.com</a:t>
+            </a:r>
+          </a:p>
+          <a:p>
+            <a:br>
+              <a:rPr lang="en-US" altLang="ja-JP" sz="800" dirty="0">
+                <a:latin typeface="メイリオ" panose="020B0604030504040204" pitchFamily="50" charset="-128"/>
+                <a:ea typeface="メイリオ" panose="020B0604030504040204" pitchFamily="50" charset="-128"/>
+              </a:rPr>
+            </a:br>
+            <a:r>
+              <a:rPr lang="en-US" altLang="ja-JP" sz="800" dirty="0">
+                <a:latin typeface="メイリオ" panose="020B0604030504040204" pitchFamily="50" charset="-128"/>
+                <a:ea typeface="メイリオ" panose="020B0604030504040204" pitchFamily="50" charset="-128"/>
+              </a:rPr>
+              <a:t>From:  </a:t>
+            </a:r>
+          </a:p>
+          <a:p>
+            <a:r>
+              <a:rPr lang="en-US" altLang="ja-JP" sz="800" dirty="0">
+                <a:latin typeface="メイリオ" panose="020B0604030504040204" pitchFamily="50" charset="-128"/>
+                <a:ea typeface="メイリオ" panose="020B0604030504040204" pitchFamily="50" charset="-128"/>
+              </a:rPr>
+              <a:t>root@fuga.com</a:t>
+            </a:r>
+            <a:endParaRPr lang="ja-JP" altLang="en-US" sz="800" dirty="0">
+              <a:latin typeface="メイリオ" panose="020B0604030504040204" pitchFamily="50" charset="-128"/>
+              <a:ea typeface="メイリオ" panose="020B0604030504040204" pitchFamily="50" charset="-128"/>
+            </a:endParaRPr>
+          </a:p>
+        </p:txBody>
+      </p:sp>
+      <p:cxnSp>
+        <p:nvCxnSpPr>
+          <p:cNvPr id="122" name="直線矢印コネクタ 121"/>
+          <p:cNvCxnSpPr>
+            <a:cxnSpLocks/>
+            <a:endCxn id="163" idx="2"/>
+          </p:cNvCxnSpPr>
+          <p:nvPr/>
+        </p:nvCxnSpPr>
+        <p:spPr>
+          <a:xfrm flipV="1">
+            <a:off x="8400376" y="4317993"/>
+            <a:ext cx="0" cy="1101459"/>
+          </a:xfrm>
+          <a:prstGeom prst="straightConnector1">
+            <a:avLst/>
+          </a:prstGeom>
+          <a:ln w="57150">
+            <a:solidFill>
+              <a:srgbClr val="FFC000"/>
+            </a:solidFill>
+            <a:tailEnd type="arrow"/>
+          </a:ln>
+        </p:spPr>
+        <p:style>
+          <a:lnRef idx="1">
+            <a:schemeClr val="accent1"/>
+          </a:lnRef>
+          <a:fillRef idx="0">
+            <a:schemeClr val="accent1"/>
+          </a:fillRef>
+          <a:effectRef idx="0">
+            <a:schemeClr val="accent1"/>
+          </a:effectRef>
+          <a:fontRef idx="minor">
+            <a:schemeClr val="tx1"/>
+          </a:fontRef>
+        </p:style>
+      </p:cxnSp>
+      <p:sp>
+        <p:nvSpPr>
+          <p:cNvPr id="41" name="テキスト ボックス 40">
+            <a:extLst>
+              <a:ext uri="{FF2B5EF4-FFF2-40B4-BE49-F238E27FC236}">
+                <a16:creationId xmlns:a16="http://schemas.microsoft.com/office/drawing/2014/main" id="{913630E1-22CA-47F3-B798-92C38EEEC800}"/>
+              </a:ext>
+            </a:extLst>
+          </p:cNvPr>
+          <p:cNvSpPr txBox="1"/>
+          <p:nvPr/>
+        </p:nvSpPr>
+        <p:spPr>
+          <a:xfrm>
+            <a:off x="6717639" y="4724520"/>
+            <a:ext cx="1617751" cy="646331"/>
+          </a:xfrm>
+          <a:prstGeom prst="rect">
+            <a:avLst/>
+          </a:prstGeom>
+          <a:noFill/>
+        </p:spPr>
+        <p:txBody>
+          <a:bodyPr wrap="none" rtlCol="0">
+            <a:spAutoFit/>
+          </a:bodyPr>
+          <a:lstStyle/>
+          <a:p>
+            <a:pPr>
+              <a:lnSpc>
+                <a:spcPct val="150000"/>
+              </a:lnSpc>
+            </a:pPr>
+            <a:r>
+              <a:rPr lang="en-US" altLang="ja-JP" sz="800" dirty="0">
+                <a:latin typeface="メイリオ" panose="020B0604030504040204" pitchFamily="50" charset="-128"/>
+                <a:ea typeface="メイリオ" panose="020B0604030504040204" pitchFamily="50" charset="-128"/>
+              </a:rPr>
+              <a:t>myhost:        mail.hoge.com</a:t>
+            </a:r>
+          </a:p>
+          <a:p>
+            <a:pPr>
+              <a:lnSpc>
+                <a:spcPct val="150000"/>
+              </a:lnSpc>
+            </a:pPr>
+            <a:r>
+              <a:rPr lang="en-US" altLang="ja-JP" sz="800" dirty="0">
+                <a:latin typeface="メイリオ" panose="020B0604030504040204" pitchFamily="50" charset="-128"/>
+                <a:ea typeface="メイリオ" panose="020B0604030504040204" pitchFamily="50" charset="-128"/>
+              </a:rPr>
+              <a:t>mydomain:    hoge.com</a:t>
+            </a:r>
+          </a:p>
+          <a:p>
+            <a:pPr>
+              <a:lnSpc>
+                <a:spcPct val="150000"/>
+              </a:lnSpc>
+            </a:pPr>
+            <a:r>
+              <a:rPr lang="en-US" altLang="ja-JP" sz="800" dirty="0">
+                <a:latin typeface="メイリオ" panose="020B0604030504040204" pitchFamily="50" charset="-128"/>
+                <a:ea typeface="メイリオ" panose="020B0604030504040204" pitchFamily="50" charset="-128"/>
+              </a:rPr>
+              <a:t>mynetworks: 10.5.0.0/16</a:t>
+            </a:r>
+            <a:endParaRPr lang="ja-JP" altLang="en-US" sz="800" dirty="0">
+              <a:latin typeface="メイリオ" panose="020B0604030504040204" pitchFamily="50" charset="-128"/>
+              <a:ea typeface="メイリオ" panose="020B0604030504040204" pitchFamily="50" charset="-128"/>
+            </a:endParaRPr>
+          </a:p>
+        </p:txBody>
+      </p:sp>
+      <p:sp>
+        <p:nvSpPr>
+          <p:cNvPr id="12" name="テキスト ボックス 11">
+            <a:extLst>
+              <a:ext uri="{FF2B5EF4-FFF2-40B4-BE49-F238E27FC236}">
+                <a16:creationId xmlns:a16="http://schemas.microsoft.com/office/drawing/2014/main" id="{0928499B-0880-4E82-BB6F-3CB125F5801C}"/>
+              </a:ext>
+            </a:extLst>
+          </p:cNvPr>
+          <p:cNvSpPr txBox="1"/>
+          <p:nvPr/>
+        </p:nvSpPr>
+        <p:spPr>
+          <a:xfrm>
+            <a:off x="961725" y="3647816"/>
+            <a:ext cx="780983" cy="415498"/>
+          </a:xfrm>
+          <a:prstGeom prst="rect">
+            <a:avLst/>
+          </a:prstGeom>
+          <a:noFill/>
+        </p:spPr>
+        <p:txBody>
+          <a:bodyPr wrap="none" rtlCol="0">
+            <a:spAutoFit/>
+          </a:bodyPr>
+          <a:lstStyle/>
+          <a:p>
+            <a:pPr algn="ctr"/>
+            <a:r>
+              <a:rPr lang="en-US" altLang="ja-JP" sz="1200" dirty="0">
+                <a:solidFill>
+                  <a:schemeClr val="bg2">
+                    <a:lumMod val="10000"/>
+                  </a:schemeClr>
+                </a:solidFill>
+                <a:latin typeface="Calibri 本文"/>
+              </a:rPr>
+              <a:t>sender</a:t>
+            </a:r>
+            <a:br>
+              <a:rPr lang="en-US" altLang="ja-JP" sz="900" dirty="0">
+                <a:solidFill>
+                  <a:schemeClr val="bg2">
+                    <a:lumMod val="10000"/>
+                  </a:schemeClr>
+                </a:solidFill>
+                <a:latin typeface="Calibri 本文"/>
+              </a:rPr>
+            </a:br>
+            <a:r>
+              <a:rPr lang="en-US" altLang="ja-JP" sz="900" dirty="0">
+                <a:solidFill>
+                  <a:schemeClr val="bg2">
+                    <a:lumMod val="10000"/>
+                  </a:schemeClr>
+                </a:solidFill>
+                <a:latin typeface="Calibri 本文"/>
+              </a:rPr>
+              <a:t>MTA: postfix</a:t>
+            </a:r>
+            <a:endParaRPr lang="ja-JP" altLang="en-US" sz="1200" dirty="0">
+              <a:solidFill>
+                <a:schemeClr val="bg2">
+                  <a:lumMod val="10000"/>
+                </a:schemeClr>
+              </a:solidFill>
+              <a:latin typeface="Calibri 本文"/>
+            </a:endParaRPr>
+          </a:p>
+        </p:txBody>
+      </p:sp>
+      <p:sp>
+        <p:nvSpPr>
+          <p:cNvPr id="49" name="正方形/長方形 48">
+            <a:extLst>
+              <a:ext uri="{FF2B5EF4-FFF2-40B4-BE49-F238E27FC236}">
+                <a16:creationId xmlns:a16="http://schemas.microsoft.com/office/drawing/2014/main" id="{17B1B731-D988-49CC-BEBC-253DD6E9594D}"/>
+              </a:ext>
+            </a:extLst>
+          </p:cNvPr>
+          <p:cNvSpPr/>
+          <p:nvPr/>
+        </p:nvSpPr>
+        <p:spPr>
+          <a:xfrm>
+            <a:off x="3130159" y="3629345"/>
+            <a:ext cx="941506" cy="416709"/>
+          </a:xfrm>
+          <a:prstGeom prst="rect">
+            <a:avLst/>
+          </a:prstGeom>
+          <a:solidFill>
+            <a:schemeClr val="bg1"/>
+          </a:solidFill>
+          <a:ln w="19050"/>
+        </p:spPr>
+        <p:style>
+          <a:lnRef idx="2">
+            <a:schemeClr val="accent1">
+              <a:shade val="50000"/>
+            </a:schemeClr>
+          </a:lnRef>
+          <a:fillRef idx="1">
+            <a:schemeClr val="accent1"/>
+          </a:fillRef>
+          <a:effectRef idx="0">
+            <a:schemeClr val="accent1"/>
+          </a:effectRef>
+          <a:fontRef idx="minor">
+            <a:schemeClr val="lt1"/>
+          </a:fontRef>
+        </p:style>
+        <p:txBody>
+          <a:bodyPr rtlCol="0" anchor="ctr"/>
+          <a:lstStyle/>
+          <a:p>
+            <a:pPr algn="ctr"/>
+            <a:r>
+              <a:rPr kumimoji="1" lang="en-US" altLang="ja-JP" sz="1000" dirty="0">
+                <a:solidFill>
+                  <a:schemeClr val="bg2">
+                    <a:lumMod val="10000"/>
+                  </a:schemeClr>
+                </a:solidFill>
+              </a:rPr>
+              <a:t>DNS Resolver</a:t>
+            </a:r>
+            <a:endParaRPr kumimoji="1" lang="ja-JP" altLang="en-US" sz="1000" dirty="0">
+              <a:solidFill>
+                <a:schemeClr val="bg2">
+                  <a:lumMod val="10000"/>
+                </a:schemeClr>
+              </a:solidFill>
+            </a:endParaRPr>
+          </a:p>
+        </p:txBody>
+      </p:sp>
+      <p:grpSp>
+        <p:nvGrpSpPr>
+          <p:cNvPr id="80" name="グループ化 79">
+            <a:extLst>
+              <a:ext uri="{FF2B5EF4-FFF2-40B4-BE49-F238E27FC236}">
+                <a16:creationId xmlns:a16="http://schemas.microsoft.com/office/drawing/2014/main" id="{79892E28-D02C-40CB-8E46-F93A0F0FC29C}"/>
+              </a:ext>
+            </a:extLst>
+          </p:cNvPr>
+          <p:cNvGrpSpPr/>
+          <p:nvPr/>
+        </p:nvGrpSpPr>
+        <p:grpSpPr>
+          <a:xfrm>
+            <a:off x="4667932" y="222882"/>
+            <a:ext cx="2106667" cy="1564442"/>
+            <a:chOff x="6237287" y="766269"/>
+            <a:chExt cx="2354155" cy="1564442"/>
+          </a:xfrm>
+        </p:grpSpPr>
+        <p:sp>
+          <p:nvSpPr>
+            <p:cNvPr id="81" name="テキスト ボックス 80">
+              <a:extLst>
+                <a:ext uri="{FF2B5EF4-FFF2-40B4-BE49-F238E27FC236}">
+                  <a16:creationId xmlns:a16="http://schemas.microsoft.com/office/drawing/2014/main" id="{BC2119ED-8884-4016-89F1-1F105840DF14}"/>
+                </a:ext>
+              </a:extLst>
+            </p:cNvPr>
+            <p:cNvSpPr txBox="1"/>
+            <p:nvPr/>
+          </p:nvSpPr>
+          <p:spPr>
+            <a:xfrm>
+              <a:off x="6237287" y="1268882"/>
+              <a:ext cx="2354155" cy="1061829"/>
+            </a:xfrm>
+            <a:prstGeom prst="rect">
+              <a:avLst/>
+            </a:prstGeom>
+            <a:noFill/>
+          </p:spPr>
+          <p:txBody>
+            <a:bodyPr wrap="none" rtlCol="0">
+              <a:spAutoFit/>
+            </a:bodyPr>
+            <a:lstStyle/>
+            <a:p>
+              <a:r>
+                <a:rPr lang="en-US" altLang="ja-JP" sz="900" dirty="0"/>
+                <a:t>@          IN A 10.5.0.6</a:t>
+              </a:r>
+            </a:p>
+            <a:p>
+              <a:endParaRPr lang="en-US" altLang="ja-JP" sz="900" dirty="0"/>
+            </a:p>
+            <a:p>
+              <a:r>
+                <a:rPr lang="en-US" altLang="ja-JP" sz="900" dirty="0"/>
+                <a:t>@          IN NS ns.fuga.com.</a:t>
+              </a:r>
+            </a:p>
+            <a:p>
+              <a:r>
+                <a:rPr lang="en-US" altLang="ja-JP" sz="900" dirty="0"/>
+                <a:t>ns         IN A  10.5.0.4</a:t>
+              </a:r>
+            </a:p>
+            <a:p>
+              <a:endParaRPr lang="en-US" altLang="ja-JP" sz="900" dirty="0"/>
+            </a:p>
+            <a:p>
+              <a:r>
+                <a:rPr lang="en-US" altLang="ja-JP" sz="900" dirty="0">
+                  <a:solidFill>
+                    <a:srgbClr val="FF0000"/>
+                  </a:solidFill>
+                </a:rPr>
+                <a:t>mail  IN A  10.5.0.6</a:t>
+              </a:r>
+            </a:p>
+            <a:p>
+              <a:r>
+                <a:rPr lang="en-US" altLang="ja-JP" sz="900" dirty="0">
+                  <a:solidFill>
+                    <a:srgbClr val="FF0000"/>
+                  </a:solidFill>
+                </a:rPr>
+                <a:t>fuga.com.      IN      MX 10  mail.fuga.com.</a:t>
+              </a:r>
+              <a:endParaRPr kumimoji="1" lang="ja-JP" altLang="en-US" sz="900" dirty="0">
+                <a:solidFill>
+                  <a:srgbClr val="FF0000"/>
+                </a:solidFill>
+              </a:endParaRPr>
+            </a:p>
+          </p:txBody>
+        </p:sp>
+        <p:sp>
+          <p:nvSpPr>
+            <p:cNvPr id="82" name="テキスト ボックス 81">
+              <a:extLst>
+                <a:ext uri="{FF2B5EF4-FFF2-40B4-BE49-F238E27FC236}">
+                  <a16:creationId xmlns:a16="http://schemas.microsoft.com/office/drawing/2014/main" id="{52E7A708-47F0-4446-97DA-CCBCB673F983}"/>
+                </a:ext>
+              </a:extLst>
+            </p:cNvPr>
+            <p:cNvSpPr txBox="1"/>
+            <p:nvPr/>
+          </p:nvSpPr>
+          <p:spPr>
+            <a:xfrm>
+              <a:off x="6237287" y="766269"/>
+              <a:ext cx="2112469" cy="307777"/>
+            </a:xfrm>
+            <a:prstGeom prst="rect">
+              <a:avLst/>
+            </a:prstGeom>
+            <a:noFill/>
+          </p:spPr>
+          <p:txBody>
+            <a:bodyPr wrap="none" rtlCol="0">
+              <a:spAutoFit/>
+            </a:bodyPr>
+            <a:lstStyle/>
+            <a:p>
+              <a:r>
+                <a:rPr kumimoji="1" lang="en-US" altLang="ja-JP" sz="1400" dirty="0"/>
+                <a:t>DNS record</a:t>
+              </a:r>
+              <a:r>
+                <a:rPr lang="en-US" altLang="ja-JP" sz="1050" dirty="0"/>
+                <a:t>(fuga.com.zone)</a:t>
+              </a:r>
+              <a:endParaRPr kumimoji="1" lang="ja-JP" altLang="en-US" sz="1400" dirty="0"/>
+            </a:p>
+          </p:txBody>
+        </p:sp>
+        <p:cxnSp>
+          <p:nvCxnSpPr>
+            <p:cNvPr id="84" name="直線コネクタ 83">
+              <a:extLst>
+                <a:ext uri="{FF2B5EF4-FFF2-40B4-BE49-F238E27FC236}">
+                  <a16:creationId xmlns:a16="http://schemas.microsoft.com/office/drawing/2014/main" id="{7042C5D1-D95F-4A7B-8259-184C714DADA9}"/>
+                </a:ext>
+              </a:extLst>
+            </p:cNvPr>
+            <p:cNvCxnSpPr>
+              <a:cxnSpLocks/>
+            </p:cNvCxnSpPr>
+            <p:nvPr/>
+          </p:nvCxnSpPr>
+          <p:spPr>
+            <a:xfrm>
+              <a:off x="6237287" y="1161479"/>
+              <a:ext cx="2053683" cy="0"/>
+            </a:xfrm>
+            <a:prstGeom prst="line">
+              <a:avLst/>
+            </a:prstGeom>
+            <a:ln>
+              <a:solidFill>
+                <a:schemeClr val="tx1"/>
+              </a:solidFill>
+            </a:ln>
+          </p:spPr>
+          <p:style>
+            <a:lnRef idx="1">
+              <a:schemeClr val="accent1"/>
+            </a:lnRef>
+            <a:fillRef idx="0">
+              <a:schemeClr val="accent1"/>
+            </a:fillRef>
+            <a:effectRef idx="0">
+              <a:schemeClr val="accent1"/>
+            </a:effectRef>
+            <a:fontRef idx="minor">
+              <a:schemeClr val="tx1"/>
+            </a:fontRef>
+          </p:style>
+        </p:cxnSp>
+      </p:grpSp>
+      <p:cxnSp>
+        <p:nvCxnSpPr>
+          <p:cNvPr id="97" name="直線矢印コネクタ 96">
+            <a:extLst>
+              <a:ext uri="{FF2B5EF4-FFF2-40B4-BE49-F238E27FC236}">
+                <a16:creationId xmlns:a16="http://schemas.microsoft.com/office/drawing/2014/main" id="{86C2BD84-0BCC-4363-9FC6-E074C6F7ABC7}"/>
+              </a:ext>
+            </a:extLst>
+          </p:cNvPr>
+          <p:cNvCxnSpPr>
+            <a:cxnSpLocks/>
+          </p:cNvCxnSpPr>
+          <p:nvPr/>
+        </p:nvCxnSpPr>
+        <p:spPr>
+          <a:xfrm flipH="1">
+            <a:off x="3875006" y="2120008"/>
+            <a:ext cx="21997" cy="1563668"/>
+          </a:xfrm>
+          <a:prstGeom prst="straightConnector1">
+            <a:avLst/>
+          </a:prstGeom>
+          <a:ln w="57150">
+            <a:solidFill>
+              <a:srgbClr val="FFC000"/>
+            </a:solidFill>
+            <a:tailEnd type="arrow"/>
+          </a:ln>
+        </p:spPr>
+        <p:style>
+          <a:lnRef idx="1">
+            <a:schemeClr val="accent1"/>
+          </a:lnRef>
+          <a:fillRef idx="0">
+            <a:schemeClr val="accent1"/>
+          </a:fillRef>
+          <a:effectRef idx="0">
+            <a:schemeClr val="accent1"/>
+          </a:effectRef>
+          <a:fontRef idx="minor">
+            <a:schemeClr val="tx1"/>
+          </a:fontRef>
+        </p:style>
+      </p:cxnSp>
+      <p:cxnSp>
+        <p:nvCxnSpPr>
+          <p:cNvPr id="95" name="直線矢印コネクタ 94">
+            <a:extLst>
+              <a:ext uri="{FF2B5EF4-FFF2-40B4-BE49-F238E27FC236}">
+                <a16:creationId xmlns:a16="http://schemas.microsoft.com/office/drawing/2014/main" id="{F1C549F2-1B4F-43E7-92F6-12DDC1B6541E}"/>
+              </a:ext>
+            </a:extLst>
+          </p:cNvPr>
+          <p:cNvCxnSpPr>
+            <a:cxnSpLocks/>
+          </p:cNvCxnSpPr>
+          <p:nvPr/>
+        </p:nvCxnSpPr>
+        <p:spPr>
+          <a:xfrm flipV="1">
+            <a:off x="3292867" y="2108456"/>
+            <a:ext cx="0" cy="1488806"/>
+          </a:xfrm>
+          <a:prstGeom prst="straightConnector1">
+            <a:avLst/>
+          </a:prstGeom>
+          <a:ln w="57150">
+            <a:solidFill>
+              <a:srgbClr val="FFC000"/>
+            </a:solidFill>
+            <a:tailEnd type="arrow"/>
+          </a:ln>
+        </p:spPr>
+        <p:style>
+          <a:lnRef idx="1">
+            <a:schemeClr val="accent1"/>
+          </a:lnRef>
+          <a:fillRef idx="0">
+            <a:schemeClr val="accent1"/>
+          </a:fillRef>
+          <a:effectRef idx="0">
+            <a:schemeClr val="accent1"/>
+          </a:effectRef>
+          <a:fontRef idx="minor">
+            <a:schemeClr val="tx1"/>
+          </a:fontRef>
+        </p:style>
+      </p:cxnSp>
+      <p:grpSp>
+        <p:nvGrpSpPr>
+          <p:cNvPr id="115" name="グループ化 114">
+            <a:extLst>
+              <a:ext uri="{FF2B5EF4-FFF2-40B4-BE49-F238E27FC236}">
+                <a16:creationId xmlns:a16="http://schemas.microsoft.com/office/drawing/2014/main" id="{76564329-25DA-4AC4-AC40-C0E9E79B4BF3}"/>
+              </a:ext>
+            </a:extLst>
+          </p:cNvPr>
+          <p:cNvGrpSpPr/>
+          <p:nvPr/>
+        </p:nvGrpSpPr>
+        <p:grpSpPr>
+          <a:xfrm>
+            <a:off x="5222149" y="3067976"/>
+            <a:ext cx="3598323" cy="1545095"/>
+            <a:chOff x="968923" y="2996952"/>
+            <a:chExt cx="2099593" cy="920278"/>
+          </a:xfrm>
+        </p:grpSpPr>
+        <p:grpSp>
+          <p:nvGrpSpPr>
+            <p:cNvPr id="116" name="グループ化 115">
+              <a:extLst>
+                <a:ext uri="{FF2B5EF4-FFF2-40B4-BE49-F238E27FC236}">
+                  <a16:creationId xmlns:a16="http://schemas.microsoft.com/office/drawing/2014/main" id="{A4108E78-307B-4CF5-8426-D770313A6160}"/>
+                </a:ext>
+              </a:extLst>
+            </p:cNvPr>
+            <p:cNvGrpSpPr/>
+            <p:nvPr/>
+          </p:nvGrpSpPr>
+          <p:grpSpPr>
+            <a:xfrm>
+              <a:off x="968923" y="2996952"/>
+              <a:ext cx="2099593" cy="750334"/>
+              <a:chOff x="1692392" y="1664291"/>
+              <a:chExt cx="2099593" cy="750334"/>
+            </a:xfrm>
+          </p:grpSpPr>
+          <p:sp>
+            <p:nvSpPr>
+              <p:cNvPr id="121" name="正方形/長方形 120">
+                <a:extLst>
+                  <a:ext uri="{FF2B5EF4-FFF2-40B4-BE49-F238E27FC236}">
+                    <a16:creationId xmlns:a16="http://schemas.microsoft.com/office/drawing/2014/main" id="{C1214086-04C5-4B2D-8AED-10DEC8BA8F61}"/>
+                  </a:ext>
+                </a:extLst>
+              </p:cNvPr>
+              <p:cNvSpPr/>
+              <p:nvPr/>
+            </p:nvSpPr>
+            <p:spPr>
+              <a:xfrm>
+                <a:off x="1885943" y="1833721"/>
+                <a:ext cx="1906042" cy="580904"/>
+              </a:xfrm>
+              <a:prstGeom prst="rect">
+                <a:avLst/>
+              </a:prstGeom>
+              <a:solidFill>
+                <a:schemeClr val="bg1"/>
+              </a:solidFill>
+              <a:ln w="19050"/>
+            </p:spPr>
+            <p:style>
+              <a:lnRef idx="2">
+                <a:schemeClr val="accent1">
+                  <a:shade val="50000"/>
+                </a:schemeClr>
+              </a:lnRef>
+              <a:fillRef idx="1">
+                <a:schemeClr val="accent1"/>
+              </a:fillRef>
+              <a:effectRef idx="0">
+                <a:schemeClr val="accent1"/>
+              </a:effectRef>
+              <a:fontRef idx="minor">
+                <a:schemeClr val="lt1"/>
+              </a:fontRef>
+            </p:style>
+            <p:txBody>
+              <a:bodyPr rtlCol="0" anchor="ctr"/>
+              <a:lstStyle/>
+              <a:p>
+                <a:pPr algn="ctr"/>
+                <a:endParaRPr kumimoji="1" lang="ja-JP" altLang="en-US" sz="1200" dirty="0">
+                  <a:solidFill>
+                    <a:schemeClr val="bg2">
+                      <a:lumMod val="10000"/>
+                    </a:schemeClr>
+                  </a:solidFill>
+                </a:endParaRPr>
+              </a:p>
+            </p:txBody>
+          </p:sp>
+          <p:pic>
+            <p:nvPicPr>
+              <p:cNvPr id="123" name="Picture 4" descr="C:\Users\kunii\Desktop\20151222221539.jpg">
+                <a:extLst>
+                  <a:ext uri="{FF2B5EF4-FFF2-40B4-BE49-F238E27FC236}">
+                    <a16:creationId xmlns:a16="http://schemas.microsoft.com/office/drawing/2014/main" id="{8E10049E-6722-44DD-9EDC-532B6AE55D6B}"/>
+                  </a:ext>
+                </a:extLst>
+              </p:cNvPr>
               <p:cNvPicPr>
                 <a:picLocks noChangeAspect="1" noChangeArrowheads="1"/>
               </p:cNvPicPr>
@@ -3748,159 +4661,20 @@
         </p:grpSp>
         <p:sp>
           <p:nvSpPr>
-            <p:cNvPr id="57" name="テキスト ボックス 56"/>
+            <p:cNvPr id="117" name="テキスト ボックス 116">
+              <a:extLst>
+                <a:ext uri="{FF2B5EF4-FFF2-40B4-BE49-F238E27FC236}">
+                  <a16:creationId xmlns:a16="http://schemas.microsoft.com/office/drawing/2014/main" id="{603D8A5D-545A-4C3C-A61A-B6705C7E7BEB}"/>
+                </a:ext>
+              </a:extLst>
+            </p:cNvPr>
             <p:cNvSpPr txBox="1"/>
             <p:nvPr/>
           </p:nvSpPr>
           <p:spPr>
             <a:xfrm>
-              <a:off x="1444006" y="3660087"/>
-              <a:ext cx="819455" cy="253916"/>
-            </a:xfrm>
-            <a:prstGeom prst="rect">
-              <a:avLst/>
-            </a:prstGeom>
-            <a:noFill/>
-          </p:spPr>
-          <p:txBody>
-            <a:bodyPr wrap="none" rtlCol="0">
-              <a:spAutoFit/>
-            </a:bodyPr>
-            <a:lstStyle/>
-            <a:p>
-              <a:r>
-                <a:rPr lang="en-US" altLang="ja-JP" sz="1050" dirty="0"/>
-                <a:t>10.5.0.6/16</a:t>
-              </a:r>
-            </a:p>
-          </p:txBody>
-        </p:sp>
-      </p:grpSp>
-      <p:grpSp>
-        <p:nvGrpSpPr>
-          <p:cNvPr id="16" name="グループ化 15"/>
-          <p:cNvGrpSpPr/>
-          <p:nvPr/>
-        </p:nvGrpSpPr>
-        <p:grpSpPr>
-          <a:xfrm>
-            <a:off x="5810609" y="3862066"/>
-            <a:ext cx="1415487" cy="917051"/>
-            <a:chOff x="6228184" y="2996952"/>
-            <a:chExt cx="1415487" cy="917051"/>
-          </a:xfrm>
-        </p:grpSpPr>
-        <p:sp>
-          <p:nvSpPr>
-            <p:cNvPr id="69" name="正方形/長方形 68"/>
-            <p:cNvSpPr/>
-            <p:nvPr/>
-          </p:nvSpPr>
-          <p:spPr>
-            <a:xfrm>
-              <a:off x="6390284" y="3176967"/>
-              <a:ext cx="1253387" cy="493705"/>
-            </a:xfrm>
-            <a:prstGeom prst="rect">
-              <a:avLst/>
-            </a:prstGeom>
-            <a:solidFill>
-              <a:schemeClr val="bg1"/>
-            </a:solidFill>
-            <a:ln w="19050"/>
-          </p:spPr>
-          <p:style>
-            <a:lnRef idx="2">
-              <a:schemeClr val="accent1">
-                <a:shade val="50000"/>
-              </a:schemeClr>
-            </a:lnRef>
-            <a:fillRef idx="1">
-              <a:schemeClr val="accent1"/>
-            </a:fillRef>
-            <a:effectRef idx="0">
-              <a:schemeClr val="accent1"/>
-            </a:effectRef>
-            <a:fontRef idx="minor">
-              <a:schemeClr val="lt1"/>
-            </a:fontRef>
-          </p:style>
-          <p:txBody>
-            <a:bodyPr rtlCol="0" anchor="ctr"/>
-            <a:lstStyle/>
-            <a:p>
-              <a:pPr algn="ctr"/>
-              <a:r>
-                <a:rPr lang="en-US" altLang="ja-JP" sz="1200" dirty="0">
-                  <a:solidFill>
-                    <a:schemeClr val="bg2">
-                      <a:lumMod val="10000"/>
-                    </a:schemeClr>
-                  </a:solidFill>
-                </a:rPr>
-                <a:t>receiver</a:t>
-              </a:r>
-              <a:endParaRPr kumimoji="1" lang="ja-JP" altLang="en-US" sz="1200" dirty="0">
-                <a:solidFill>
-                  <a:schemeClr val="bg2">
-                    <a:lumMod val="10000"/>
-                  </a:schemeClr>
-                </a:solidFill>
-              </a:endParaRPr>
-            </a:p>
-          </p:txBody>
-        </p:sp>
-        <p:pic>
-          <p:nvPicPr>
-            <p:cNvPr id="72" name="Picture 4" descr="C:\Users\kunii\Desktop\20151222221539.jpg"/>
-            <p:cNvPicPr>
-              <a:picLocks noChangeAspect="1" noChangeArrowheads="1"/>
-            </p:cNvPicPr>
-            <p:nvPr/>
-          </p:nvPicPr>
-          <p:blipFill>
-            <a:blip r:embed="rId3" cstate="print">
-              <a:extLst>
-                <a:ext uri="{28A0092B-C50C-407E-A947-70E740481C1C}">
-                  <a14:useLocalDpi xmlns:a14="http://schemas.microsoft.com/office/drawing/2010/main" val="0"/>
-                </a:ext>
-              </a:extLst>
-            </a:blip>
-            <a:srcRect/>
-            <a:stretch>
-              <a:fillRect/>
-            </a:stretch>
-          </p:blipFill>
-          <p:spPr bwMode="auto">
-            <a:xfrm>
-              <a:off x="6228184" y="2996952"/>
-              <a:ext cx="504323" cy="392363"/>
-            </a:xfrm>
-            <a:prstGeom prst="rect">
-              <a:avLst/>
-            </a:prstGeom>
-            <a:noFill/>
-            <a:extLst>
-              <a:ext uri="{909E8E84-426E-40DD-AFC4-6F175D3DCCD1}">
-                <a14:hiddenFill xmlns:a14="http://schemas.microsoft.com/office/drawing/2010/main">
-                  <a:solidFill>
-                    <a:srgbClr val="FFFFFF"/>
-                  </a:solidFill>
-                </a14:hiddenFill>
-              </a:ext>
-            </a:extLst>
-          </p:spPr>
-        </p:pic>
-        <p:sp>
-          <p:nvSpPr>
-            <p:cNvPr id="58" name="テキスト ボックス 57"/>
-            <p:cNvSpPr txBox="1"/>
-            <p:nvPr/>
-          </p:nvSpPr>
-          <p:spPr>
-            <a:xfrm>
-              <a:off x="6751026" y="3660087"/>
-              <a:ext cx="819455" cy="253916"/>
+              <a:off x="2099526" y="3765994"/>
+              <a:ext cx="478146" cy="151236"/>
             </a:xfrm>
             <a:prstGeom prst="rect">
               <a:avLst/>
@@ -3923,14 +4697,92 @@
       </p:grpSp>
       <p:sp>
         <p:nvSpPr>
-          <p:cNvPr id="79" name="正方形/長方形 78"/>
+          <p:cNvPr id="124" name="テキスト ボックス 123">
+            <a:extLst>
+              <a:ext uri="{FF2B5EF4-FFF2-40B4-BE49-F238E27FC236}">
+                <a16:creationId xmlns:a16="http://schemas.microsoft.com/office/drawing/2014/main" id="{EA6382F6-DDAB-4693-8088-04797309F076}"/>
+              </a:ext>
+            </a:extLst>
+          </p:cNvPr>
+          <p:cNvSpPr txBox="1"/>
+          <p:nvPr/>
+        </p:nvSpPr>
+        <p:spPr>
+          <a:xfrm>
+            <a:off x="5721265" y="3591975"/>
+            <a:ext cx="780983" cy="415498"/>
+          </a:xfrm>
+          <a:prstGeom prst="rect">
+            <a:avLst/>
+          </a:prstGeom>
+          <a:noFill/>
+        </p:spPr>
+        <p:txBody>
+          <a:bodyPr wrap="none" rtlCol="0">
+            <a:spAutoFit/>
+          </a:bodyPr>
+          <a:lstStyle/>
+          <a:p>
+            <a:pPr algn="ctr"/>
+            <a:r>
+              <a:rPr lang="en-US" altLang="ja-JP" sz="1200" dirty="0">
+                <a:solidFill>
+                  <a:schemeClr val="bg2">
+                    <a:lumMod val="10000"/>
+                  </a:schemeClr>
+                </a:solidFill>
+                <a:latin typeface="Calibri 本文"/>
+              </a:rPr>
+              <a:t>sender</a:t>
+            </a:r>
+            <a:br>
+              <a:rPr lang="en-US" altLang="ja-JP" sz="900" dirty="0">
+                <a:solidFill>
+                  <a:schemeClr val="bg2">
+                    <a:lumMod val="10000"/>
+                  </a:schemeClr>
+                </a:solidFill>
+                <a:latin typeface="Calibri 本文"/>
+              </a:rPr>
+            </a:br>
+            <a:r>
+              <a:rPr lang="en-US" altLang="ja-JP" sz="900" dirty="0">
+                <a:solidFill>
+                  <a:schemeClr val="bg2">
+                    <a:lumMod val="10000"/>
+                  </a:schemeClr>
+                </a:solidFill>
+                <a:latin typeface="Calibri 本文"/>
+              </a:rPr>
+              <a:t>MTA: postfix</a:t>
+            </a:r>
+            <a:endParaRPr lang="ja-JP" altLang="en-US" sz="1200" dirty="0">
+              <a:solidFill>
+                <a:schemeClr val="bg2">
+                  <a:lumMod val="10000"/>
+                </a:schemeClr>
+              </a:solidFill>
+              <a:latin typeface="Calibri 本文"/>
+            </a:endParaRPr>
+          </a:p>
+        </p:txBody>
+      </p:sp>
+      <p:sp>
+        <p:nvSpPr>
+          <p:cNvPr id="125" name="正方形/長方形 124">
+            <a:extLst>
+              <a:ext uri="{FF2B5EF4-FFF2-40B4-BE49-F238E27FC236}">
+                <a16:creationId xmlns:a16="http://schemas.microsoft.com/office/drawing/2014/main" id="{EE17151E-0E1E-4A22-96AE-7EAB6C3A345E}"/>
+              </a:ext>
+            </a:extLst>
+          </p:cNvPr>
           <p:cNvSpPr/>
           <p:nvPr/>
         </p:nvSpPr>
         <p:spPr>
           <a:xfrm>
-            <a:off x="3318613" y="2249880"/>
-            <a:ext cx="1253387" cy="493705"/>
+            <a:off x="6444208" y="3567312"/>
+            <a:ext cx="941506" cy="416709"/>
           </a:xfrm>
           <a:prstGeom prst="rect">
             <a:avLst/>
@@ -3962,7 +4814,7 @@
           <a:p>
             <a:pPr algn="ctr"/>
             <a:r>
-              <a:rPr kumimoji="1" lang="en-US" altLang="ja-JP" sz="1200" dirty="0">
+              <a:rPr kumimoji="1" lang="en-US" altLang="ja-JP" sz="1000" dirty="0">
                 <a:solidFill>
                   <a:schemeClr val="bg2">
                     <a:lumMod val="10000"/>
@@ -3971,7 +4823,7 @@
               </a:rPr>
               <a:t>DNS Resolver</a:t>
             </a:r>
-            <a:endParaRPr kumimoji="1" lang="ja-JP" altLang="en-US" sz="1200" dirty="0">
+            <a:endParaRPr kumimoji="1" lang="ja-JP" altLang="en-US" sz="1000" dirty="0">
               <a:solidFill>
                 <a:schemeClr val="bg2">
                   <a:lumMod val="10000"/>
@@ -3983,19 +4835,224 @@
       </p:sp>
       <p:cxnSp>
         <p:nvCxnSpPr>
-          <p:cNvPr id="83" name="カギ線コネクタ 82"/>
+          <p:cNvPr id="74" name="直線矢印コネクタ 73">
+            <a:extLst>
+              <a:ext uri="{FF2B5EF4-FFF2-40B4-BE49-F238E27FC236}">
+                <a16:creationId xmlns:a16="http://schemas.microsoft.com/office/drawing/2014/main" id="{6EAB7808-B045-4D03-A23C-FBE394842669}"/>
+              </a:ext>
+            </a:extLst>
+          </p:cNvPr>
           <p:cNvCxnSpPr>
-            <a:stCxn id="79" idx="0"/>
-            <a:endCxn id="66" idx="1"/>
+            <a:cxnSpLocks/>
+            <a:stCxn id="46" idx="3"/>
+            <a:endCxn id="121" idx="1"/>
           </p:cNvCxnSpPr>
           <p:nvPr/>
         </p:nvCxnSpPr>
         <p:spPr>
-          <a:xfrm rot="5400000" flipH="1" flipV="1">
-            <a:off x="3678989" y="1325566"/>
-            <a:ext cx="1190632" cy="657996"/>
+          <a:xfrm>
+            <a:off x="4231579" y="3837700"/>
+            <a:ext cx="1322281" cy="2393"/>
           </a:xfrm>
-          <a:prstGeom prst="bentConnector2">
+          <a:prstGeom prst="straightConnector1">
+            <a:avLst/>
+          </a:prstGeom>
+          <a:ln w="57150">
+            <a:solidFill>
+              <a:srgbClr val="FFC000"/>
+            </a:solidFill>
+            <a:tailEnd type="arrow"/>
+          </a:ln>
+        </p:spPr>
+        <p:style>
+          <a:lnRef idx="1">
+            <a:schemeClr val="accent1"/>
+          </a:lnRef>
+          <a:fillRef idx="0">
+            <a:schemeClr val="accent1"/>
+          </a:fillRef>
+          <a:effectRef idx="0">
+            <a:schemeClr val="accent1"/>
+          </a:effectRef>
+          <a:fontRef idx="minor">
+            <a:schemeClr val="tx1"/>
+          </a:fontRef>
+        </p:style>
+      </p:cxnSp>
+      <p:grpSp>
+        <p:nvGrpSpPr>
+          <p:cNvPr id="40" name="グループ化 39">
+            <a:extLst>
+              <a:ext uri="{FF2B5EF4-FFF2-40B4-BE49-F238E27FC236}">
+                <a16:creationId xmlns:a16="http://schemas.microsoft.com/office/drawing/2014/main" id="{C0AD50B7-10C3-442D-8FF6-AB08C717CF23}"/>
+              </a:ext>
+            </a:extLst>
+          </p:cNvPr>
+          <p:cNvGrpSpPr/>
+          <p:nvPr/>
+        </p:nvGrpSpPr>
+        <p:grpSpPr>
+          <a:xfrm>
+            <a:off x="8092439" y="3461307"/>
+            <a:ext cx="615874" cy="856686"/>
+            <a:chOff x="7727537" y="3971864"/>
+            <a:chExt cx="615874" cy="856686"/>
+          </a:xfrm>
+        </p:grpSpPr>
+        <p:sp>
+          <p:nvSpPr>
+            <p:cNvPr id="163" name="テキスト ボックス 162"/>
+            <p:cNvSpPr txBox="1"/>
+            <p:nvPr/>
+          </p:nvSpPr>
+          <p:spPr>
+            <a:xfrm>
+              <a:off x="7727537" y="4574634"/>
+              <a:ext cx="615874" cy="253916"/>
+            </a:xfrm>
+            <a:prstGeom prst="rect">
+              <a:avLst/>
+            </a:prstGeom>
+            <a:noFill/>
+          </p:spPr>
+          <p:txBody>
+            <a:bodyPr wrap="none" rtlCol="0">
+              <a:spAutoFit/>
+            </a:bodyPr>
+            <a:lstStyle/>
+            <a:p>
+              <a:r>
+                <a:rPr lang="en-US" altLang="ja-JP" sz="1050" dirty="0"/>
+                <a:t>mailbox</a:t>
+              </a:r>
+            </a:p>
+          </p:txBody>
+        </p:sp>
+        <p:pic>
+          <p:nvPicPr>
+            <p:cNvPr id="120" name="Picture 3" descr="C:\Users\kunii\Desktop\スクリーンショット（2010-05-20-5-20木-6.10.12）.png"/>
+            <p:cNvPicPr>
+              <a:picLocks noChangeAspect="1" noChangeArrowheads="1"/>
+            </p:cNvPicPr>
+            <p:nvPr/>
+          </p:nvPicPr>
+          <p:blipFill>
+            <a:blip r:embed="rId4" cstate="print">
+              <a:extLst>
+                <a:ext uri="{28A0092B-C50C-407E-A947-70E740481C1C}">
+                  <a14:useLocalDpi xmlns:a14="http://schemas.microsoft.com/office/drawing/2010/main" val="0"/>
+                </a:ext>
+              </a:extLst>
+            </a:blip>
+            <a:srcRect/>
+            <a:stretch>
+              <a:fillRect/>
+            </a:stretch>
+          </p:blipFill>
+          <p:spPr bwMode="auto">
+            <a:xfrm>
+              <a:off x="7740349" y="3971864"/>
+              <a:ext cx="570745" cy="597014"/>
+            </a:xfrm>
+            <a:prstGeom prst="rect">
+              <a:avLst/>
+            </a:prstGeom>
+            <a:noFill/>
+            <a:extLst>
+              <a:ext uri="{909E8E84-426E-40DD-AFC4-6F175D3DCCD1}">
+                <a14:hiddenFill xmlns:a14="http://schemas.microsoft.com/office/drawing/2010/main">
+                  <a:solidFill>
+                    <a:srgbClr val="FFFFFF"/>
+                  </a:solidFill>
+                </a14:hiddenFill>
+              </a:ext>
+            </a:extLst>
+          </p:spPr>
+        </p:pic>
+      </p:grpSp>
+      <p:sp>
+        <p:nvSpPr>
+          <p:cNvPr id="130" name="角丸四角形 125">
+            <a:extLst>
+              <a:ext uri="{FF2B5EF4-FFF2-40B4-BE49-F238E27FC236}">
+                <a16:creationId xmlns:a16="http://schemas.microsoft.com/office/drawing/2014/main" id="{994A661F-4E61-4CDF-A94E-CF456BDBC075}"/>
+              </a:ext>
+            </a:extLst>
+          </p:cNvPr>
+          <p:cNvSpPr/>
+          <p:nvPr/>
+        </p:nvSpPr>
+        <p:spPr>
+          <a:xfrm>
+            <a:off x="2546868" y="2662315"/>
+            <a:ext cx="1507855" cy="239527"/>
+          </a:xfrm>
+          <a:prstGeom prst="roundRect">
+            <a:avLst/>
+          </a:prstGeom>
+          <a:solidFill>
+            <a:schemeClr val="bg1"/>
+          </a:solidFill>
+        </p:spPr>
+        <p:style>
+          <a:lnRef idx="2">
+            <a:schemeClr val="accent1">
+              <a:shade val="50000"/>
+            </a:schemeClr>
+          </a:lnRef>
+          <a:fillRef idx="1">
+            <a:schemeClr val="accent1"/>
+          </a:fillRef>
+          <a:effectRef idx="0">
+            <a:schemeClr val="accent1"/>
+          </a:effectRef>
+          <a:fontRef idx="minor">
+            <a:schemeClr val="lt1"/>
+          </a:fontRef>
+        </p:style>
+        <p:txBody>
+          <a:bodyPr rtlCol="0" anchor="ctr"/>
+          <a:lstStyle/>
+          <a:p>
+            <a:pPr algn="ctr"/>
+            <a:r>
+              <a:rPr lang="en-US" altLang="ja-JP" sz="900" dirty="0">
+                <a:solidFill>
+                  <a:schemeClr val="tx1"/>
+                </a:solidFill>
+              </a:rPr>
+              <a:t>Refer to mx record</a:t>
+            </a:r>
+            <a:endParaRPr lang="ja-JP" altLang="en-US" sz="900" dirty="0">
+              <a:solidFill>
+                <a:schemeClr val="tx1"/>
+              </a:solidFill>
+              <a:latin typeface="メイリオ" panose="020B0604030504040204" pitchFamily="50" charset="-128"/>
+              <a:ea typeface="メイリオ" panose="020B0604030504040204" pitchFamily="50" charset="-128"/>
+            </a:endParaRPr>
+          </a:p>
+        </p:txBody>
+      </p:sp>
+      <p:cxnSp>
+        <p:nvCxnSpPr>
+          <p:cNvPr id="132" name="直線矢印コネクタ 131">
+            <a:extLst>
+              <a:ext uri="{FF2B5EF4-FFF2-40B4-BE49-F238E27FC236}">
+                <a16:creationId xmlns:a16="http://schemas.microsoft.com/office/drawing/2014/main" id="{EE4C4EC5-9650-4D92-88F3-F83C8FECE09A}"/>
+              </a:ext>
+            </a:extLst>
+          </p:cNvPr>
+          <p:cNvCxnSpPr>
+            <a:cxnSpLocks/>
+          </p:cNvCxnSpPr>
+          <p:nvPr/>
+        </p:nvCxnSpPr>
+        <p:spPr>
+          <a:xfrm>
+            <a:off x="3965688" y="1915057"/>
+            <a:ext cx="1951223" cy="1172407"/>
+          </a:xfrm>
+          <a:prstGeom prst="straightConnector1">
             <a:avLst/>
           </a:prstGeom>
           <a:ln w="57150">
@@ -4022,840 +5079,22 @@
       </p:cxnSp>
       <p:cxnSp>
         <p:nvCxnSpPr>
-          <p:cNvPr id="86" name="カギ線コネクタ 85"/>
+          <p:cNvPr id="135" name="直線矢印コネクタ 134">
+            <a:extLst>
+              <a:ext uri="{FF2B5EF4-FFF2-40B4-BE49-F238E27FC236}">
+                <a16:creationId xmlns:a16="http://schemas.microsoft.com/office/drawing/2014/main" id="{97D48734-F994-4E47-9BD8-9A92CF37D5DF}"/>
+              </a:ext>
+            </a:extLst>
+          </p:cNvPr>
           <p:cNvCxnSpPr>
-            <a:stCxn id="56" idx="2"/>
-            <a:endCxn id="79" idx="3"/>
+            <a:cxnSpLocks/>
           </p:cNvCxnSpPr>
           <p:nvPr/>
         </p:nvCxnSpPr>
         <p:spPr>
-          <a:xfrm rot="5400000">
-            <a:off x="4492335" y="1664494"/>
-            <a:ext cx="911905" cy="752573"/>
-          </a:xfrm>
-          <a:prstGeom prst="bentConnector2">
-            <a:avLst/>
-          </a:prstGeom>
-          <a:ln w="57150">
-            <a:solidFill>
-              <a:srgbClr val="FFC000"/>
-            </a:solidFill>
-            <a:tailEnd type="arrow"/>
-          </a:ln>
-        </p:spPr>
-        <p:style>
-          <a:lnRef idx="1">
-            <a:schemeClr val="accent1"/>
-          </a:lnRef>
-          <a:fillRef idx="0">
-            <a:schemeClr val="accent1"/>
-          </a:fillRef>
-          <a:effectRef idx="0">
-            <a:schemeClr val="accent1"/>
-          </a:effectRef>
-          <a:fontRef idx="minor">
-            <a:schemeClr val="tx1"/>
-          </a:fontRef>
-        </p:style>
-      </p:cxnSp>
-      <p:cxnSp>
-        <p:nvCxnSpPr>
-          <p:cNvPr id="110" name="カギ線コネクタ 109"/>
-          <p:cNvCxnSpPr>
-            <a:stCxn id="1054" idx="2"/>
-            <a:endCxn id="69" idx="1"/>
-          </p:cNvCxnSpPr>
-          <p:nvPr/>
-        </p:nvCxnSpPr>
-        <p:spPr>
-          <a:xfrm rot="16200000" flipH="1">
-            <a:off x="4079173" y="2395397"/>
-            <a:ext cx="441627" cy="3345445"/>
-          </a:xfrm>
-          <a:prstGeom prst="bentConnector2">
-            <a:avLst/>
-          </a:prstGeom>
-          <a:ln w="57150">
-            <a:solidFill>
-              <a:srgbClr val="FFC000"/>
-            </a:solidFill>
-            <a:tailEnd type="arrow"/>
-          </a:ln>
-        </p:spPr>
-        <p:style>
-          <a:lnRef idx="1">
-            <a:schemeClr val="accent1"/>
-          </a:lnRef>
-          <a:fillRef idx="0">
-            <a:schemeClr val="accent1"/>
-          </a:fillRef>
-          <a:effectRef idx="0">
-            <a:schemeClr val="accent1"/>
-          </a:effectRef>
-          <a:fontRef idx="minor">
-            <a:schemeClr val="tx1"/>
-          </a:fontRef>
-        </p:style>
-      </p:cxnSp>
-      <p:sp>
-        <p:nvSpPr>
-          <p:cNvPr id="126" name="角丸四角形 125"/>
-          <p:cNvSpPr/>
-          <p:nvPr/>
-        </p:nvSpPr>
-        <p:spPr>
-          <a:xfrm>
-            <a:off x="3086297" y="1757473"/>
-            <a:ext cx="1037096" cy="239527"/>
-          </a:xfrm>
-          <a:prstGeom prst="roundRect">
-            <a:avLst/>
-          </a:prstGeom>
-          <a:solidFill>
-            <a:schemeClr val="bg1"/>
-          </a:solidFill>
-        </p:spPr>
-        <p:style>
-          <a:lnRef idx="2">
-            <a:schemeClr val="accent1">
-              <a:shade val="50000"/>
-            </a:schemeClr>
-          </a:lnRef>
-          <a:fillRef idx="1">
-            <a:schemeClr val="accent1"/>
-          </a:fillRef>
-          <a:effectRef idx="0">
-            <a:schemeClr val="accent1"/>
-          </a:effectRef>
-          <a:fontRef idx="minor">
-            <a:schemeClr val="lt1"/>
-          </a:fontRef>
-        </p:style>
-        <p:txBody>
-          <a:bodyPr rtlCol="0" anchor="ctr"/>
-          <a:lstStyle/>
-          <a:p>
-            <a:pPr algn="ctr"/>
-            <a:r>
-              <a:rPr lang="en-US" altLang="ja-JP" sz="800" dirty="0">
-                <a:solidFill>
-                  <a:schemeClr val="tx1"/>
-                </a:solidFill>
-                <a:latin typeface="メイリオ" panose="020B0604030504040204" pitchFamily="50" charset="-128"/>
-                <a:ea typeface="メイリオ" panose="020B0604030504040204" pitchFamily="50" charset="-128"/>
-              </a:rPr>
-              <a:t>kunii.local</a:t>
-            </a:r>
-            <a:endParaRPr lang="ja-JP" altLang="en-US" sz="800" dirty="0">
-              <a:solidFill>
-                <a:schemeClr val="tx1"/>
-              </a:solidFill>
-              <a:latin typeface="メイリオ" panose="020B0604030504040204" pitchFamily="50" charset="-128"/>
-              <a:ea typeface="メイリオ" panose="020B0604030504040204" pitchFamily="50" charset="-128"/>
-            </a:endParaRPr>
-          </a:p>
-        </p:txBody>
-      </p:sp>
-      <p:sp>
-        <p:nvSpPr>
-          <p:cNvPr id="127" name="角丸四角形 126"/>
-          <p:cNvSpPr/>
-          <p:nvPr/>
-        </p:nvSpPr>
-        <p:spPr>
-          <a:xfrm>
-            <a:off x="4868161" y="1748425"/>
-            <a:ext cx="1037096" cy="239527"/>
-          </a:xfrm>
-          <a:prstGeom prst="roundRect">
-            <a:avLst/>
-          </a:prstGeom>
-          <a:solidFill>
-            <a:schemeClr val="bg1"/>
-          </a:solidFill>
-        </p:spPr>
-        <p:style>
-          <a:lnRef idx="2">
-            <a:schemeClr val="accent1">
-              <a:shade val="50000"/>
-            </a:schemeClr>
-          </a:lnRef>
-          <a:fillRef idx="1">
-            <a:schemeClr val="accent1"/>
-          </a:fillRef>
-          <a:effectRef idx="0">
-            <a:schemeClr val="accent1"/>
-          </a:effectRef>
-          <a:fontRef idx="minor">
-            <a:schemeClr val="lt1"/>
-          </a:fontRef>
-        </p:style>
-        <p:txBody>
-          <a:bodyPr rtlCol="0" anchor="ctr"/>
-          <a:lstStyle/>
-          <a:p>
-            <a:pPr algn="ctr"/>
-            <a:r>
-              <a:rPr lang="en-US" altLang="ja-JP" sz="800" dirty="0">
-                <a:solidFill>
-                  <a:schemeClr val="tx1"/>
-                </a:solidFill>
-                <a:latin typeface="メイリオ" panose="020B0604030504040204" pitchFamily="50" charset="-128"/>
-                <a:ea typeface="メイリオ" panose="020B0604030504040204" pitchFamily="50" charset="-128"/>
-              </a:rPr>
-              <a:t>10.5.0.5</a:t>
-            </a:r>
-            <a:endParaRPr lang="ja-JP" altLang="en-US" sz="800" dirty="0">
-              <a:solidFill>
-                <a:schemeClr val="tx1"/>
-              </a:solidFill>
-              <a:latin typeface="メイリオ" panose="020B0604030504040204" pitchFamily="50" charset="-128"/>
-              <a:ea typeface="メイリオ" panose="020B0604030504040204" pitchFamily="50" charset="-128"/>
-            </a:endParaRPr>
-          </a:p>
-        </p:txBody>
-      </p:sp>
-      <p:grpSp>
-        <p:nvGrpSpPr>
-          <p:cNvPr id="118" name="グループ化 117"/>
-          <p:cNvGrpSpPr/>
-          <p:nvPr/>
-        </p:nvGrpSpPr>
-        <p:grpSpPr>
-          <a:xfrm>
-            <a:off x="6208598" y="1222254"/>
-            <a:ext cx="2518638" cy="1726025"/>
-            <a:chOff x="6237287" y="766269"/>
-            <a:chExt cx="2518638" cy="1726025"/>
-          </a:xfrm>
-        </p:grpSpPr>
-        <p:sp>
-          <p:nvSpPr>
-            <p:cNvPr id="6" name="テキスト ボックス 5"/>
-            <p:cNvSpPr txBox="1"/>
-            <p:nvPr/>
-          </p:nvSpPr>
-          <p:spPr>
-            <a:xfrm>
-              <a:off x="6237287" y="1268882"/>
-              <a:ext cx="2518638" cy="1223412"/>
-            </a:xfrm>
-            <a:prstGeom prst="rect">
-              <a:avLst/>
-            </a:prstGeom>
-            <a:noFill/>
-          </p:spPr>
-          <p:txBody>
-            <a:bodyPr wrap="none" rtlCol="0">
-              <a:spAutoFit/>
-            </a:bodyPr>
-            <a:lstStyle/>
-            <a:p>
-              <a:r>
-                <a:rPr lang="en-US" altLang="ja-JP" sz="1050" dirty="0"/>
-                <a:t>@          IN A 10.5.0.5</a:t>
-              </a:r>
-            </a:p>
-            <a:p>
-              <a:endParaRPr lang="en-US" altLang="ja-JP" sz="1050" dirty="0"/>
-            </a:p>
-            <a:p>
-              <a:r>
-                <a:rPr lang="en-US" altLang="ja-JP" sz="1050" dirty="0"/>
-                <a:t>@          IN NS ns.kunii.local.</a:t>
-              </a:r>
-            </a:p>
-            <a:p>
-              <a:r>
-                <a:rPr lang="en-US" altLang="ja-JP" sz="1050" dirty="0"/>
-                <a:t>ns         IN A  10.5.0.4</a:t>
-              </a:r>
-            </a:p>
-            <a:p>
-              <a:endParaRPr lang="en-US" altLang="ja-JP" sz="1050" dirty="0"/>
-            </a:p>
-            <a:p>
-              <a:r>
-                <a:rPr lang="en-US" altLang="ja-JP" sz="1050" dirty="0">
-                  <a:solidFill>
-                    <a:srgbClr val="FF0000"/>
-                  </a:solidFill>
-                </a:rPr>
-                <a:t>mail  IN A  10.5.0.5</a:t>
-              </a:r>
-            </a:p>
-            <a:p>
-              <a:r>
-                <a:rPr lang="en-US" altLang="ja-JP" sz="1050" dirty="0">
-                  <a:solidFill>
-                    <a:srgbClr val="FF0000"/>
-                  </a:solidFill>
-                </a:rPr>
-                <a:t>kunii.local.      IN      MX 10  mail.kunii.local.</a:t>
-              </a:r>
-              <a:endParaRPr kumimoji="1" lang="ja-JP" altLang="en-US" sz="1050" dirty="0">
-                <a:solidFill>
-                  <a:srgbClr val="FF0000"/>
-                </a:solidFill>
-              </a:endParaRPr>
-            </a:p>
-          </p:txBody>
-        </p:sp>
-        <p:sp>
-          <p:nvSpPr>
-            <p:cNvPr id="1051" name="テキスト ボックス 1050"/>
-            <p:cNvSpPr txBox="1"/>
-            <p:nvPr/>
-          </p:nvSpPr>
-          <p:spPr>
-            <a:xfrm>
-              <a:off x="6237287" y="766269"/>
-              <a:ext cx="1244187" cy="369332"/>
-            </a:xfrm>
-            <a:prstGeom prst="rect">
-              <a:avLst/>
-            </a:prstGeom>
-            <a:noFill/>
-          </p:spPr>
-          <p:txBody>
-            <a:bodyPr wrap="none" rtlCol="0">
-              <a:spAutoFit/>
-            </a:bodyPr>
-            <a:lstStyle/>
-            <a:p>
-              <a:r>
-                <a:rPr kumimoji="1" lang="en-US" altLang="ja-JP" dirty="0"/>
-                <a:t>DNS record</a:t>
-              </a:r>
-              <a:endParaRPr kumimoji="1" lang="ja-JP" altLang="en-US" dirty="0"/>
-            </a:p>
-          </p:txBody>
-        </p:sp>
-        <p:cxnSp>
-          <p:nvCxnSpPr>
-            <p:cNvPr id="1053" name="直線コネクタ 1052"/>
-            <p:cNvCxnSpPr/>
-            <p:nvPr/>
-          </p:nvCxnSpPr>
-          <p:spPr>
-            <a:xfrm>
-              <a:off x="6237287" y="1161479"/>
-              <a:ext cx="2518638" cy="0"/>
-            </a:xfrm>
-            <a:prstGeom prst="line">
-              <a:avLst/>
-            </a:prstGeom>
-            <a:ln>
-              <a:solidFill>
-                <a:schemeClr val="tx1"/>
-              </a:solidFill>
-            </a:ln>
-          </p:spPr>
-          <p:style>
-            <a:lnRef idx="1">
-              <a:schemeClr val="accent1"/>
-            </a:lnRef>
-            <a:fillRef idx="0">
-              <a:schemeClr val="accent1"/>
-            </a:fillRef>
-            <a:effectRef idx="0">
-              <a:schemeClr val="accent1"/>
-            </a:effectRef>
-            <a:fontRef idx="minor">
-              <a:schemeClr val="tx1"/>
-            </a:fontRef>
-          </p:style>
-        </p:cxnSp>
-      </p:grpSp>
-      <p:grpSp>
-        <p:nvGrpSpPr>
-          <p:cNvPr id="1055" name="グループ化 1054"/>
-          <p:cNvGrpSpPr/>
-          <p:nvPr/>
-        </p:nvGrpSpPr>
-        <p:grpSpPr>
-          <a:xfrm>
-            <a:off x="1889203" y="3585697"/>
-            <a:ext cx="1303280" cy="261610"/>
-            <a:chOff x="1950886" y="4368306"/>
-            <a:chExt cx="1303280" cy="261610"/>
-          </a:xfrm>
-        </p:grpSpPr>
-        <p:pic>
-          <p:nvPicPr>
-            <p:cNvPr id="1026" name="Picture 2" descr="C:\Users\kunii\Desktop\download.png"/>
-            <p:cNvPicPr>
-              <a:picLocks noChangeAspect="1" noChangeArrowheads="1"/>
-            </p:cNvPicPr>
-            <p:nvPr/>
-          </p:nvPicPr>
-          <p:blipFill>
-            <a:blip r:embed="rId4" cstate="print">
-              <a:extLst>
-                <a:ext uri="{28A0092B-C50C-407E-A947-70E740481C1C}">
-                  <a14:useLocalDpi xmlns:a14="http://schemas.microsoft.com/office/drawing/2010/main" val="0"/>
-                </a:ext>
-              </a:extLst>
-            </a:blip>
-            <a:srcRect/>
-            <a:stretch>
-              <a:fillRect/>
-            </a:stretch>
-          </p:blipFill>
-          <p:spPr bwMode="auto">
-            <a:xfrm rot="19957390">
-              <a:off x="1950886" y="4399918"/>
-              <a:ext cx="181756" cy="181756"/>
-            </a:xfrm>
-            <a:prstGeom prst="rect">
-              <a:avLst/>
-            </a:prstGeom>
-            <a:noFill/>
-            <a:extLst>
-              <a:ext uri="{909E8E84-426E-40DD-AFC4-6F175D3DCCD1}">
-                <a14:hiddenFill xmlns:a14="http://schemas.microsoft.com/office/drawing/2010/main">
-                  <a:solidFill>
-                    <a:srgbClr val="FFFFFF"/>
-                  </a:solidFill>
-                </a14:hiddenFill>
-              </a:ext>
-            </a:extLst>
-          </p:spPr>
-        </p:pic>
-        <p:sp>
-          <p:nvSpPr>
-            <p:cNvPr id="1054" name="テキスト ボックス 1053"/>
-            <p:cNvSpPr txBox="1"/>
-            <p:nvPr/>
-          </p:nvSpPr>
-          <p:spPr>
-            <a:xfrm>
-              <a:off x="2123728" y="4368306"/>
-              <a:ext cx="1130438" cy="261610"/>
-            </a:xfrm>
-            <a:prstGeom prst="rect">
-              <a:avLst/>
-            </a:prstGeom>
-            <a:noFill/>
-          </p:spPr>
-          <p:txBody>
-            <a:bodyPr wrap="none" rtlCol="0">
-              <a:spAutoFit/>
-            </a:bodyPr>
-            <a:lstStyle/>
-            <a:p>
-              <a:r>
-                <a:rPr kumimoji="1" lang="en-US" altLang="ja-JP" sz="1100" dirty="0"/>
-                <a:t>root@kunii.local</a:t>
-              </a:r>
-              <a:endParaRPr kumimoji="1" lang="ja-JP" altLang="en-US" sz="1100" dirty="0"/>
-            </a:p>
-          </p:txBody>
-        </p:sp>
-      </p:grpSp>
-      <p:cxnSp>
-        <p:nvCxnSpPr>
-          <p:cNvPr id="133" name="カギ線コネクタ 132"/>
-          <p:cNvCxnSpPr>
-            <a:stCxn id="46" idx="0"/>
-            <a:endCxn id="1026" idx="1"/>
-          </p:cNvCxnSpPr>
-          <p:nvPr/>
-        </p:nvCxnSpPr>
-        <p:spPr>
-          <a:xfrm rot="5400000" flipH="1" flipV="1">
-            <a:off x="1383467" y="3727707"/>
-            <a:ext cx="493645" cy="538184"/>
-          </a:xfrm>
-          <a:prstGeom prst="bentConnector2">
-            <a:avLst/>
-          </a:prstGeom>
-          <a:ln w="57150">
-            <a:solidFill>
-              <a:srgbClr val="FFC000"/>
-            </a:solidFill>
-            <a:tailEnd type="arrow"/>
-          </a:ln>
-        </p:spPr>
-        <p:style>
-          <a:lnRef idx="1">
-            <a:schemeClr val="accent1"/>
-          </a:lnRef>
-          <a:fillRef idx="0">
-            <a:schemeClr val="accent1"/>
-          </a:fillRef>
-          <a:effectRef idx="0">
-            <a:schemeClr val="accent1"/>
-          </a:effectRef>
-          <a:fontRef idx="minor">
-            <a:schemeClr val="tx1"/>
-          </a:fontRef>
-        </p:style>
-      </p:cxnSp>
-      <p:cxnSp>
-        <p:nvCxnSpPr>
-          <p:cNvPr id="143" name="カギ線コネクタ 142"/>
-          <p:cNvCxnSpPr>
-            <a:stCxn id="79" idx="2"/>
-            <a:endCxn id="1054" idx="3"/>
-          </p:cNvCxnSpPr>
-          <p:nvPr/>
-        </p:nvCxnSpPr>
-        <p:spPr>
-          <a:xfrm rot="5400000">
-            <a:off x="3082437" y="2853631"/>
-            <a:ext cx="972917" cy="752824"/>
-          </a:xfrm>
-          <a:prstGeom prst="bentConnector2">
-            <a:avLst/>
-          </a:prstGeom>
-          <a:ln w="57150">
-            <a:solidFill>
-              <a:srgbClr val="FFC000"/>
-            </a:solidFill>
-            <a:tailEnd type="arrow"/>
-          </a:ln>
-        </p:spPr>
-        <p:style>
-          <a:lnRef idx="1">
-            <a:schemeClr val="accent1"/>
-          </a:lnRef>
-          <a:fillRef idx="0">
-            <a:schemeClr val="accent1"/>
-          </a:fillRef>
-          <a:effectRef idx="0">
-            <a:schemeClr val="accent1"/>
-          </a:effectRef>
-          <a:fontRef idx="minor">
-            <a:schemeClr val="tx1"/>
-          </a:fontRef>
-        </p:style>
-      </p:cxnSp>
-      <p:cxnSp>
-        <p:nvCxnSpPr>
-          <p:cNvPr id="149" name="カギ線コネクタ 148"/>
-          <p:cNvCxnSpPr>
-            <a:stCxn id="1054" idx="0"/>
-            <a:endCxn id="79" idx="1"/>
-          </p:cNvCxnSpPr>
-          <p:nvPr/>
-        </p:nvCxnSpPr>
-        <p:spPr>
-          <a:xfrm rot="5400000" flipH="1" flipV="1">
-            <a:off x="2428456" y="2695541"/>
-            <a:ext cx="1088964" cy="691349"/>
-          </a:xfrm>
-          <a:prstGeom prst="bentConnector2">
-            <a:avLst/>
-          </a:prstGeom>
-          <a:ln w="57150">
-            <a:solidFill>
-              <a:srgbClr val="FFC000"/>
-            </a:solidFill>
-            <a:tailEnd type="arrow"/>
-          </a:ln>
-        </p:spPr>
-        <p:style>
-          <a:lnRef idx="1">
-            <a:schemeClr val="accent1"/>
-          </a:lnRef>
-          <a:fillRef idx="0">
-            <a:schemeClr val="accent1"/>
-          </a:fillRef>
-          <a:effectRef idx="0">
-            <a:schemeClr val="accent1"/>
-          </a:effectRef>
-          <a:fontRef idx="minor">
-            <a:schemeClr val="tx1"/>
-          </a:fontRef>
-        </p:style>
-      </p:cxnSp>
-      <p:sp>
-        <p:nvSpPr>
-          <p:cNvPr id="155" name="角丸四角形 154"/>
-          <p:cNvSpPr/>
-          <p:nvPr/>
-        </p:nvSpPr>
-        <p:spPr>
-          <a:xfrm>
-            <a:off x="1906103" y="2999963"/>
-            <a:ext cx="1037096" cy="239527"/>
-          </a:xfrm>
-          <a:prstGeom prst="roundRect">
-            <a:avLst/>
-          </a:prstGeom>
-          <a:solidFill>
-            <a:schemeClr val="bg1"/>
-          </a:solidFill>
-        </p:spPr>
-        <p:style>
-          <a:lnRef idx="2">
-            <a:schemeClr val="accent1">
-              <a:shade val="50000"/>
-            </a:schemeClr>
-          </a:lnRef>
-          <a:fillRef idx="1">
-            <a:schemeClr val="accent1"/>
-          </a:fillRef>
-          <a:effectRef idx="0">
-            <a:schemeClr val="accent1"/>
-          </a:effectRef>
-          <a:fontRef idx="minor">
-            <a:schemeClr val="lt1"/>
-          </a:fontRef>
-        </p:style>
-        <p:txBody>
-          <a:bodyPr rtlCol="0" anchor="ctr"/>
-          <a:lstStyle/>
-          <a:p>
-            <a:pPr algn="ctr"/>
-            <a:r>
-              <a:rPr lang="en-US" altLang="ja-JP" sz="800" dirty="0">
-                <a:solidFill>
-                  <a:schemeClr val="tx1"/>
-                </a:solidFill>
-                <a:latin typeface="メイリオ" panose="020B0604030504040204" pitchFamily="50" charset="-128"/>
-                <a:ea typeface="メイリオ" panose="020B0604030504040204" pitchFamily="50" charset="-128"/>
-              </a:rPr>
-              <a:t>kunii.local</a:t>
-            </a:r>
-            <a:endParaRPr lang="ja-JP" altLang="en-US" sz="800" dirty="0">
-              <a:solidFill>
-                <a:schemeClr val="tx1"/>
-              </a:solidFill>
-              <a:latin typeface="メイリオ" panose="020B0604030504040204" pitchFamily="50" charset="-128"/>
-              <a:ea typeface="メイリオ" panose="020B0604030504040204" pitchFamily="50" charset="-128"/>
-            </a:endParaRPr>
-          </a:p>
-        </p:txBody>
-      </p:sp>
-      <p:sp>
-        <p:nvSpPr>
-          <p:cNvPr id="156" name="角丸四角形 155"/>
-          <p:cNvSpPr/>
-          <p:nvPr/>
-        </p:nvSpPr>
-        <p:spPr>
-          <a:xfrm>
-            <a:off x="3687967" y="2990915"/>
-            <a:ext cx="1037096" cy="239527"/>
-          </a:xfrm>
-          <a:prstGeom prst="roundRect">
-            <a:avLst/>
-          </a:prstGeom>
-          <a:solidFill>
-            <a:schemeClr val="bg1"/>
-          </a:solidFill>
-        </p:spPr>
-        <p:style>
-          <a:lnRef idx="2">
-            <a:schemeClr val="accent1">
-              <a:shade val="50000"/>
-            </a:schemeClr>
-          </a:lnRef>
-          <a:fillRef idx="1">
-            <a:schemeClr val="accent1"/>
-          </a:fillRef>
-          <a:effectRef idx="0">
-            <a:schemeClr val="accent1"/>
-          </a:effectRef>
-          <a:fontRef idx="minor">
-            <a:schemeClr val="lt1"/>
-          </a:fontRef>
-        </p:style>
-        <p:txBody>
-          <a:bodyPr rtlCol="0" anchor="ctr"/>
-          <a:lstStyle/>
-          <a:p>
-            <a:pPr algn="ctr"/>
-            <a:r>
-              <a:rPr lang="en-US" altLang="ja-JP" sz="800" dirty="0">
-                <a:solidFill>
-                  <a:schemeClr val="tx1"/>
-                </a:solidFill>
-                <a:latin typeface="メイリオ" panose="020B0604030504040204" pitchFamily="50" charset="-128"/>
-                <a:ea typeface="メイリオ" panose="020B0604030504040204" pitchFamily="50" charset="-128"/>
-              </a:rPr>
-              <a:t>10.5.0.5</a:t>
-            </a:r>
-            <a:endParaRPr lang="ja-JP" altLang="en-US" sz="800" dirty="0">
-              <a:solidFill>
-                <a:schemeClr val="tx1"/>
-              </a:solidFill>
-              <a:latin typeface="メイリオ" panose="020B0604030504040204" pitchFamily="50" charset="-128"/>
-              <a:ea typeface="メイリオ" panose="020B0604030504040204" pitchFamily="50" charset="-128"/>
-            </a:endParaRPr>
-          </a:p>
-        </p:txBody>
-      </p:sp>
-      <p:pic>
-        <p:nvPicPr>
-          <p:cNvPr id="159" name="Picture 2" descr="C:\Users\kunii\Desktop\download.png"/>
-          <p:cNvPicPr>
-            <a:picLocks noChangeAspect="1" noChangeArrowheads="1"/>
-          </p:cNvPicPr>
-          <p:nvPr/>
-        </p:nvPicPr>
-        <p:blipFill>
-          <a:blip r:embed="rId4" cstate="print">
-            <a:extLst>
-              <a:ext uri="{28A0092B-C50C-407E-A947-70E740481C1C}">
-                <a14:useLocalDpi xmlns:a14="http://schemas.microsoft.com/office/drawing/2010/main" val="0"/>
-              </a:ext>
-            </a:extLst>
-          </a:blip>
-          <a:srcRect/>
-          <a:stretch>
-            <a:fillRect/>
-          </a:stretch>
-        </p:blipFill>
-        <p:spPr bwMode="auto">
-          <a:xfrm rot="19957390">
-            <a:off x="4114704" y="4179493"/>
-            <a:ext cx="181756" cy="181756"/>
-          </a:xfrm>
-          <a:prstGeom prst="rect">
-            <a:avLst/>
-          </a:prstGeom>
-          <a:noFill/>
-          <a:extLst>
-            <a:ext uri="{909E8E84-426E-40DD-AFC4-6F175D3DCCD1}">
-              <a14:hiddenFill xmlns:a14="http://schemas.microsoft.com/office/drawing/2010/main">
-                <a:solidFill>
-                  <a:srgbClr val="FFFFFF"/>
-                </a:solidFill>
-              </a14:hiddenFill>
-            </a:ext>
-          </a:extLst>
-        </p:spPr>
-      </p:pic>
-      <p:sp>
-        <p:nvSpPr>
-          <p:cNvPr id="119" name="テキスト ボックス 118"/>
-          <p:cNvSpPr txBox="1"/>
-          <p:nvPr/>
-        </p:nvSpPr>
-        <p:spPr>
-          <a:xfrm>
-            <a:off x="3407126" y="4497747"/>
-            <a:ext cx="1582484" cy="246221"/>
-          </a:xfrm>
-          <a:prstGeom prst="rect">
-            <a:avLst/>
-          </a:prstGeom>
-          <a:noFill/>
-        </p:spPr>
-        <p:txBody>
-          <a:bodyPr wrap="none" rtlCol="0">
-            <a:spAutoFit/>
-          </a:bodyPr>
-          <a:lstStyle/>
-          <a:p>
-            <a:r>
-              <a:rPr lang="en-US" altLang="ja-JP" sz="1000">
-                <a:latin typeface="メイリオ" panose="020B0604030504040204" pitchFamily="50" charset="-128"/>
-                <a:ea typeface="メイリオ" panose="020B0604030504040204" pitchFamily="50" charset="-128"/>
-              </a:rPr>
-              <a:t>kunii</a:t>
-            </a:r>
-            <a:r>
-              <a:rPr lang="en-US" altLang="ja-JP" sz="1000" dirty="0">
-                <a:latin typeface="メイリオ" panose="020B0604030504040204" pitchFamily="50" charset="-128"/>
-                <a:ea typeface="メイリオ" panose="020B0604030504040204" pitchFamily="50" charset="-128"/>
-              </a:rPr>
-              <a:t>.local -&gt; 10.5.0.5</a:t>
-            </a:r>
-            <a:endParaRPr lang="ja-JP" altLang="en-US" sz="1000" dirty="0">
-              <a:latin typeface="メイリオ" panose="020B0604030504040204" pitchFamily="50" charset="-128"/>
-              <a:ea typeface="メイリオ" panose="020B0604030504040204" pitchFamily="50" charset="-128"/>
-            </a:endParaRPr>
-          </a:p>
-        </p:txBody>
-      </p:sp>
-      <p:pic>
-        <p:nvPicPr>
-          <p:cNvPr id="120" name="Picture 3" descr="C:\Users\kunii\Desktop\スクリーンショット（2010-05-20-5-20木-6.10.12）.png"/>
-          <p:cNvPicPr>
-            <a:picLocks noChangeAspect="1" noChangeArrowheads="1"/>
-          </p:cNvPicPr>
-          <p:nvPr/>
-        </p:nvPicPr>
-        <p:blipFill>
-          <a:blip r:embed="rId5" cstate="print">
-            <a:extLst>
-              <a:ext uri="{28A0092B-C50C-407E-A947-70E740481C1C}">
-                <a14:useLocalDpi xmlns:a14="http://schemas.microsoft.com/office/drawing/2010/main" val="0"/>
-              </a:ext>
-            </a:extLst>
-          </a:blip>
-          <a:srcRect/>
-          <a:stretch>
-            <a:fillRect/>
-          </a:stretch>
-        </p:blipFill>
-        <p:spPr bwMode="auto">
-          <a:xfrm>
-            <a:off x="7740349" y="3971864"/>
-            <a:ext cx="570745" cy="597014"/>
-          </a:xfrm>
-          <a:prstGeom prst="rect">
-            <a:avLst/>
-          </a:prstGeom>
-          <a:noFill/>
-          <a:extLst>
-            <a:ext uri="{909E8E84-426E-40DD-AFC4-6F175D3DCCD1}">
-              <a14:hiddenFill xmlns:a14="http://schemas.microsoft.com/office/drawing/2010/main">
-                <a:solidFill>
-                  <a:srgbClr val="FFFFFF"/>
-                </a:solidFill>
-              </a14:hiddenFill>
-            </a:ext>
-          </a:extLst>
-        </p:spPr>
-      </p:pic>
-      <p:sp>
-        <p:nvSpPr>
-          <p:cNvPr id="163" name="テキスト ボックス 162"/>
-          <p:cNvSpPr txBox="1"/>
-          <p:nvPr/>
-        </p:nvSpPr>
-        <p:spPr>
-          <a:xfrm>
-            <a:off x="7727537" y="4574634"/>
-            <a:ext cx="615874" cy="253916"/>
-          </a:xfrm>
-          <a:prstGeom prst="rect">
-            <a:avLst/>
-          </a:prstGeom>
-          <a:noFill/>
-        </p:spPr>
-        <p:txBody>
-          <a:bodyPr wrap="none" rtlCol="0">
-            <a:spAutoFit/>
-          </a:bodyPr>
-          <a:lstStyle/>
-          <a:p>
-            <a:r>
-              <a:rPr lang="en-US" altLang="ja-JP" sz="1050" dirty="0"/>
-              <a:t>mailbox</a:t>
-            </a:r>
-          </a:p>
-        </p:txBody>
-      </p:sp>
-      <p:cxnSp>
-        <p:nvCxnSpPr>
-          <p:cNvPr id="122" name="直線矢印コネクタ 121"/>
-          <p:cNvCxnSpPr>
-            <a:stCxn id="8" idx="0"/>
-            <a:endCxn id="163" idx="2"/>
-          </p:cNvCxnSpPr>
-          <p:nvPr/>
-        </p:nvCxnSpPr>
-        <p:spPr>
-          <a:xfrm flipV="1">
-            <a:off x="8025722" y="4828550"/>
-            <a:ext cx="9752" cy="688682"/>
+          <a:xfrm flipH="1" flipV="1">
+            <a:off x="4472738" y="1836111"/>
+            <a:ext cx="1951223" cy="1172407"/>
           </a:xfrm>
           <a:prstGeom prst="straightConnector1">
             <a:avLst/>
@@ -4884,10 +5123,228 @@
       </p:cxnSp>
       <p:sp>
         <p:nvSpPr>
-          <p:cNvPr id="41" name="テキスト ボックス 40">
+          <p:cNvPr id="137" name="角丸四角形 125">
             <a:extLst>
               <a:ext uri="{FF2B5EF4-FFF2-40B4-BE49-F238E27FC236}">
-                <a16:creationId xmlns:a16="http://schemas.microsoft.com/office/drawing/2014/main" id="{913630E1-22CA-47F3-B798-92C38EEEC800}"/>
+                <a16:creationId xmlns:a16="http://schemas.microsoft.com/office/drawing/2014/main" id="{9A2908D6-709D-4D96-8454-1624577F7422}"/>
+              </a:ext>
+            </a:extLst>
+          </p:cNvPr>
+          <p:cNvSpPr/>
+          <p:nvPr/>
+        </p:nvSpPr>
+        <p:spPr>
+          <a:xfrm>
+            <a:off x="4510955" y="2374854"/>
+            <a:ext cx="1702591" cy="239527"/>
+          </a:xfrm>
+          <a:prstGeom prst="roundRect">
+            <a:avLst/>
+          </a:prstGeom>
+          <a:solidFill>
+            <a:schemeClr val="bg1"/>
+          </a:solidFill>
+        </p:spPr>
+        <p:style>
+          <a:lnRef idx="2">
+            <a:schemeClr val="accent1">
+              <a:shade val="50000"/>
+            </a:schemeClr>
+          </a:lnRef>
+          <a:fillRef idx="1">
+            <a:schemeClr val="accent1"/>
+          </a:fillRef>
+          <a:effectRef idx="0">
+            <a:schemeClr val="accent1"/>
+          </a:effectRef>
+          <a:fontRef idx="minor">
+            <a:schemeClr val="lt1"/>
+          </a:fontRef>
+        </p:style>
+        <p:txBody>
+          <a:bodyPr rtlCol="0" anchor="ctr"/>
+          <a:lstStyle/>
+          <a:p>
+            <a:pPr algn="ctr"/>
+            <a:r>
+              <a:rPr lang="en-US" altLang="ja-JP" sz="800" dirty="0">
+                <a:solidFill>
+                  <a:schemeClr val="tx1"/>
+                </a:solidFill>
+                <a:latin typeface="メイリオ" panose="020B0604030504040204" pitchFamily="50" charset="-128"/>
+                <a:ea typeface="メイリオ" panose="020B0604030504040204" pitchFamily="50" charset="-128"/>
+              </a:rPr>
+              <a:t>Check SPF</a:t>
+            </a:r>
+            <a:endParaRPr lang="ja-JP" altLang="en-US" sz="800" dirty="0">
+              <a:solidFill>
+                <a:schemeClr val="tx1"/>
+              </a:solidFill>
+              <a:latin typeface="メイリオ" panose="020B0604030504040204" pitchFamily="50" charset="-128"/>
+              <a:ea typeface="メイリオ" panose="020B0604030504040204" pitchFamily="50" charset="-128"/>
+            </a:endParaRPr>
+          </a:p>
+        </p:txBody>
+      </p:sp>
+      <p:sp>
+        <p:nvSpPr>
+          <p:cNvPr id="99" name="楕円 98">
+            <a:extLst>
+              <a:ext uri="{FF2B5EF4-FFF2-40B4-BE49-F238E27FC236}">
+                <a16:creationId xmlns:a16="http://schemas.microsoft.com/office/drawing/2014/main" id="{89889B48-2369-46C0-B061-81CB7EE92D1F}"/>
+              </a:ext>
+            </a:extLst>
+          </p:cNvPr>
+          <p:cNvSpPr/>
+          <p:nvPr/>
+        </p:nvSpPr>
+        <p:spPr>
+          <a:xfrm>
+            <a:off x="1714741" y="3503053"/>
+            <a:ext cx="324223" cy="324223"/>
+          </a:xfrm>
+          <a:prstGeom prst="ellipse">
+            <a:avLst/>
+          </a:prstGeom>
+          <a:ln>
+            <a:noFill/>
+          </a:ln>
+        </p:spPr>
+        <p:style>
+          <a:lnRef idx="2">
+            <a:schemeClr val="accent1">
+              <a:shade val="50000"/>
+            </a:schemeClr>
+          </a:lnRef>
+          <a:fillRef idx="1">
+            <a:schemeClr val="accent1"/>
+          </a:fillRef>
+          <a:effectRef idx="0">
+            <a:schemeClr val="accent1"/>
+          </a:effectRef>
+          <a:fontRef idx="minor">
+            <a:schemeClr val="lt1"/>
+          </a:fontRef>
+        </p:style>
+        <p:txBody>
+          <a:bodyPr rtlCol="0" anchor="ctr"/>
+          <a:lstStyle/>
+          <a:p>
+            <a:pPr algn="ctr"/>
+            <a:r>
+              <a:rPr kumimoji="1" lang="en-US" altLang="ja-JP" dirty="0"/>
+              <a:t>1</a:t>
+            </a:r>
+            <a:endParaRPr kumimoji="1" lang="ja-JP" altLang="en-US" dirty="0"/>
+          </a:p>
+        </p:txBody>
+      </p:sp>
+      <p:sp>
+        <p:nvSpPr>
+          <p:cNvPr id="140" name="楕円 139">
+            <a:extLst>
+              <a:ext uri="{FF2B5EF4-FFF2-40B4-BE49-F238E27FC236}">
+                <a16:creationId xmlns:a16="http://schemas.microsoft.com/office/drawing/2014/main" id="{A22BE2CA-CB45-4256-9DFE-09D078BA1FC6}"/>
+              </a:ext>
+            </a:extLst>
+          </p:cNvPr>
+          <p:cNvSpPr/>
+          <p:nvPr/>
+        </p:nvSpPr>
+        <p:spPr>
+          <a:xfrm>
+            <a:off x="2476854" y="2529186"/>
+            <a:ext cx="324223" cy="324223"/>
+          </a:xfrm>
+          <a:prstGeom prst="ellipse">
+            <a:avLst/>
+          </a:prstGeom>
+          <a:ln>
+            <a:noFill/>
+          </a:ln>
+        </p:spPr>
+        <p:style>
+          <a:lnRef idx="2">
+            <a:schemeClr val="accent1">
+              <a:shade val="50000"/>
+            </a:schemeClr>
+          </a:lnRef>
+          <a:fillRef idx="1">
+            <a:schemeClr val="accent1"/>
+          </a:fillRef>
+          <a:effectRef idx="0">
+            <a:schemeClr val="accent1"/>
+          </a:effectRef>
+          <a:fontRef idx="minor">
+            <a:schemeClr val="lt1"/>
+          </a:fontRef>
+        </p:style>
+        <p:txBody>
+          <a:bodyPr rtlCol="0" anchor="ctr"/>
+          <a:lstStyle/>
+          <a:p>
+            <a:pPr algn="ctr"/>
+            <a:r>
+              <a:rPr lang="en-US" altLang="ja-JP" dirty="0"/>
+              <a:t>2</a:t>
+            </a:r>
+            <a:endParaRPr kumimoji="1" lang="ja-JP" altLang="en-US" dirty="0"/>
+          </a:p>
+        </p:txBody>
+      </p:sp>
+      <p:pic>
+        <p:nvPicPr>
+          <p:cNvPr id="150" name="Picture 2" descr="C:\Users\kunii\Desktop\download.png">
+            <a:extLst>
+              <a:ext uri="{FF2B5EF4-FFF2-40B4-BE49-F238E27FC236}">
+                <a16:creationId xmlns:a16="http://schemas.microsoft.com/office/drawing/2014/main" id="{6D9CF89F-351D-41AB-A5C9-93E12D6AF5C0}"/>
+              </a:ext>
+            </a:extLst>
+          </p:cNvPr>
+          <p:cNvPicPr>
+            <a:picLocks noChangeAspect="1" noChangeArrowheads="1"/>
+          </p:cNvPicPr>
+          <p:nvPr/>
+        </p:nvPicPr>
+        <p:blipFill>
+          <a:blip r:embed="rId5" cstate="print">
+            <a:extLst>
+              <a:ext uri="{28A0092B-C50C-407E-A947-70E740481C1C}">
+                <a14:useLocalDpi xmlns:a14="http://schemas.microsoft.com/office/drawing/2010/main" val="0"/>
+              </a:ext>
+            </a:extLst>
+          </a:blip>
+          <a:srcRect/>
+          <a:stretch>
+            <a:fillRect/>
+          </a:stretch>
+        </p:blipFill>
+        <p:spPr bwMode="auto">
+          <a:xfrm rot="19957390">
+            <a:off x="4751421" y="3736397"/>
+            <a:ext cx="181756" cy="181756"/>
+          </a:xfrm>
+          <a:prstGeom prst="rect">
+            <a:avLst/>
+          </a:prstGeom>
+          <a:noFill/>
+          <a:extLst>
+            <a:ext uri="{909E8E84-426E-40DD-AFC4-6F175D3DCCD1}">
+              <a14:hiddenFill xmlns:a14="http://schemas.microsoft.com/office/drawing/2010/main">
+                <a:solidFill>
+                  <a:srgbClr val="FFFFFF"/>
+                </a:solidFill>
+              </a14:hiddenFill>
+            </a:ext>
+          </a:extLst>
+        </p:spPr>
+      </p:pic>
+      <p:sp>
+        <p:nvSpPr>
+          <p:cNvPr id="151" name="テキスト ボックス 150">
+            <a:extLst>
+              <a:ext uri="{FF2B5EF4-FFF2-40B4-BE49-F238E27FC236}">
+                <a16:creationId xmlns:a16="http://schemas.microsoft.com/office/drawing/2014/main" id="{F6355D2C-3361-4C3B-B887-45992EF026D3}"/>
               </a:ext>
             </a:extLst>
           </p:cNvPr>
@@ -4896,8 +5353,8 @@
         </p:nvSpPr>
         <p:spPr>
           <a:xfrm>
-            <a:off x="5856690" y="4849726"/>
-            <a:ext cx="1619354" cy="646331"/>
+            <a:off x="1716632" y="3845310"/>
+            <a:ext cx="1449436" cy="215444"/>
           </a:xfrm>
           <a:prstGeom prst="rect">
             <a:avLst/>
@@ -4910,45 +5367,213 @@
           </a:bodyPr>
           <a:lstStyle/>
           <a:p>
-            <a:pPr>
-              <a:lnSpc>
-                <a:spcPct val="150000"/>
-              </a:lnSpc>
-            </a:pPr>
             <a:r>
               <a:rPr lang="en-US" altLang="ja-JP" sz="800" dirty="0">
                 <a:latin typeface="メイリオ" panose="020B0604030504040204" pitchFamily="50" charset="-128"/>
                 <a:ea typeface="メイリオ" panose="020B0604030504040204" pitchFamily="50" charset="-128"/>
               </a:rPr>
-              <a:t>myhost:        mail.kunii.local</a:t>
-            </a:r>
-          </a:p>
-          <a:p>
-            <a:pPr>
-              <a:lnSpc>
-                <a:spcPct val="150000"/>
-              </a:lnSpc>
-            </a:pPr>
+              <a:t>Send to root@hoge.com</a:t>
+            </a:r>
+            <a:endParaRPr lang="ja-JP" altLang="en-US" sz="800" dirty="0">
+              <a:latin typeface="メイリオ" panose="020B0604030504040204" pitchFamily="50" charset="-128"/>
+              <a:ea typeface="メイリオ" panose="020B0604030504040204" pitchFamily="50" charset="-128"/>
+            </a:endParaRPr>
+          </a:p>
+        </p:txBody>
+      </p:sp>
+      <p:sp>
+        <p:nvSpPr>
+          <p:cNvPr id="152" name="楕円 151">
+            <a:extLst>
+              <a:ext uri="{FF2B5EF4-FFF2-40B4-BE49-F238E27FC236}">
+                <a16:creationId xmlns:a16="http://schemas.microsoft.com/office/drawing/2014/main" id="{4E30B1D4-3299-4C26-B9C8-1848C460AAA5}"/>
+              </a:ext>
+            </a:extLst>
+          </p:cNvPr>
+          <p:cNvSpPr/>
+          <p:nvPr/>
+        </p:nvSpPr>
+        <p:spPr>
+          <a:xfrm>
+            <a:off x="4256191" y="3932362"/>
+            <a:ext cx="324223" cy="324223"/>
+          </a:xfrm>
+          <a:prstGeom prst="ellipse">
+            <a:avLst/>
+          </a:prstGeom>
+          <a:ln>
+            <a:noFill/>
+          </a:ln>
+        </p:spPr>
+        <p:style>
+          <a:lnRef idx="2">
+            <a:schemeClr val="accent1">
+              <a:shade val="50000"/>
+            </a:schemeClr>
+          </a:lnRef>
+          <a:fillRef idx="1">
+            <a:schemeClr val="accent1"/>
+          </a:fillRef>
+          <a:effectRef idx="0">
+            <a:schemeClr val="accent1"/>
+          </a:effectRef>
+          <a:fontRef idx="minor">
+            <a:schemeClr val="lt1"/>
+          </a:fontRef>
+        </p:style>
+        <p:txBody>
+          <a:bodyPr rtlCol="0" anchor="ctr"/>
+          <a:lstStyle/>
+          <a:p>
+            <a:pPr algn="ctr"/>
+            <a:r>
+              <a:rPr lang="en-US" altLang="ja-JP" dirty="0"/>
+              <a:t>3</a:t>
+            </a:r>
+            <a:endParaRPr kumimoji="1" lang="ja-JP" altLang="en-US" dirty="0"/>
+          </a:p>
+        </p:txBody>
+      </p:sp>
+      <p:sp>
+        <p:nvSpPr>
+          <p:cNvPr id="153" name="楕円 152">
+            <a:extLst>
+              <a:ext uri="{FF2B5EF4-FFF2-40B4-BE49-F238E27FC236}">
+                <a16:creationId xmlns:a16="http://schemas.microsoft.com/office/drawing/2014/main" id="{77D57219-6573-4B26-8927-F5BEA69E7893}"/>
+              </a:ext>
+            </a:extLst>
+          </p:cNvPr>
+          <p:cNvSpPr/>
+          <p:nvPr/>
+        </p:nvSpPr>
+        <p:spPr>
+          <a:xfrm>
+            <a:off x="4434078" y="2190302"/>
+            <a:ext cx="324223" cy="324223"/>
+          </a:xfrm>
+          <a:prstGeom prst="ellipse">
+            <a:avLst/>
+          </a:prstGeom>
+          <a:ln>
+            <a:noFill/>
+          </a:ln>
+        </p:spPr>
+        <p:style>
+          <a:lnRef idx="2">
+            <a:schemeClr val="accent1">
+              <a:shade val="50000"/>
+            </a:schemeClr>
+          </a:lnRef>
+          <a:fillRef idx="1">
+            <a:schemeClr val="accent1"/>
+          </a:fillRef>
+          <a:effectRef idx="0">
+            <a:schemeClr val="accent1"/>
+          </a:effectRef>
+          <a:fontRef idx="minor">
+            <a:schemeClr val="lt1"/>
+          </a:fontRef>
+        </p:style>
+        <p:txBody>
+          <a:bodyPr rtlCol="0" anchor="ctr"/>
+          <a:lstStyle/>
+          <a:p>
+            <a:pPr algn="ctr"/>
+            <a:r>
+              <a:rPr lang="en-US" altLang="ja-JP" dirty="0"/>
+              <a:t>4</a:t>
+            </a:r>
+            <a:endParaRPr kumimoji="1" lang="ja-JP" altLang="en-US" dirty="0"/>
+          </a:p>
+        </p:txBody>
+      </p:sp>
+      <p:sp>
+        <p:nvSpPr>
+          <p:cNvPr id="158" name="楕円 157">
+            <a:extLst>
+              <a:ext uri="{FF2B5EF4-FFF2-40B4-BE49-F238E27FC236}">
+                <a16:creationId xmlns:a16="http://schemas.microsoft.com/office/drawing/2014/main" id="{C88099EC-B180-4EED-857C-BD244CB9631E}"/>
+              </a:ext>
+            </a:extLst>
+          </p:cNvPr>
+          <p:cNvSpPr/>
+          <p:nvPr/>
+        </p:nvSpPr>
+        <p:spPr>
+          <a:xfrm>
+            <a:off x="7433545" y="3501163"/>
+            <a:ext cx="324223" cy="324223"/>
+          </a:xfrm>
+          <a:prstGeom prst="ellipse">
+            <a:avLst/>
+          </a:prstGeom>
+          <a:ln>
+            <a:noFill/>
+          </a:ln>
+        </p:spPr>
+        <p:style>
+          <a:lnRef idx="2">
+            <a:schemeClr val="accent1">
+              <a:shade val="50000"/>
+            </a:schemeClr>
+          </a:lnRef>
+          <a:fillRef idx="1">
+            <a:schemeClr val="accent1"/>
+          </a:fillRef>
+          <a:effectRef idx="0">
+            <a:schemeClr val="accent1"/>
+          </a:effectRef>
+          <a:fontRef idx="minor">
+            <a:schemeClr val="lt1"/>
+          </a:fontRef>
+        </p:style>
+        <p:txBody>
+          <a:bodyPr rtlCol="0" anchor="ctr"/>
+          <a:lstStyle/>
+          <a:p>
+            <a:pPr algn="ctr"/>
+            <a:r>
+              <a:rPr lang="en-US" altLang="ja-JP" dirty="0"/>
+              <a:t>5</a:t>
+            </a:r>
+            <a:endParaRPr kumimoji="1" lang="ja-JP" altLang="en-US" dirty="0"/>
+          </a:p>
+        </p:txBody>
+      </p:sp>
+      <p:sp>
+        <p:nvSpPr>
+          <p:cNvPr id="161" name="テキスト ボックス 160">
+            <a:extLst>
+              <a:ext uri="{FF2B5EF4-FFF2-40B4-BE49-F238E27FC236}">
+                <a16:creationId xmlns:a16="http://schemas.microsoft.com/office/drawing/2014/main" id="{BA93C6EE-F7E6-48C3-A86A-706ABD339CB3}"/>
+              </a:ext>
+            </a:extLst>
+          </p:cNvPr>
+          <p:cNvSpPr txBox="1"/>
+          <p:nvPr/>
+        </p:nvSpPr>
+        <p:spPr>
+          <a:xfrm>
+            <a:off x="7447819" y="3845310"/>
+            <a:ext cx="670376" cy="215444"/>
+          </a:xfrm>
+          <a:prstGeom prst="rect">
+            <a:avLst/>
+          </a:prstGeom>
+          <a:noFill/>
+        </p:spPr>
+        <p:txBody>
+          <a:bodyPr wrap="none" rtlCol="0">
+            <a:spAutoFit/>
+          </a:bodyPr>
+          <a:lstStyle/>
+          <a:p>
             <a:r>
               <a:rPr lang="en-US" altLang="ja-JP" sz="800" dirty="0">
                 <a:latin typeface="メイリオ" panose="020B0604030504040204" pitchFamily="50" charset="-128"/>
                 <a:ea typeface="メイリオ" panose="020B0604030504040204" pitchFamily="50" charset="-128"/>
               </a:rPr>
-              <a:t>mydomain:    kunii.local</a:t>
-            </a:r>
-          </a:p>
-          <a:p>
-            <a:pPr>
-              <a:lnSpc>
-                <a:spcPct val="150000"/>
-              </a:lnSpc>
-            </a:pPr>
-            <a:r>
-              <a:rPr lang="en-US" altLang="ja-JP" sz="800" dirty="0">
-                <a:latin typeface="メイリオ" panose="020B0604030504040204" pitchFamily="50" charset="-128"/>
-                <a:ea typeface="メイリオ" panose="020B0604030504040204" pitchFamily="50" charset="-128"/>
-              </a:rPr>
-              <a:t>mynetworks: 10.5.0.0/16</a:t>
+              <a:t>Save mail</a:t>
             </a:r>
             <a:endParaRPr lang="ja-JP" altLang="en-US" sz="800" dirty="0">
               <a:latin typeface="メイリオ" panose="020B0604030504040204" pitchFamily="50" charset="-128"/>

--- a/summary.pptx
+++ b/summary.pptx
@@ -306,7 +306,7 @@
           <a:p>
             <a:fld id="{5A4526AC-7C8E-4382-A5C3-635A64199315}" type="datetimeFigureOut">
               <a:rPr kumimoji="1" lang="ja-JP" altLang="en-US" smtClean="0"/>
-              <a:t>2017/10/17</a:t>
+              <a:t>2017/10/18</a:t>
             </a:fld>
             <a:endParaRPr kumimoji="1" lang="ja-JP" altLang="en-US" dirty="0"/>
           </a:p>
@@ -506,7 +506,7 @@
           <a:p>
             <a:fld id="{5A4526AC-7C8E-4382-A5C3-635A64199315}" type="datetimeFigureOut">
               <a:rPr kumimoji="1" lang="ja-JP" altLang="en-US" smtClean="0"/>
-              <a:t>2017/10/17</a:t>
+              <a:t>2017/10/18</a:t>
             </a:fld>
             <a:endParaRPr kumimoji="1" lang="ja-JP" altLang="en-US" dirty="0"/>
           </a:p>
@@ -716,7 +716,7 @@
           <a:p>
             <a:fld id="{5A4526AC-7C8E-4382-A5C3-635A64199315}" type="datetimeFigureOut">
               <a:rPr kumimoji="1" lang="ja-JP" altLang="en-US" smtClean="0"/>
-              <a:t>2017/10/17</a:t>
+              <a:t>2017/10/18</a:t>
             </a:fld>
             <a:endParaRPr kumimoji="1" lang="ja-JP" altLang="en-US" dirty="0"/>
           </a:p>
@@ -916,7 +916,7 @@
           <a:p>
             <a:fld id="{5A4526AC-7C8E-4382-A5C3-635A64199315}" type="datetimeFigureOut">
               <a:rPr kumimoji="1" lang="ja-JP" altLang="en-US" smtClean="0"/>
-              <a:t>2017/10/17</a:t>
+              <a:t>2017/10/18</a:t>
             </a:fld>
             <a:endParaRPr kumimoji="1" lang="ja-JP" altLang="en-US" dirty="0"/>
           </a:p>
@@ -1161,7 +1161,7 @@
           <a:p>
             <a:fld id="{5A4526AC-7C8E-4382-A5C3-635A64199315}" type="datetimeFigureOut">
               <a:rPr kumimoji="1" lang="ja-JP" altLang="en-US" smtClean="0"/>
-              <a:t>2017/10/17</a:t>
+              <a:t>2017/10/18</a:t>
             </a:fld>
             <a:endParaRPr kumimoji="1" lang="ja-JP" altLang="en-US" dirty="0"/>
           </a:p>
@@ -1510,7 +1510,7 @@
           <a:p>
             <a:fld id="{5A4526AC-7C8E-4382-A5C3-635A64199315}" type="datetimeFigureOut">
               <a:rPr kumimoji="1" lang="ja-JP" altLang="en-US" smtClean="0"/>
-              <a:t>2017/10/17</a:t>
+              <a:t>2017/10/18</a:t>
             </a:fld>
             <a:endParaRPr kumimoji="1" lang="ja-JP" altLang="en-US" dirty="0"/>
           </a:p>
@@ -1993,7 +1993,7 @@
           <a:p>
             <a:fld id="{5A4526AC-7C8E-4382-A5C3-635A64199315}" type="datetimeFigureOut">
               <a:rPr kumimoji="1" lang="ja-JP" altLang="en-US" smtClean="0"/>
-              <a:t>2017/10/17</a:t>
+              <a:t>2017/10/18</a:t>
             </a:fld>
             <a:endParaRPr kumimoji="1" lang="ja-JP" altLang="en-US" dirty="0"/>
           </a:p>
@@ -2110,7 +2110,7 @@
           <a:p>
             <a:fld id="{5A4526AC-7C8E-4382-A5C3-635A64199315}" type="datetimeFigureOut">
               <a:rPr kumimoji="1" lang="ja-JP" altLang="en-US" smtClean="0"/>
-              <a:t>2017/10/17</a:t>
+              <a:t>2017/10/18</a:t>
             </a:fld>
             <a:endParaRPr kumimoji="1" lang="ja-JP" altLang="en-US" dirty="0"/>
           </a:p>
@@ -2205,7 +2205,7 @@
           <a:p>
             <a:fld id="{5A4526AC-7C8E-4382-A5C3-635A64199315}" type="datetimeFigureOut">
               <a:rPr kumimoji="1" lang="ja-JP" altLang="en-US" smtClean="0"/>
-              <a:t>2017/10/17</a:t>
+              <a:t>2017/10/18</a:t>
             </a:fld>
             <a:endParaRPr kumimoji="1" lang="ja-JP" altLang="en-US" dirty="0"/>
           </a:p>
@@ -2512,7 +2512,7 @@
           <a:p>
             <a:fld id="{5A4526AC-7C8E-4382-A5C3-635A64199315}" type="datetimeFigureOut">
               <a:rPr kumimoji="1" lang="ja-JP" altLang="en-US" smtClean="0"/>
-              <a:t>2017/10/17</a:t>
+              <a:t>2017/10/18</a:t>
             </a:fld>
             <a:endParaRPr kumimoji="1" lang="ja-JP" altLang="en-US" dirty="0"/>
           </a:p>
@@ -2764,7 +2764,7 @@
           <a:p>
             <a:fld id="{5A4526AC-7C8E-4382-A5C3-635A64199315}" type="datetimeFigureOut">
               <a:rPr kumimoji="1" lang="ja-JP" altLang="en-US" smtClean="0"/>
-              <a:t>2017/10/17</a:t>
+              <a:t>2017/10/18</a:t>
             </a:fld>
             <a:endParaRPr kumimoji="1" lang="ja-JP" altLang="en-US" dirty="0"/>
           </a:p>
@@ -3007,7 +3007,7 @@
           <a:p>
             <a:fld id="{5A4526AC-7C8E-4382-A5C3-635A64199315}" type="datetimeFigureOut">
               <a:rPr kumimoji="1" lang="ja-JP" altLang="en-US" smtClean="0"/>
-              <a:t>2017/10/17</a:t>
+              <a:t>2017/10/18</a:t>
             </a:fld>
             <a:endParaRPr kumimoji="1" lang="ja-JP" altLang="en-US" dirty="0"/>
           </a:p>
@@ -3775,9 +3775,9 @@
         <p:grpSpPr>
           <a:xfrm>
             <a:off x="6842794" y="246004"/>
-            <a:ext cx="2164375" cy="1564442"/>
+            <a:ext cx="2196435" cy="1564442"/>
             <a:chOff x="6237287" y="766269"/>
-            <a:chExt cx="2164375" cy="1564442"/>
+            <a:chExt cx="2196435" cy="1564442"/>
           </a:xfrm>
         </p:grpSpPr>
         <p:sp>
@@ -3789,7 +3789,7 @@
           <p:spPr>
             <a:xfrm>
               <a:off x="6237287" y="1268882"/>
-              <a:ext cx="2164375" cy="1061829"/>
+              <a:ext cx="2196435" cy="1061829"/>
             </a:xfrm>
             <a:prstGeom prst="rect">
               <a:avLst/>
@@ -3813,7 +3813,7 @@
             <a:p>
               <a:r>
                 <a:rPr lang="en-US" altLang="ja-JP" sz="900" dirty="0"/>
-                <a:t>@          IN NS ns.hoge.com.</a:t>
+                <a:t>@          IN NS ns.hoge.local.</a:t>
               </a:r>
             </a:p>
             <a:p>
@@ -3842,7 +3842,7 @@
                     <a:srgbClr val="FF0000"/>
                   </a:solidFill>
                 </a:rPr>
-                <a:t>hoge.com.      IN      MX 10  mail.hoge.com.</a:t>
+                <a:t>hoge.local.      IN      MX 10  mail.hoge.local.</a:t>
               </a:r>
               <a:endParaRPr kumimoji="1" lang="ja-JP" altLang="en-US" sz="900" dirty="0">
                 <a:solidFill>
@@ -3933,7 +3933,7 @@
         <p:spPr>
           <a:xfrm>
             <a:off x="4549121" y="4049004"/>
-            <a:ext cx="982961" cy="707886"/>
+            <a:ext cx="995785" cy="707886"/>
           </a:xfrm>
           <a:prstGeom prst="rect">
             <a:avLst/>
@@ -3960,7 +3960,7 @@
                 <a:latin typeface="メイリオ" panose="020B0604030504040204" pitchFamily="50" charset="-128"/>
                 <a:ea typeface="メイリオ" panose="020B0604030504040204" pitchFamily="50" charset="-128"/>
               </a:rPr>
-              <a:t>root@hoge.com</a:t>
+              <a:t>root@hoge.local</a:t>
             </a:r>
           </a:p>
           <a:p>
@@ -3984,7 +3984,7 @@
                 <a:latin typeface="メイリオ" panose="020B0604030504040204" pitchFamily="50" charset="-128"/>
                 <a:ea typeface="メイリオ" panose="020B0604030504040204" pitchFamily="50" charset="-128"/>
               </a:rPr>
-              <a:t>root@fuga.com</a:t>
+              <a:t>root@fuga.local</a:t>
             </a:r>
             <a:endParaRPr lang="ja-JP" altLang="en-US" sz="800" dirty="0">
               <a:latin typeface="メイリオ" panose="020B0604030504040204" pitchFamily="50" charset="-128"/>
@@ -4047,7 +4047,7 @@
         <p:spPr>
           <a:xfrm>
             <a:off x="6717639" y="4724520"/>
-            <a:ext cx="1617751" cy="646331"/>
+            <a:ext cx="1630575" cy="646331"/>
           </a:xfrm>
           <a:prstGeom prst="rect">
             <a:avLst/>
@@ -4070,7 +4070,7 @@
                 <a:latin typeface="メイリオ" panose="020B0604030504040204" pitchFamily="50" charset="-128"/>
                 <a:ea typeface="メイリオ" panose="020B0604030504040204" pitchFamily="50" charset="-128"/>
               </a:rPr>
-              <a:t>myhost:        mail.hoge.com</a:t>
+              <a:t>myhost:        mail.hoge.local</a:t>
             </a:r>
           </a:p>
           <a:p>
@@ -4084,7 +4084,7 @@
                 <a:latin typeface="メイリオ" panose="020B0604030504040204" pitchFamily="50" charset="-128"/>
                 <a:ea typeface="メイリオ" panose="020B0604030504040204" pitchFamily="50" charset="-128"/>
               </a:rPr>
-              <a:t>mydomain:    hoge.com</a:t>
+              <a:t>mydomain:    hoge.local</a:t>
             </a:r>
           </a:p>
           <a:p>
@@ -4259,10 +4259,10 @@
         </p:nvGrpSpPr>
         <p:grpSpPr>
           <a:xfrm>
-            <a:off x="4667932" y="222882"/>
-            <a:ext cx="2106667" cy="1564442"/>
+            <a:off x="4667930" y="222882"/>
+            <a:ext cx="2138727" cy="1564442"/>
             <a:chOff x="6237287" y="766269"/>
-            <a:chExt cx="2354155" cy="1564442"/>
+            <a:chExt cx="2389983" cy="1564442"/>
           </a:xfrm>
         </p:grpSpPr>
         <p:sp>
@@ -4280,7 +4280,7 @@
           <p:spPr>
             <a:xfrm>
               <a:off x="6237287" y="1268882"/>
-              <a:ext cx="2354155" cy="1061829"/>
+              <a:ext cx="2389983" cy="1061829"/>
             </a:xfrm>
             <a:prstGeom prst="rect">
               <a:avLst/>
@@ -4304,7 +4304,7 @@
             <a:p>
               <a:r>
                 <a:rPr lang="en-US" altLang="ja-JP" sz="900" dirty="0"/>
-                <a:t>@          IN NS ns.fuga.com.</a:t>
+                <a:t>@          IN NS ns.fuga.local.</a:t>
               </a:r>
             </a:p>
             <a:p>
@@ -4333,7 +4333,7 @@
                     <a:srgbClr val="FF0000"/>
                   </a:solidFill>
                 </a:rPr>
-                <a:t>fuga.com.      IN      MX 10  mail.fuga.com.</a:t>
+                <a:t>fuga.local.      IN      MX 10  mail.fuga.local.</a:t>
               </a:r>
               <a:endParaRPr kumimoji="1" lang="ja-JP" altLang="en-US" sz="900" dirty="0">
                 <a:solidFill>
@@ -5354,7 +5354,7 @@
         <p:spPr>
           <a:xfrm>
             <a:off x="1716632" y="3845310"/>
-            <a:ext cx="1449436" cy="215444"/>
+            <a:ext cx="1417376" cy="215444"/>
           </a:xfrm>
           <a:prstGeom prst="rect">
             <a:avLst/>
@@ -5372,7 +5372,7 @@
                 <a:latin typeface="メイリオ" panose="020B0604030504040204" pitchFamily="50" charset="-128"/>
                 <a:ea typeface="メイリオ" panose="020B0604030504040204" pitchFamily="50" charset="-128"/>
               </a:rPr>
-              <a:t>Send to root@hoge.com</a:t>
+              <a:t>Send to root@hoge.local</a:t>
             </a:r>
             <a:endParaRPr lang="ja-JP" altLang="en-US" sz="800" dirty="0">
               <a:latin typeface="メイリオ" panose="020B0604030504040204" pitchFamily="50" charset="-128"/>

--- a/summary.pptx
+++ b/summary.pptx
@@ -106,7 +106,7 @@
   </p:defaultTextStyle>
   <p:extLst>
     <p:ext uri="{EFAFB233-063F-42B5-8137-9DF3F51BA10A}">
-      <p15:sldGuideLst xmlns:p15="http://schemas.microsoft.com/office/powerpoint/2012/main">
+      <p15:sldGuideLst xmlns:p15="http://schemas.microsoft.com/office/powerpoint/2012/main" xmlns="">
         <p15:guide id="1" orient="horz" pos="2160">
           <p15:clr>
             <a:srgbClr val="A4A3A4"/>
@@ -3390,7 +3390,7 @@
         </p:nvCxnSpPr>
         <p:spPr>
           <a:xfrm>
-            <a:off x="761857" y="5590224"/>
+            <a:off x="749807" y="5838540"/>
             <a:ext cx="7992888" cy="0"/>
           </a:xfrm>
           <a:prstGeom prst="line">
@@ -3438,8 +3438,8 @@
         </p:blipFill>
         <p:spPr bwMode="auto">
           <a:xfrm>
-            <a:off x="7374822" y="5517232"/>
-            <a:ext cx="1301800" cy="1230201"/>
+            <a:off x="7783006" y="5902967"/>
+            <a:ext cx="893615" cy="844466"/>
           </a:xfrm>
           <a:prstGeom prst="rect">
             <a:avLst/>
@@ -3464,7 +3464,7 @@
         </p:nvGrpSpPr>
         <p:grpSpPr>
           <a:xfrm>
-            <a:off x="2441350" y="1139069"/>
+            <a:off x="2319736" y="1142162"/>
             <a:ext cx="1540810" cy="953552"/>
             <a:chOff x="3191248" y="814004"/>
             <a:chExt cx="1540810" cy="953552"/>
@@ -3525,20 +3525,16 @@
               <a:p>
                 <a:pPr algn="ctr"/>
                 <a:r>
-                  <a:rPr kumimoji="1" lang="en-US" altLang="ja-JP" sz="1200" dirty="0">
+                  <a:rPr kumimoji="1" lang="en-US" altLang="ja-JP" sz="1200" b="1" dirty="0">
                     <a:solidFill>
-                      <a:schemeClr val="bg2">
-                        <a:lumMod val="10000"/>
-                      </a:schemeClr>
+                      <a:srgbClr val="C00000"/>
                     </a:solidFill>
                   </a:rPr>
                   <a:t>bind</a:t>
                 </a:r>
-                <a:endParaRPr kumimoji="1" lang="ja-JP" altLang="en-US" sz="1200" dirty="0">
+                <a:endParaRPr kumimoji="1" lang="ja-JP" altLang="en-US" sz="1200" b="1" dirty="0">
                   <a:solidFill>
-                    <a:schemeClr val="bg2">
-                      <a:lumMod val="10000"/>
-                    </a:schemeClr>
+                    <a:srgbClr val="C00000"/>
                   </a:solidFill>
                 </a:endParaRPr>
               </a:p>
@@ -3594,7 +3590,7 @@
           </p:nvSpPr>
           <p:spPr>
             <a:xfrm>
-              <a:off x="3656161" y="1513640"/>
+              <a:off x="3699291" y="1513640"/>
               <a:ext cx="819455" cy="253916"/>
             </a:xfrm>
             <a:prstGeom prst="rect">
@@ -3625,9 +3621,9 @@
         <p:grpSpPr>
           <a:xfrm>
             <a:off x="382618" y="3142311"/>
-            <a:ext cx="3848961" cy="1462123"/>
+            <a:ext cx="3477928" cy="1462123"/>
             <a:chOff x="1063733" y="2996952"/>
-            <a:chExt cx="2245839" cy="870859"/>
+            <a:chExt cx="2029344" cy="870859"/>
           </a:xfrm>
         </p:grpSpPr>
         <p:grpSp>
@@ -3639,9 +3635,9 @@
           <p:grpSpPr>
             <a:xfrm>
               <a:off x="1063733" y="2996952"/>
-              <a:ext cx="2245839" cy="709703"/>
+              <a:ext cx="2029344" cy="709703"/>
               <a:chOff x="1787202" y="1664291"/>
-              <a:chExt cx="2245839" cy="709703"/>
+              <a:chExt cx="2029344" cy="709703"/>
             </a:xfrm>
           </p:grpSpPr>
           <p:sp>
@@ -3653,7 +3649,7 @@
             <p:spPr>
               <a:xfrm>
                 <a:off x="2008485" y="1782953"/>
-                <a:ext cx="2024556" cy="591041"/>
+                <a:ext cx="1808061" cy="591041"/>
               </a:xfrm>
               <a:prstGeom prst="rect">
                 <a:avLst/>
@@ -3774,7 +3770,7 @@
         </p:nvGrpSpPr>
         <p:grpSpPr>
           <a:xfrm>
-            <a:off x="6842794" y="246004"/>
+            <a:off x="6966932" y="348861"/>
             <a:ext cx="2196435" cy="1564442"/>
             <a:chOff x="6237287" y="766269"/>
             <a:chExt cx="2196435" cy="1564442"/>
@@ -3932,8 +3928,8 @@
         </p:nvSpPr>
         <p:spPr>
           <a:xfrm>
-            <a:off x="4549121" y="4049004"/>
-            <a:ext cx="995785" cy="707886"/>
+            <a:off x="4395378" y="4391990"/>
+            <a:ext cx="1064003" cy="1446550"/>
           </a:xfrm>
           <a:prstGeom prst="rect">
             <a:avLst/>
@@ -3941,7 +3937,7 @@
           <a:noFill/>
         </p:spPr>
         <p:txBody>
-          <a:bodyPr wrap="none" rtlCol="0">
+          <a:bodyPr wrap="square" rtlCol="0">
             <a:spAutoFit/>
           </a:bodyPr>
           <a:lstStyle/>
@@ -3964,6 +3960,13 @@
             </a:r>
           </a:p>
           <a:p>
+            <a:r>
+              <a:rPr lang="en-US" altLang="ja-JP" sz="800" dirty="0">
+                <a:latin typeface="メイリオ" panose="020B0604030504040204" pitchFamily="50" charset="-128"/>
+                <a:ea typeface="メイリオ" panose="020B0604030504040204" pitchFamily="50" charset="-128"/>
+              </a:rPr>
+              <a:t/>
+            </a:r>
             <a:br>
               <a:rPr lang="en-US" altLang="ja-JP" sz="800" dirty="0">
                 <a:latin typeface="メイリオ" panose="020B0604030504040204" pitchFamily="50" charset="-128"/>
@@ -3980,11 +3983,70 @@
           </a:p>
           <a:p>
             <a:r>
-              <a:rPr lang="en-US" altLang="ja-JP" sz="800" dirty="0">
+              <a:rPr lang="en-US" altLang="ja-JP" sz="800" dirty="0" smtClean="0">
                 <a:latin typeface="メイリオ" panose="020B0604030504040204" pitchFamily="50" charset="-128"/>
                 <a:ea typeface="メイリオ" panose="020B0604030504040204" pitchFamily="50" charset="-128"/>
               </a:rPr>
               <a:t>root@fuga.local</a:t>
+            </a:r>
+            <a:br>
+              <a:rPr lang="en-US" altLang="ja-JP" sz="800" dirty="0" smtClean="0">
+                <a:latin typeface="メイリオ" panose="020B0604030504040204" pitchFamily="50" charset="-128"/>
+                <a:ea typeface="メイリオ" panose="020B0604030504040204" pitchFamily="50" charset="-128"/>
+              </a:rPr>
+            </a:br>
+            <a:r>
+              <a:rPr lang="en-US" altLang="ja-JP" sz="800" dirty="0" smtClean="0">
+                <a:latin typeface="メイリオ" panose="020B0604030504040204" pitchFamily="50" charset="-128"/>
+                <a:ea typeface="メイリオ" panose="020B0604030504040204" pitchFamily="50" charset="-128"/>
+              </a:rPr>
+              <a:t/>
+            </a:r>
+            <a:br>
+              <a:rPr lang="en-US" altLang="ja-JP" sz="800" dirty="0" smtClean="0">
+                <a:latin typeface="メイリオ" panose="020B0604030504040204" pitchFamily="50" charset="-128"/>
+                <a:ea typeface="メイリオ" panose="020B0604030504040204" pitchFamily="50" charset="-128"/>
+              </a:rPr>
+            </a:br>
+            <a:r>
+              <a:rPr lang="en-US" altLang="ja-JP" sz="800" dirty="0" smtClean="0">
+                <a:latin typeface="メイリオ" panose="020B0604030504040204" pitchFamily="50" charset="-128"/>
+                <a:ea typeface="メイリオ" panose="020B0604030504040204" pitchFamily="50" charset="-128"/>
+              </a:rPr>
+              <a:t>Subject:</a:t>
+            </a:r>
+          </a:p>
+          <a:p>
+            <a:r>
+              <a:rPr lang="en-US" altLang="ja-JP" sz="800" dirty="0" smtClean="0">
+                <a:latin typeface="メイリオ" panose="020B0604030504040204" pitchFamily="50" charset="-128"/>
+                <a:ea typeface="メイリオ" panose="020B0604030504040204" pitchFamily="50" charset="-128"/>
+              </a:rPr>
+              <a:t>Test</a:t>
+            </a:r>
+          </a:p>
+          <a:p>
+            <a:endParaRPr lang="en-US" altLang="ja-JP" sz="800" dirty="0">
+              <a:latin typeface="メイリオ" panose="020B0604030504040204" pitchFamily="50" charset="-128"/>
+              <a:ea typeface="メイリオ" panose="020B0604030504040204" pitchFamily="50" charset="-128"/>
+            </a:endParaRPr>
+          </a:p>
+          <a:p>
+            <a:r>
+              <a:rPr lang="en-US" altLang="ja-JP" sz="800" dirty="0" smtClean="0">
+                <a:latin typeface="メイリオ" panose="020B0604030504040204" pitchFamily="50" charset="-128"/>
+                <a:ea typeface="メイリオ" panose="020B0604030504040204" pitchFamily="50" charset="-128"/>
+              </a:rPr>
+              <a:t>Body:</a:t>
+            </a:r>
+          </a:p>
+          <a:p>
+            <a:r>
+              <a:rPr lang="en-US" altLang="ja-JP" sz="800" dirty="0" smtClean="0">
+                <a:latin typeface="メイリオ" panose="020B0604030504040204" pitchFamily="50" charset="-128"/>
+                <a:ea typeface="メイリオ" panose="020B0604030504040204" pitchFamily="50" charset="-128"/>
+              </a:rPr>
+              <a:t>This is test.</a:t>
             </a:r>
             <a:endParaRPr lang="ja-JP" altLang="en-US" sz="800" dirty="0">
               <a:latin typeface="メイリオ" panose="020B0604030504040204" pitchFamily="50" charset="-128"/>
@@ -3998,14 +4060,13 @@
           <p:cNvPr id="122" name="直線矢印コネクタ 121"/>
           <p:cNvCxnSpPr>
             <a:cxnSpLocks/>
-            <a:endCxn id="163" idx="2"/>
           </p:cNvCxnSpPr>
           <p:nvPr/>
         </p:nvCxnSpPr>
         <p:spPr>
           <a:xfrm flipV="1">
-            <a:off x="8400376" y="4317993"/>
-            <a:ext cx="0" cy="1101459"/>
+            <a:off x="8365872" y="4317993"/>
+            <a:ext cx="0" cy="1520547"/>
           </a:xfrm>
           <a:prstGeom prst="straightConnector1">
             <a:avLst/>
@@ -4037,7 +4098,7 @@
           <p:cNvPr id="41" name="テキスト ボックス 40">
             <a:extLst>
               <a:ext uri="{FF2B5EF4-FFF2-40B4-BE49-F238E27FC236}">
-                <a16:creationId xmlns:a16="http://schemas.microsoft.com/office/drawing/2014/main" id="{913630E1-22CA-47F3-B798-92C38EEEC800}"/>
+                <a16:creationId xmlns:a16="http://schemas.microsoft.com/office/drawing/2014/main" xmlns="" id="{913630E1-22CA-47F3-B798-92C38EEEC800}"/>
               </a:ext>
             </a:extLst>
           </p:cNvPr>
@@ -4046,7 +4107,7 @@
         </p:nvSpPr>
         <p:spPr>
           <a:xfrm>
-            <a:off x="6717639" y="4724520"/>
+            <a:off x="6385485" y="4633487"/>
             <a:ext cx="1630575" cy="646331"/>
           </a:xfrm>
           <a:prstGeom prst="rect">
@@ -4112,7 +4173,7 @@
           <p:cNvPr id="12" name="テキスト ボックス 11">
             <a:extLst>
               <a:ext uri="{FF2B5EF4-FFF2-40B4-BE49-F238E27FC236}">
-                <a16:creationId xmlns:a16="http://schemas.microsoft.com/office/drawing/2014/main" id="{0928499B-0880-4E82-BB6F-3CB125F5801C}"/>
+                <a16:creationId xmlns:a16="http://schemas.microsoft.com/office/drawing/2014/main" xmlns="" id="{0928499B-0880-4E82-BB6F-3CB125F5801C}"/>
               </a:ext>
             </a:extLst>
           </p:cNvPr>
@@ -4121,8 +4182,8 @@
         </p:nvSpPr>
         <p:spPr>
           <a:xfrm>
-            <a:off x="961725" y="3647816"/>
-            <a:ext cx="780983" cy="415498"/>
+            <a:off x="956114" y="3647816"/>
+            <a:ext cx="792205" cy="415498"/>
           </a:xfrm>
           <a:prstGeom prst="rect">
             <a:avLst/>
@@ -4137,7 +4198,16 @@
           <a:p>
             <a:pPr algn="ctr"/>
             <a:r>
-              <a:rPr lang="en-US" altLang="ja-JP" sz="1200" dirty="0">
+              <a:rPr lang="en-US" altLang="ja-JP" sz="1200" b="1" dirty="0">
+                <a:solidFill>
+                  <a:srgbClr val="C00000"/>
+                </a:solidFill>
+                <a:latin typeface="Calibri 本文"/>
+              </a:rPr>
+              <a:t>sender</a:t>
+            </a:r>
+            <a:r>
+              <a:rPr lang="en-US" altLang="ja-JP" sz="900" dirty="0">
                 <a:solidFill>
                   <a:schemeClr val="bg2">
                     <a:lumMod val="10000"/>
@@ -4145,7 +4215,7 @@
                 </a:solidFill>
                 <a:latin typeface="Calibri 本文"/>
               </a:rPr>
-              <a:t>sender</a:t>
+              <a:t/>
             </a:r>
             <a:br>
               <a:rPr lang="en-US" altLang="ja-JP" sz="900" dirty="0">
@@ -4184,7 +4254,7 @@
           <p:cNvPr id="49" name="正方形/長方形 48">
             <a:extLst>
               <a:ext uri="{FF2B5EF4-FFF2-40B4-BE49-F238E27FC236}">
-                <a16:creationId xmlns:a16="http://schemas.microsoft.com/office/drawing/2014/main" id="{17B1B731-D988-49CC-BEBC-253DD6E9594D}"/>
+                <a16:creationId xmlns:a16="http://schemas.microsoft.com/office/drawing/2014/main" xmlns="" id="{17B1B731-D988-49CC-BEBC-253DD6E9594D}"/>
               </a:ext>
             </a:extLst>
           </p:cNvPr>
@@ -4193,7 +4263,7 @@
         </p:nvSpPr>
         <p:spPr>
           <a:xfrm>
-            <a:off x="3130159" y="3629345"/>
+            <a:off x="2786270" y="3629345"/>
             <a:ext cx="941506" cy="416709"/>
           </a:xfrm>
           <a:prstGeom prst="rect">
@@ -4250,7 +4320,7 @@
           <p:cNvPr id="80" name="グループ化 79">
             <a:extLst>
               <a:ext uri="{FF2B5EF4-FFF2-40B4-BE49-F238E27FC236}">
-                <a16:creationId xmlns:a16="http://schemas.microsoft.com/office/drawing/2014/main" id="{79892E28-D02C-40CB-8E46-F93A0F0FC29C}"/>
+                <a16:creationId xmlns:a16="http://schemas.microsoft.com/office/drawing/2014/main" xmlns="" id="{79892E28-D02C-40CB-8E46-F93A0F0FC29C}"/>
               </a:ext>
             </a:extLst>
           </p:cNvPr>
@@ -4259,10 +4329,10 @@
         </p:nvGrpSpPr>
         <p:grpSpPr>
           <a:xfrm>
-            <a:off x="4667930" y="222882"/>
-            <a:ext cx="2138727" cy="1564442"/>
-            <a:chOff x="6237287" y="766269"/>
-            <a:chExt cx="2389983" cy="1564442"/>
+            <a:off x="4790904" y="316212"/>
+            <a:ext cx="2297424" cy="1841441"/>
+            <a:chOff x="6237286" y="766269"/>
+            <a:chExt cx="2567324" cy="1841441"/>
           </a:xfrm>
         </p:grpSpPr>
         <p:sp>
@@ -4270,7 +4340,7 @@
             <p:cNvPr id="81" name="テキスト ボックス 80">
               <a:extLst>
                 <a:ext uri="{FF2B5EF4-FFF2-40B4-BE49-F238E27FC236}">
-                  <a16:creationId xmlns:a16="http://schemas.microsoft.com/office/drawing/2014/main" id="{BC2119ED-8884-4016-89F1-1F105840DF14}"/>
+                  <a16:creationId xmlns:a16="http://schemas.microsoft.com/office/drawing/2014/main" xmlns="" id="{BC2119ED-8884-4016-89F1-1F105840DF14}"/>
                 </a:ext>
               </a:extLst>
             </p:cNvPr>
@@ -4279,8 +4349,8 @@
           </p:nvSpPr>
           <p:spPr>
             <a:xfrm>
-              <a:off x="6237287" y="1268882"/>
-              <a:ext cx="2389983" cy="1061829"/>
+              <a:off x="6237286" y="1268882"/>
+              <a:ext cx="2567324" cy="1338828"/>
             </a:xfrm>
             <a:prstGeom prst="rect">
               <a:avLst/>
@@ -4333,7 +4403,32 @@
                     <a:srgbClr val="FF0000"/>
                   </a:solidFill>
                 </a:rPr>
-                <a:t>fuga.local.      IN      MX 10  mail.fuga.local.</a:t>
+                <a:t>fuga.local.      IN      MX 10  mail.fuga.local</a:t>
+              </a:r>
+              <a:r>
+                <a:rPr lang="en-US" altLang="ja-JP" sz="900" dirty="0" smtClean="0">
+                  <a:solidFill>
+                    <a:srgbClr val="FF0000"/>
+                  </a:solidFill>
+                </a:rPr>
+                <a:t>.</a:t>
+              </a:r>
+            </a:p>
+            <a:p>
+              <a:endParaRPr kumimoji="1" lang="en-US" altLang="ja-JP" sz="900" dirty="0">
+                <a:solidFill>
+                  <a:srgbClr val="FF0000"/>
+                </a:solidFill>
+              </a:endParaRPr>
+            </a:p>
+            <a:p>
+              <a:r>
+                <a:rPr lang="en-US" altLang="ja-JP" sz="900" dirty="0">
+                  <a:solidFill>
+                    <a:srgbClr val="FF0000"/>
+                  </a:solidFill>
+                </a:rPr>
+                <a:t>fuga.local.   IN TXT "v=spf1 +ip4:10.5.0.6 ~all"</a:t>
               </a:r>
               <a:endParaRPr kumimoji="1" lang="ja-JP" altLang="en-US" sz="900" dirty="0">
                 <a:solidFill>
@@ -4348,7 +4443,7 @@
             <p:cNvPr id="82" name="テキスト ボックス 81">
               <a:extLst>
                 <a:ext uri="{FF2B5EF4-FFF2-40B4-BE49-F238E27FC236}">
-                  <a16:creationId xmlns:a16="http://schemas.microsoft.com/office/drawing/2014/main" id="{52E7A708-47F0-4446-97DA-CCBCB673F983}"/>
+                  <a16:creationId xmlns:a16="http://schemas.microsoft.com/office/drawing/2014/main" xmlns="" id="{52E7A708-47F0-4446-97DA-CCBCB673F983}"/>
                 </a:ext>
               </a:extLst>
             </p:cNvPr>
@@ -4358,7 +4453,7 @@
           <p:spPr>
             <a:xfrm>
               <a:off x="6237287" y="766269"/>
-              <a:ext cx="2112469" cy="307777"/>
+              <a:ext cx="2112468" cy="307777"/>
             </a:xfrm>
             <a:prstGeom prst="rect">
               <a:avLst/>
@@ -4388,7 +4483,7 @@
             <p:cNvPr id="84" name="直線コネクタ 83">
               <a:extLst>
                 <a:ext uri="{FF2B5EF4-FFF2-40B4-BE49-F238E27FC236}">
-                  <a16:creationId xmlns:a16="http://schemas.microsoft.com/office/drawing/2014/main" id="{7042C5D1-D95F-4A7B-8259-184C714DADA9}"/>
+                  <a16:creationId xmlns:a16="http://schemas.microsoft.com/office/drawing/2014/main" xmlns="" id="{7042C5D1-D95F-4A7B-8259-184C714DADA9}"/>
                 </a:ext>
               </a:extLst>
             </p:cNvPr>
@@ -4432,7 +4527,7 @@
           <p:cNvPr id="97" name="直線矢印コネクタ 96">
             <a:extLst>
               <a:ext uri="{FF2B5EF4-FFF2-40B4-BE49-F238E27FC236}">
-                <a16:creationId xmlns:a16="http://schemas.microsoft.com/office/drawing/2014/main" id="{86C2BD84-0BCC-4363-9FC6-E074C6F7ABC7}"/>
+                <a16:creationId xmlns:a16="http://schemas.microsoft.com/office/drawing/2014/main" xmlns="" id="{86C2BD84-0BCC-4363-9FC6-E074C6F7ABC7}"/>
               </a:ext>
             </a:extLst>
           </p:cNvPr>
@@ -4443,7 +4538,7 @@
         </p:nvCxnSpPr>
         <p:spPr>
           <a:xfrm flipH="1">
-            <a:off x="3875006" y="2120008"/>
+            <a:off x="3531117" y="2120008"/>
             <a:ext cx="21997" cy="1563668"/>
           </a:xfrm>
           <a:prstGeom prst="straightConnector1">
@@ -4476,7 +4571,7 @@
           <p:cNvPr id="95" name="直線矢印コネクタ 94">
             <a:extLst>
               <a:ext uri="{FF2B5EF4-FFF2-40B4-BE49-F238E27FC236}">
-                <a16:creationId xmlns:a16="http://schemas.microsoft.com/office/drawing/2014/main" id="{F1C549F2-1B4F-43E7-92F6-12DDC1B6541E}"/>
+                <a16:creationId xmlns:a16="http://schemas.microsoft.com/office/drawing/2014/main" xmlns="" id="{F1C549F2-1B4F-43E7-92F6-12DDC1B6541E}"/>
               </a:ext>
             </a:extLst>
           </p:cNvPr>
@@ -4487,7 +4582,7 @@
         </p:nvCxnSpPr>
         <p:spPr>
           <a:xfrm flipV="1">
-            <a:off x="3292867" y="2108456"/>
+            <a:off x="2948978" y="2108456"/>
             <a:ext cx="0" cy="1488806"/>
           </a:xfrm>
           <a:prstGeom prst="straightConnector1">
@@ -4520,7 +4615,7 @@
           <p:cNvPr id="115" name="グループ化 114">
             <a:extLst>
               <a:ext uri="{FF2B5EF4-FFF2-40B4-BE49-F238E27FC236}">
-                <a16:creationId xmlns:a16="http://schemas.microsoft.com/office/drawing/2014/main" id="{76564329-25DA-4AC4-AC40-C0E9E79B4BF3}"/>
+                <a16:creationId xmlns:a16="http://schemas.microsoft.com/office/drawing/2014/main" xmlns="" id="{76564329-25DA-4AC4-AC40-C0E9E79B4BF3}"/>
               </a:ext>
             </a:extLst>
           </p:cNvPr>
@@ -4529,10 +4624,10 @@
         </p:nvGrpSpPr>
         <p:grpSpPr>
           <a:xfrm>
-            <a:off x="5222149" y="3067976"/>
-            <a:ext cx="3598323" cy="1545095"/>
-            <a:chOff x="968923" y="2996952"/>
-            <a:chExt cx="2099593" cy="920278"/>
+            <a:off x="5544907" y="3061506"/>
+            <a:ext cx="3275564" cy="1551566"/>
+            <a:chOff x="1157250" y="2993098"/>
+            <a:chExt cx="1911266" cy="924132"/>
           </a:xfrm>
         </p:grpSpPr>
         <p:grpSp>
@@ -4540,7 +4635,7 @@
             <p:cNvPr id="116" name="グループ化 115">
               <a:extLst>
                 <a:ext uri="{FF2B5EF4-FFF2-40B4-BE49-F238E27FC236}">
-                  <a16:creationId xmlns:a16="http://schemas.microsoft.com/office/drawing/2014/main" id="{A4108E78-307B-4CF5-8426-D770313A6160}"/>
+                  <a16:creationId xmlns:a16="http://schemas.microsoft.com/office/drawing/2014/main" xmlns="" id="{A4108E78-307B-4CF5-8426-D770313A6160}"/>
                 </a:ext>
               </a:extLst>
             </p:cNvPr>
@@ -4549,10 +4644,10 @@
           </p:nvGrpSpPr>
           <p:grpSpPr>
             <a:xfrm>
-              <a:off x="968923" y="2996952"/>
-              <a:ext cx="2099593" cy="750334"/>
-              <a:chOff x="1692392" y="1664291"/>
-              <a:chExt cx="2099593" cy="750334"/>
+              <a:off x="1157250" y="2993098"/>
+              <a:ext cx="1911266" cy="754188"/>
+              <a:chOff x="1880719" y="1660437"/>
+              <a:chExt cx="1911266" cy="754188"/>
             </a:xfrm>
           </p:grpSpPr>
           <p:sp>
@@ -4560,7 +4655,7 @@
               <p:cNvPr id="121" name="正方形/長方形 120">
                 <a:extLst>
                   <a:ext uri="{FF2B5EF4-FFF2-40B4-BE49-F238E27FC236}">
-                    <a16:creationId xmlns:a16="http://schemas.microsoft.com/office/drawing/2014/main" id="{C1214086-04C5-4B2D-8AED-10DEC8BA8F61}"/>
+                    <a16:creationId xmlns:a16="http://schemas.microsoft.com/office/drawing/2014/main" xmlns="" id="{C1214086-04C5-4B2D-8AED-10DEC8BA8F61}"/>
                   </a:ext>
                 </a:extLst>
               </p:cNvPr>
@@ -4569,8 +4664,8 @@
             </p:nvSpPr>
             <p:spPr>
               <a:xfrm>
-                <a:off x="1885943" y="1833721"/>
-                <a:ext cx="1906042" cy="580904"/>
+                <a:off x="1992974" y="1833721"/>
+                <a:ext cx="1799011" cy="580904"/>
               </a:xfrm>
               <a:prstGeom prst="rect">
                 <a:avLst/>
@@ -4616,7 +4711,7 @@
               <p:cNvPr id="123" name="Picture 4" descr="C:\Users\kunii\Desktop\20151222221539.jpg">
                 <a:extLst>
                   <a:ext uri="{FF2B5EF4-FFF2-40B4-BE49-F238E27FC236}">
-                    <a16:creationId xmlns:a16="http://schemas.microsoft.com/office/drawing/2014/main" id="{8E10049E-6722-44DD-9EDC-532B6AE55D6B}"/>
+                    <a16:creationId xmlns:a16="http://schemas.microsoft.com/office/drawing/2014/main" xmlns="" id="{8E10049E-6722-44DD-9EDC-532B6AE55D6B}"/>
                   </a:ext>
                 </a:extLst>
               </p:cNvPr>
@@ -4640,7 +4735,7 @@
             </p:blipFill>
             <p:spPr bwMode="auto">
               <a:xfrm>
-                <a:off x="1692392" y="1664291"/>
+                <a:off x="1880719" y="1660437"/>
                 <a:ext cx="504323" cy="392363"/>
               </a:xfrm>
               <a:prstGeom prst="rect">
@@ -4664,7 +4759,7 @@
             <p:cNvPr id="117" name="テキスト ボックス 116">
               <a:extLst>
                 <a:ext uri="{FF2B5EF4-FFF2-40B4-BE49-F238E27FC236}">
-                  <a16:creationId xmlns:a16="http://schemas.microsoft.com/office/drawing/2014/main" id="{603D8A5D-545A-4C3C-A61A-B6705C7E7BEB}"/>
+                  <a16:creationId xmlns:a16="http://schemas.microsoft.com/office/drawing/2014/main" xmlns="" id="{603D8A5D-545A-4C3C-A61A-B6705C7E7BEB}"/>
                 </a:ext>
               </a:extLst>
             </p:cNvPr>
@@ -4673,7 +4768,7 @@
           </p:nvSpPr>
           <p:spPr>
             <a:xfrm>
-              <a:off x="2099526" y="3765994"/>
+              <a:off x="1911052" y="3765994"/>
               <a:ext cx="478146" cy="151236"/>
             </a:xfrm>
             <a:prstGeom prst="rect">
@@ -4700,7 +4795,7 @@
           <p:cNvPr id="124" name="テキスト ボックス 123">
             <a:extLst>
               <a:ext uri="{FF2B5EF4-FFF2-40B4-BE49-F238E27FC236}">
-                <a16:creationId xmlns:a16="http://schemas.microsoft.com/office/drawing/2014/main" id="{EA6382F6-DDAB-4693-8088-04797309F076}"/>
+                <a16:creationId xmlns:a16="http://schemas.microsoft.com/office/drawing/2014/main" xmlns="" id="{EA6382F6-DDAB-4693-8088-04797309F076}"/>
               </a:ext>
             </a:extLst>
           </p:cNvPr>
@@ -4709,8 +4804,8 @@
         </p:nvSpPr>
         <p:spPr>
           <a:xfrm>
-            <a:off x="5721265" y="3591975"/>
-            <a:ext cx="780983" cy="415498"/>
+            <a:off x="5715654" y="3591975"/>
+            <a:ext cx="792205" cy="415498"/>
           </a:xfrm>
           <a:prstGeom prst="rect">
             <a:avLst/>
@@ -4725,7 +4820,16 @@
           <a:p>
             <a:pPr algn="ctr"/>
             <a:r>
-              <a:rPr lang="en-US" altLang="ja-JP" sz="1200" dirty="0">
+              <a:rPr lang="en-US" altLang="ja-JP" sz="1200" b="1" dirty="0" smtClean="0">
+                <a:solidFill>
+                  <a:srgbClr val="C00000"/>
+                </a:solidFill>
+                <a:latin typeface="Calibri 本文"/>
+              </a:rPr>
+              <a:t>receiver</a:t>
+            </a:r>
+            <a:r>
+              <a:rPr lang="en-US" altLang="ja-JP" sz="900" dirty="0">
                 <a:solidFill>
                   <a:schemeClr val="bg2">
                     <a:lumMod val="10000"/>
@@ -4733,7 +4837,7 @@
                 </a:solidFill>
                 <a:latin typeface="Calibri 本文"/>
               </a:rPr>
-              <a:t>sender</a:t>
+              <a:t/>
             </a:r>
             <a:br>
               <a:rPr lang="en-US" altLang="ja-JP" sz="900" dirty="0">
@@ -4772,7 +4876,7 @@
           <p:cNvPr id="125" name="正方形/長方形 124">
             <a:extLst>
               <a:ext uri="{FF2B5EF4-FFF2-40B4-BE49-F238E27FC236}">
-                <a16:creationId xmlns:a16="http://schemas.microsoft.com/office/drawing/2014/main" id="{EE17151E-0E1E-4A22-96AE-7EAB6C3A345E}"/>
+                <a16:creationId xmlns:a16="http://schemas.microsoft.com/office/drawing/2014/main" xmlns="" id="{EE17151E-0E1E-4A22-96AE-7EAB6C3A345E}"/>
               </a:ext>
             </a:extLst>
           </p:cNvPr>
@@ -4838,21 +4942,19 @@
           <p:cNvPr id="74" name="直線矢印コネクタ 73">
             <a:extLst>
               <a:ext uri="{FF2B5EF4-FFF2-40B4-BE49-F238E27FC236}">
-                <a16:creationId xmlns:a16="http://schemas.microsoft.com/office/drawing/2014/main" id="{6EAB7808-B045-4D03-A23C-FBE394842669}"/>
+                <a16:creationId xmlns:a16="http://schemas.microsoft.com/office/drawing/2014/main" xmlns="" id="{6EAB7808-B045-4D03-A23C-FBE394842669}"/>
               </a:ext>
             </a:extLst>
           </p:cNvPr>
           <p:cNvCxnSpPr>
             <a:cxnSpLocks/>
-            <a:stCxn id="46" idx="3"/>
-            <a:endCxn id="121" idx="1"/>
           </p:cNvCxnSpPr>
           <p:nvPr/>
         </p:nvCxnSpPr>
         <p:spPr>
           <a:xfrm>
-            <a:off x="4231579" y="3837700"/>
-            <a:ext cx="1322281" cy="2393"/>
+            <a:off x="3860546" y="3380449"/>
+            <a:ext cx="1860719" cy="2632"/>
           </a:xfrm>
           <a:prstGeom prst="straightConnector1">
             <a:avLst/>
@@ -4884,7 +4986,7 @@
           <p:cNvPr id="40" name="グループ化 39">
             <a:extLst>
               <a:ext uri="{FF2B5EF4-FFF2-40B4-BE49-F238E27FC236}">
-                <a16:creationId xmlns:a16="http://schemas.microsoft.com/office/drawing/2014/main" id="{C0AD50B7-10C3-442D-8FF6-AB08C717CF23}"/>
+                <a16:creationId xmlns:a16="http://schemas.microsoft.com/office/drawing/2014/main" xmlns="" id="{C0AD50B7-10C3-442D-8FF6-AB08C717CF23}"/>
               </a:ext>
             </a:extLst>
           </p:cNvPr>
@@ -4975,7 +5077,7 @@
           <p:cNvPr id="130" name="角丸四角形 125">
             <a:extLst>
               <a:ext uri="{FF2B5EF4-FFF2-40B4-BE49-F238E27FC236}">
-                <a16:creationId xmlns:a16="http://schemas.microsoft.com/office/drawing/2014/main" id="{994A661F-4E61-4CDF-A94E-CF456BDBC075}"/>
+                <a16:creationId xmlns:a16="http://schemas.microsoft.com/office/drawing/2014/main" xmlns="" id="{994A661F-4E61-4CDF-A94E-CF456BDBC075}"/>
               </a:ext>
             </a:extLst>
           </p:cNvPr>
@@ -4984,7 +5086,7 @@
         </p:nvSpPr>
         <p:spPr>
           <a:xfrm>
-            <a:off x="2546868" y="2662315"/>
+            <a:off x="2457833" y="2726115"/>
             <a:ext cx="1507855" cy="239527"/>
           </a:xfrm>
           <a:prstGeom prst="roundRect">
@@ -5038,7 +5140,7 @@
           <p:cNvPr id="132" name="直線矢印コネクタ 131">
             <a:extLst>
               <a:ext uri="{FF2B5EF4-FFF2-40B4-BE49-F238E27FC236}">
-                <a16:creationId xmlns:a16="http://schemas.microsoft.com/office/drawing/2014/main" id="{EE4C4EC5-9650-4D92-88F3-F83C8FECE09A}"/>
+                <a16:creationId xmlns:a16="http://schemas.microsoft.com/office/drawing/2014/main" xmlns="" id="{EE4C4EC5-9650-4D92-88F3-F83C8FECE09A}"/>
               </a:ext>
             </a:extLst>
           </p:cNvPr>
@@ -5049,7 +5151,7 @@
         </p:nvCxnSpPr>
         <p:spPr>
           <a:xfrm>
-            <a:off x="3965688" y="1915057"/>
+            <a:off x="3635896" y="1915057"/>
             <a:ext cx="1951223" cy="1172407"/>
           </a:xfrm>
           <a:prstGeom prst="straightConnector1">
@@ -5082,7 +5184,7 @@
           <p:cNvPr id="135" name="直線矢印コネクタ 134">
             <a:extLst>
               <a:ext uri="{FF2B5EF4-FFF2-40B4-BE49-F238E27FC236}">
-                <a16:creationId xmlns:a16="http://schemas.microsoft.com/office/drawing/2014/main" id="{97D48734-F994-4E47-9BD8-9A92CF37D5DF}"/>
+                <a16:creationId xmlns:a16="http://schemas.microsoft.com/office/drawing/2014/main" xmlns="" id="{97D48734-F994-4E47-9BD8-9A92CF37D5DF}"/>
               </a:ext>
             </a:extLst>
           </p:cNvPr>
@@ -5093,7 +5195,7 @@
         </p:nvCxnSpPr>
         <p:spPr>
           <a:xfrm flipH="1" flipV="1">
-            <a:off x="4472738" y="1836111"/>
+            <a:off x="4142946" y="1836111"/>
             <a:ext cx="1951223" cy="1172407"/>
           </a:xfrm>
           <a:prstGeom prst="straightConnector1">
@@ -5126,7 +5228,7 @@
           <p:cNvPr id="137" name="角丸四角形 125">
             <a:extLst>
               <a:ext uri="{FF2B5EF4-FFF2-40B4-BE49-F238E27FC236}">
-                <a16:creationId xmlns:a16="http://schemas.microsoft.com/office/drawing/2014/main" id="{9A2908D6-709D-4D96-8454-1624577F7422}"/>
+                <a16:creationId xmlns:a16="http://schemas.microsoft.com/office/drawing/2014/main" xmlns="" id="{9A2908D6-709D-4D96-8454-1624577F7422}"/>
               </a:ext>
             </a:extLst>
           </p:cNvPr>
@@ -5135,7 +5237,7 @@
         </p:nvSpPr>
         <p:spPr>
           <a:xfrm>
-            <a:off x="4510955" y="2374854"/>
+            <a:off x="4181163" y="2374854"/>
             <a:ext cx="1702591" cy="239527"/>
           </a:xfrm>
           <a:prstGeom prst="roundRect">
@@ -5191,7 +5293,7 @@
           <p:cNvPr id="99" name="楕円 98">
             <a:extLst>
               <a:ext uri="{FF2B5EF4-FFF2-40B4-BE49-F238E27FC236}">
-                <a16:creationId xmlns:a16="http://schemas.microsoft.com/office/drawing/2014/main" id="{89889B48-2369-46C0-B061-81CB7EE92D1F}"/>
+                <a16:creationId xmlns:a16="http://schemas.microsoft.com/office/drawing/2014/main" xmlns="" id="{89889B48-2369-46C0-B061-81CB7EE92D1F}"/>
               </a:ext>
             </a:extLst>
           </p:cNvPr>
@@ -5244,7 +5346,7 @@
           <p:cNvPr id="140" name="楕円 139">
             <a:extLst>
               <a:ext uri="{FF2B5EF4-FFF2-40B4-BE49-F238E27FC236}">
-                <a16:creationId xmlns:a16="http://schemas.microsoft.com/office/drawing/2014/main" id="{A22BE2CA-CB45-4256-9DFE-09D078BA1FC6}"/>
+                <a16:creationId xmlns:a16="http://schemas.microsoft.com/office/drawing/2014/main" xmlns="" id="{A22BE2CA-CB45-4256-9DFE-09D078BA1FC6}"/>
               </a:ext>
             </a:extLst>
           </p:cNvPr>
@@ -5253,7 +5355,7 @@
         </p:nvSpPr>
         <p:spPr>
           <a:xfrm>
-            <a:off x="2476854" y="2529186"/>
+            <a:off x="2277339" y="2585456"/>
             <a:ext cx="324223" cy="324223"/>
           </a:xfrm>
           <a:prstGeom prst="ellipse">
@@ -5292,59 +5394,12 @@
           </a:p>
         </p:txBody>
       </p:sp>
-      <p:pic>
-        <p:nvPicPr>
-          <p:cNvPr id="150" name="Picture 2" descr="C:\Users\kunii\Desktop\download.png">
-            <a:extLst>
-              <a:ext uri="{FF2B5EF4-FFF2-40B4-BE49-F238E27FC236}">
-                <a16:creationId xmlns:a16="http://schemas.microsoft.com/office/drawing/2014/main" id="{6D9CF89F-351D-41AB-A5C9-93E12D6AF5C0}"/>
-              </a:ext>
-            </a:extLst>
-          </p:cNvPr>
-          <p:cNvPicPr>
-            <a:picLocks noChangeAspect="1" noChangeArrowheads="1"/>
-          </p:cNvPicPr>
-          <p:nvPr/>
-        </p:nvPicPr>
-        <p:blipFill>
-          <a:blip r:embed="rId5" cstate="print">
-            <a:extLst>
-              <a:ext uri="{28A0092B-C50C-407E-A947-70E740481C1C}">
-                <a14:useLocalDpi xmlns:a14="http://schemas.microsoft.com/office/drawing/2010/main" val="0"/>
-              </a:ext>
-            </a:extLst>
-          </a:blip>
-          <a:srcRect/>
-          <a:stretch>
-            <a:fillRect/>
-          </a:stretch>
-        </p:blipFill>
-        <p:spPr bwMode="auto">
-          <a:xfrm rot="19957390">
-            <a:off x="4751421" y="3736397"/>
-            <a:ext cx="181756" cy="181756"/>
-          </a:xfrm>
-          <a:prstGeom prst="rect">
-            <a:avLst/>
-          </a:prstGeom>
-          <a:noFill/>
-          <a:extLst>
-            <a:ext uri="{909E8E84-426E-40DD-AFC4-6F175D3DCCD1}">
-              <a14:hiddenFill xmlns:a14="http://schemas.microsoft.com/office/drawing/2010/main">
-                <a:solidFill>
-                  <a:srgbClr val="FFFFFF"/>
-                </a:solidFill>
-              </a14:hiddenFill>
-            </a:ext>
-          </a:extLst>
-        </p:spPr>
-      </p:pic>
       <p:sp>
         <p:nvSpPr>
           <p:cNvPr id="151" name="テキスト ボックス 150">
             <a:extLst>
               <a:ext uri="{FF2B5EF4-FFF2-40B4-BE49-F238E27FC236}">
-                <a16:creationId xmlns:a16="http://schemas.microsoft.com/office/drawing/2014/main" id="{F6355D2C-3361-4C3B-B887-45992EF026D3}"/>
+                <a16:creationId xmlns:a16="http://schemas.microsoft.com/office/drawing/2014/main" xmlns="" id="{F6355D2C-3361-4C3B-B887-45992EF026D3}"/>
               </a:ext>
             </a:extLst>
           </p:cNvPr>
@@ -5354,7 +5409,7 @@
         <p:spPr>
           <a:xfrm>
             <a:off x="1716632" y="3845310"/>
-            <a:ext cx="1417376" cy="215444"/>
+            <a:ext cx="995785" cy="338554"/>
           </a:xfrm>
           <a:prstGeom prst="rect">
             <a:avLst/>
@@ -5372,7 +5427,27 @@
                 <a:latin typeface="メイリオ" panose="020B0604030504040204" pitchFamily="50" charset="-128"/>
                 <a:ea typeface="メイリオ" panose="020B0604030504040204" pitchFamily="50" charset="-128"/>
               </a:rPr>
-              <a:t>Send to root@hoge.local</a:t>
+              <a:t>Send to </a:t>
+            </a:r>
+            <a:r>
+              <a:rPr lang="en-US" altLang="ja-JP" sz="800" dirty="0" smtClean="0">
+                <a:latin typeface="メイリオ" panose="020B0604030504040204" pitchFamily="50" charset="-128"/>
+                <a:ea typeface="メイリオ" panose="020B0604030504040204" pitchFamily="50" charset="-128"/>
+              </a:rPr>
+              <a:t/>
+            </a:r>
+            <a:br>
+              <a:rPr lang="en-US" altLang="ja-JP" sz="800" dirty="0" smtClean="0">
+                <a:latin typeface="メイリオ" panose="020B0604030504040204" pitchFamily="50" charset="-128"/>
+                <a:ea typeface="メイリオ" panose="020B0604030504040204" pitchFamily="50" charset="-128"/>
+              </a:rPr>
+            </a:br>
+            <a:r>
+              <a:rPr lang="en-US" altLang="ja-JP" sz="800" dirty="0" smtClean="0">
+                <a:latin typeface="メイリオ" panose="020B0604030504040204" pitchFamily="50" charset="-128"/>
+                <a:ea typeface="メイリオ" panose="020B0604030504040204" pitchFamily="50" charset="-128"/>
+              </a:rPr>
+              <a:t>root@hoge.local</a:t>
             </a:r>
             <a:endParaRPr lang="ja-JP" altLang="en-US" sz="800" dirty="0">
               <a:latin typeface="メイリオ" panose="020B0604030504040204" pitchFamily="50" charset="-128"/>
@@ -5386,7 +5461,7 @@
           <p:cNvPr id="152" name="楕円 151">
             <a:extLst>
               <a:ext uri="{FF2B5EF4-FFF2-40B4-BE49-F238E27FC236}">
-                <a16:creationId xmlns:a16="http://schemas.microsoft.com/office/drawing/2014/main" id="{4E30B1D4-3299-4C26-B9C8-1848C460AAA5}"/>
+                <a16:creationId xmlns:a16="http://schemas.microsoft.com/office/drawing/2014/main" xmlns="" id="{4E30B1D4-3299-4C26-B9C8-1848C460AAA5}"/>
               </a:ext>
             </a:extLst>
           </p:cNvPr>
@@ -5395,7 +5470,7 @@
         </p:nvSpPr>
         <p:spPr>
           <a:xfrm>
-            <a:off x="4256191" y="3932362"/>
+            <a:off x="4059318" y="3435000"/>
             <a:ext cx="324223" cy="324223"/>
           </a:xfrm>
           <a:prstGeom prst="ellipse">
@@ -5439,7 +5514,7 @@
           <p:cNvPr id="153" name="楕円 152">
             <a:extLst>
               <a:ext uri="{FF2B5EF4-FFF2-40B4-BE49-F238E27FC236}">
-                <a16:creationId xmlns:a16="http://schemas.microsoft.com/office/drawing/2014/main" id="{77D57219-6573-4B26-8927-F5BEA69E7893}"/>
+                <a16:creationId xmlns:a16="http://schemas.microsoft.com/office/drawing/2014/main" xmlns="" id="{77D57219-6573-4B26-8927-F5BEA69E7893}"/>
               </a:ext>
             </a:extLst>
           </p:cNvPr>
@@ -5448,7 +5523,7 @@
         </p:nvSpPr>
         <p:spPr>
           <a:xfrm>
-            <a:off x="4434078" y="2190302"/>
+            <a:off x="4104286" y="2190302"/>
             <a:ext cx="324223" cy="324223"/>
           </a:xfrm>
           <a:prstGeom prst="ellipse">
@@ -5492,7 +5567,7 @@
           <p:cNvPr id="158" name="楕円 157">
             <a:extLst>
               <a:ext uri="{FF2B5EF4-FFF2-40B4-BE49-F238E27FC236}">
-                <a16:creationId xmlns:a16="http://schemas.microsoft.com/office/drawing/2014/main" id="{C88099EC-B180-4EED-857C-BD244CB9631E}"/>
+                <a16:creationId xmlns:a16="http://schemas.microsoft.com/office/drawing/2014/main" xmlns="" id="{C88099EC-B180-4EED-857C-BD244CB9631E}"/>
               </a:ext>
             </a:extLst>
           </p:cNvPr>
@@ -5545,7 +5620,7 @@
           <p:cNvPr id="161" name="テキスト ボックス 160">
             <a:extLst>
               <a:ext uri="{FF2B5EF4-FFF2-40B4-BE49-F238E27FC236}">
-                <a16:creationId xmlns:a16="http://schemas.microsoft.com/office/drawing/2014/main" id="{BA93C6EE-F7E6-48C3-A86A-706ABD339CB3}"/>
+                <a16:creationId xmlns:a16="http://schemas.microsoft.com/office/drawing/2014/main" xmlns="" id="{BA93C6EE-F7E6-48C3-A86A-706ABD339CB3}"/>
               </a:ext>
             </a:extLst>
           </p:cNvPr>
@@ -5574,6 +5649,331 @@
                 <a:ea typeface="メイリオ" panose="020B0604030504040204" pitchFamily="50" charset="-128"/>
               </a:rPr>
               <a:t>Save mail</a:t>
+            </a:r>
+            <a:endParaRPr lang="ja-JP" altLang="en-US" sz="800" dirty="0">
+              <a:latin typeface="メイリオ" panose="020B0604030504040204" pitchFamily="50" charset="-128"/>
+              <a:ea typeface="メイリオ" panose="020B0604030504040204" pitchFamily="50" charset="-128"/>
+            </a:endParaRPr>
+          </a:p>
+        </p:txBody>
+      </p:sp>
+      <p:cxnSp>
+        <p:nvCxnSpPr>
+          <p:cNvPr id="52" name="直線矢印コネクタ 51">
+            <a:extLst>
+              <a:ext uri="{FF2B5EF4-FFF2-40B4-BE49-F238E27FC236}">
+                <a16:creationId xmlns:a16="http://schemas.microsoft.com/office/drawing/2014/main" xmlns="" id="{6EAB7808-B045-4D03-A23C-FBE394842669}"/>
+              </a:ext>
+            </a:extLst>
+          </p:cNvPr>
+          <p:cNvCxnSpPr>
+            <a:cxnSpLocks/>
+          </p:cNvCxnSpPr>
+          <p:nvPr/>
+        </p:nvCxnSpPr>
+        <p:spPr>
+          <a:xfrm>
+            <a:off x="3860546" y="4221724"/>
+            <a:ext cx="1860719" cy="0"/>
+          </a:xfrm>
+          <a:prstGeom prst="straightConnector1">
+            <a:avLst/>
+          </a:prstGeom>
+          <a:ln w="57150">
+            <a:solidFill>
+              <a:srgbClr val="FFC000"/>
+            </a:solidFill>
+            <a:tailEnd type="arrow"/>
+          </a:ln>
+        </p:spPr>
+        <p:style>
+          <a:lnRef idx="1">
+            <a:schemeClr val="accent1"/>
+          </a:lnRef>
+          <a:fillRef idx="0">
+            <a:schemeClr val="accent1"/>
+          </a:fillRef>
+          <a:effectRef idx="0">
+            <a:schemeClr val="accent1"/>
+          </a:effectRef>
+          <a:fontRef idx="minor">
+            <a:schemeClr val="tx1"/>
+          </a:fontRef>
+        </p:style>
+      </p:cxnSp>
+      <p:pic>
+        <p:nvPicPr>
+          <p:cNvPr id="53" name="Picture 2" descr="C:\Users\kunii\Desktop\download.png">
+            <a:extLst>
+              <a:ext uri="{FF2B5EF4-FFF2-40B4-BE49-F238E27FC236}">
+                <a16:creationId xmlns:a16="http://schemas.microsoft.com/office/drawing/2014/main" xmlns="" id="{6D9CF89F-351D-41AB-A5C9-93E12D6AF5C0}"/>
+              </a:ext>
+            </a:extLst>
+          </p:cNvPr>
+          <p:cNvPicPr>
+            <a:picLocks noChangeAspect="1" noChangeArrowheads="1"/>
+          </p:cNvPicPr>
+          <p:nvPr/>
+        </p:nvPicPr>
+        <p:blipFill>
+          <a:blip r:embed="rId5" cstate="print">
+            <a:extLst>
+              <a:ext uri="{28A0092B-C50C-407E-A947-70E740481C1C}">
+                <a14:useLocalDpi xmlns:a14="http://schemas.microsoft.com/office/drawing/2010/main" val="0"/>
+              </a:ext>
+            </a:extLst>
+          </a:blip>
+          <a:srcRect/>
+          <a:stretch>
+            <a:fillRect/>
+          </a:stretch>
+        </p:blipFill>
+        <p:spPr bwMode="auto">
+          <a:xfrm rot="19957390">
+            <a:off x="4597678" y="4158537"/>
+            <a:ext cx="181756" cy="181756"/>
+          </a:xfrm>
+          <a:prstGeom prst="rect">
+            <a:avLst/>
+          </a:prstGeom>
+          <a:noFill/>
+          <a:extLst>
+            <a:ext uri="{909E8E84-426E-40DD-AFC4-6F175D3DCCD1}">
+              <a14:hiddenFill xmlns:a14="http://schemas.microsoft.com/office/drawing/2010/main">
+                <a:solidFill>
+                  <a:srgbClr val="FFFFFF"/>
+                </a:solidFill>
+              </a14:hiddenFill>
+            </a:ext>
+          </a:extLst>
+        </p:spPr>
+      </p:pic>
+      <p:sp>
+        <p:nvSpPr>
+          <p:cNvPr id="54" name="楕円 151">
+            <a:extLst>
+              <a:ext uri="{FF2B5EF4-FFF2-40B4-BE49-F238E27FC236}">
+                <a16:creationId xmlns:a16="http://schemas.microsoft.com/office/drawing/2014/main" xmlns="" id="{4E30B1D4-3299-4C26-B9C8-1848C460AAA5}"/>
+              </a:ext>
+            </a:extLst>
+          </p:cNvPr>
+          <p:cNvSpPr/>
+          <p:nvPr/>
+        </p:nvSpPr>
+        <p:spPr>
+          <a:xfrm>
+            <a:off x="4102448" y="4358297"/>
+            <a:ext cx="324223" cy="324223"/>
+          </a:xfrm>
+          <a:prstGeom prst="ellipse">
+            <a:avLst/>
+          </a:prstGeom>
+          <a:ln>
+            <a:noFill/>
+          </a:ln>
+        </p:spPr>
+        <p:style>
+          <a:lnRef idx="2">
+            <a:schemeClr val="accent1">
+              <a:shade val="50000"/>
+            </a:schemeClr>
+          </a:lnRef>
+          <a:fillRef idx="1">
+            <a:schemeClr val="accent1"/>
+          </a:fillRef>
+          <a:effectRef idx="0">
+            <a:schemeClr val="accent1"/>
+          </a:effectRef>
+          <a:fontRef idx="minor">
+            <a:schemeClr val="lt1"/>
+          </a:fontRef>
+        </p:style>
+        <p:txBody>
+          <a:bodyPr rtlCol="0" anchor="ctr"/>
+          <a:lstStyle/>
+          <a:p>
+            <a:pPr algn="ctr"/>
+            <a:r>
+              <a:rPr kumimoji="1" lang="en-US" altLang="ja-JP" dirty="0" smtClean="0"/>
+              <a:t>5</a:t>
+            </a:r>
+            <a:endParaRPr kumimoji="1" lang="ja-JP" altLang="en-US" dirty="0"/>
+          </a:p>
+        </p:txBody>
+      </p:sp>
+      <p:sp>
+        <p:nvSpPr>
+          <p:cNvPr id="55" name="テキスト ボックス 54"/>
+          <p:cNvSpPr txBox="1"/>
+          <p:nvPr/>
+        </p:nvSpPr>
+        <p:spPr>
+          <a:xfrm>
+            <a:off x="4352248" y="3441528"/>
+            <a:ext cx="995785" cy="778675"/>
+          </a:xfrm>
+          <a:prstGeom prst="rect">
+            <a:avLst/>
+          </a:prstGeom>
+          <a:noFill/>
+        </p:spPr>
+        <p:txBody>
+          <a:bodyPr wrap="none" rtlCol="0">
+            <a:spAutoFit/>
+          </a:bodyPr>
+          <a:lstStyle/>
+          <a:p>
+            <a:r>
+              <a:rPr lang="en-US" altLang="ja-JP" sz="800" dirty="0" smtClean="0">
+                <a:latin typeface="メイリオ" panose="020B0604030504040204" pitchFamily="50" charset="-128"/>
+                <a:ea typeface="メイリオ" panose="020B0604030504040204" pitchFamily="50" charset="-128"/>
+              </a:rPr>
+              <a:t>RCPT TO:      </a:t>
+            </a:r>
+            <a:endParaRPr lang="en-US" altLang="ja-JP" sz="800" dirty="0">
+              <a:latin typeface="メイリオ" panose="020B0604030504040204" pitchFamily="50" charset="-128"/>
+              <a:ea typeface="メイリオ" panose="020B0604030504040204" pitchFamily="50" charset="-128"/>
+            </a:endParaRPr>
+          </a:p>
+          <a:p>
+            <a:r>
+              <a:rPr lang="en-US" altLang="ja-JP" sz="800" dirty="0">
+                <a:latin typeface="メイリオ" panose="020B0604030504040204" pitchFamily="50" charset="-128"/>
+                <a:ea typeface="メイリオ" panose="020B0604030504040204" pitchFamily="50" charset="-128"/>
+              </a:rPr>
+              <a:t>root@hoge.local</a:t>
+            </a:r>
+          </a:p>
+          <a:p>
+            <a:r>
+              <a:rPr lang="en-US" altLang="ja-JP" sz="800" dirty="0">
+                <a:latin typeface="メイリオ" panose="020B0604030504040204" pitchFamily="50" charset="-128"/>
+                <a:ea typeface="メイリオ" panose="020B0604030504040204" pitchFamily="50" charset="-128"/>
+              </a:rPr>
+              <a:t/>
+            </a:r>
+            <a:br>
+              <a:rPr lang="en-US" altLang="ja-JP" sz="800" dirty="0">
+                <a:latin typeface="メイリオ" panose="020B0604030504040204" pitchFamily="50" charset="-128"/>
+                <a:ea typeface="メイリオ" panose="020B0604030504040204" pitchFamily="50" charset="-128"/>
+              </a:rPr>
+            </a:br>
+            <a:r>
+              <a:rPr lang="en-US" altLang="ja-JP" sz="800" dirty="0" smtClean="0">
+                <a:latin typeface="メイリオ" panose="020B0604030504040204" pitchFamily="50" charset="-128"/>
+                <a:ea typeface="メイリオ" panose="020B0604030504040204" pitchFamily="50" charset="-128"/>
+              </a:rPr>
+              <a:t>MROM:  </a:t>
+            </a:r>
+            <a:endParaRPr lang="en-US" altLang="ja-JP" sz="800" dirty="0">
+              <a:latin typeface="メイリオ" panose="020B0604030504040204" pitchFamily="50" charset="-128"/>
+              <a:ea typeface="メイリオ" panose="020B0604030504040204" pitchFamily="50" charset="-128"/>
+            </a:endParaRPr>
+          </a:p>
+          <a:p>
+            <a:r>
+              <a:rPr lang="en-US" altLang="ja-JP" sz="800" dirty="0">
+                <a:latin typeface="メイリオ" panose="020B0604030504040204" pitchFamily="50" charset="-128"/>
+                <a:ea typeface="メイリオ" panose="020B0604030504040204" pitchFamily="50" charset="-128"/>
+              </a:rPr>
+              <a:t>root@fuga.local</a:t>
+            </a:r>
+            <a:endParaRPr lang="ja-JP" altLang="en-US" sz="800" dirty="0">
+              <a:latin typeface="メイリオ" panose="020B0604030504040204" pitchFamily="50" charset="-128"/>
+              <a:ea typeface="メイリオ" panose="020B0604030504040204" pitchFamily="50" charset="-128"/>
+            </a:endParaRPr>
+          </a:p>
+        </p:txBody>
+      </p:sp>
+      <p:sp>
+        <p:nvSpPr>
+          <p:cNvPr id="58" name="テキスト ボックス 57">
+            <a:extLst>
+              <a:ext uri="{FF2B5EF4-FFF2-40B4-BE49-F238E27FC236}">
+                <a16:creationId xmlns:a16="http://schemas.microsoft.com/office/drawing/2014/main" xmlns="" id="{913630E1-22CA-47F3-B798-92C38EEEC800}"/>
+              </a:ext>
+            </a:extLst>
+          </p:cNvPr>
+          <p:cNvSpPr txBox="1"/>
+          <p:nvPr/>
+        </p:nvSpPr>
+        <p:spPr>
+          <a:xfrm>
+            <a:off x="1575868" y="4633487"/>
+            <a:ext cx="1603324" cy="646331"/>
+          </a:xfrm>
+          <a:prstGeom prst="rect">
+            <a:avLst/>
+          </a:prstGeom>
+          <a:noFill/>
+        </p:spPr>
+        <p:txBody>
+          <a:bodyPr wrap="none" rtlCol="0">
+            <a:spAutoFit/>
+          </a:bodyPr>
+          <a:lstStyle/>
+          <a:p>
+            <a:pPr>
+              <a:lnSpc>
+                <a:spcPct val="150000"/>
+              </a:lnSpc>
+            </a:pPr>
+            <a:r>
+              <a:rPr lang="en-US" altLang="ja-JP" sz="800" dirty="0">
+                <a:latin typeface="メイリオ" panose="020B0604030504040204" pitchFamily="50" charset="-128"/>
+                <a:ea typeface="メイリオ" panose="020B0604030504040204" pitchFamily="50" charset="-128"/>
+              </a:rPr>
+              <a:t>myhost:        </a:t>
+            </a:r>
+            <a:r>
+              <a:rPr lang="en-US" altLang="ja-JP" sz="800" dirty="0" smtClean="0">
+                <a:latin typeface="メイリオ" panose="020B0604030504040204" pitchFamily="50" charset="-128"/>
+                <a:ea typeface="メイリオ" panose="020B0604030504040204" pitchFamily="50" charset="-128"/>
+              </a:rPr>
+              <a:t>mail.fuga.local</a:t>
+            </a:r>
+            <a:endParaRPr lang="en-US" altLang="ja-JP" sz="800" dirty="0">
+              <a:latin typeface="メイリオ" panose="020B0604030504040204" pitchFamily="50" charset="-128"/>
+              <a:ea typeface="メイリオ" panose="020B0604030504040204" pitchFamily="50" charset="-128"/>
+            </a:endParaRPr>
+          </a:p>
+          <a:p>
+            <a:pPr>
+              <a:lnSpc>
+                <a:spcPct val="150000"/>
+              </a:lnSpc>
+            </a:pPr>
+            <a:r>
+              <a:rPr lang="en-US" altLang="ja-JP" sz="800" dirty="0">
+                <a:latin typeface="メイリオ" panose="020B0604030504040204" pitchFamily="50" charset="-128"/>
+                <a:ea typeface="メイリオ" panose="020B0604030504040204" pitchFamily="50" charset="-128"/>
+              </a:rPr>
+              <a:t>mydomain:    </a:t>
+            </a:r>
+            <a:r>
+              <a:rPr lang="en-US" altLang="ja-JP" sz="800" dirty="0" smtClean="0">
+                <a:latin typeface="メイリオ" panose="020B0604030504040204" pitchFamily="50" charset="-128"/>
+                <a:ea typeface="メイリオ" panose="020B0604030504040204" pitchFamily="50" charset="-128"/>
+              </a:rPr>
+              <a:t>fuga.local</a:t>
+            </a:r>
+            <a:endParaRPr lang="en-US" altLang="ja-JP" sz="800" dirty="0">
+              <a:latin typeface="メイリオ" panose="020B0604030504040204" pitchFamily="50" charset="-128"/>
+              <a:ea typeface="メイリオ" panose="020B0604030504040204" pitchFamily="50" charset="-128"/>
+            </a:endParaRPr>
+          </a:p>
+          <a:p>
+            <a:pPr>
+              <a:lnSpc>
+                <a:spcPct val="150000"/>
+              </a:lnSpc>
+            </a:pPr>
+            <a:r>
+              <a:rPr lang="en-US" altLang="ja-JP" sz="800" dirty="0">
+                <a:latin typeface="メイリオ" panose="020B0604030504040204" pitchFamily="50" charset="-128"/>
+                <a:ea typeface="メイリオ" panose="020B0604030504040204" pitchFamily="50" charset="-128"/>
+              </a:rPr>
+              <a:t>mynetworks: 10.5.0.0/16</a:t>
             </a:r>
             <a:endParaRPr lang="ja-JP" altLang="en-US" sz="800" dirty="0">
               <a:latin typeface="メイリオ" panose="020B0604030504040204" pitchFamily="50" charset="-128"/>
